--- a/draft-gandhi-spring-stamp-srpm-00.pptx
+++ b/draft-gandhi-spring-stamp-srpm-00.pptx
@@ -14,7 +14,7 @@
     <p:sldId id="1661" r:id="rId2"/>
     <p:sldId id="1662" r:id="rId3"/>
     <p:sldId id="1663" r:id="rId4"/>
-    <p:sldId id="1664" r:id="rId5"/>
+    <p:sldId id="1653" r:id="rId5"/>
     <p:sldId id="1665" r:id="rId6"/>
     <p:sldId id="1666" r:id="rId7"/>
     <p:sldId id="1667" r:id="rId8"/>
@@ -1224,7 +1224,7 @@
     </p:spTree>
     <p:extLst>
       <p:ext uri="{BB962C8B-B14F-4D97-AF65-F5344CB8AC3E}">
-        <p14:creationId xmlns:p14="http://schemas.microsoft.com/office/powerpoint/2010/main" val="169166842"/>
+        <p14:creationId xmlns:p14="http://schemas.microsoft.com/office/powerpoint/2010/main" val="1782815436"/>
       </p:ext>
     </p:extLst>
   </p:cSld>
@@ -2560,7 +2560,7 @@
               </a14:hiddenLine>
             </a:ext>
             <a:ext uri="{FAA26D3D-D897-4be2-8F04-BA451C77F1D7}">
-              <ma14:placeholderFlag xmlns="" xmlns:ma14="http://schemas.microsoft.com/office/mac/drawingml/2011/main" val="1"/>
+              <ma14:placeholderFlag xmlns:ma14="http://schemas.microsoft.com/office/mac/drawingml/2011/main" xmlns="" val="1"/>
             </a:ext>
           </a:extLst>
         </p:spPr>
@@ -6201,7 +6201,7 @@
         </p:nvSpPr>
         <p:spPr>
           <a:xfrm>
-            <a:off x="304800" y="-39330"/>
+            <a:off x="298712" y="0"/>
             <a:ext cx="8505372" cy="706080"/>
           </a:xfrm>
         </p:spPr>
@@ -6218,7 +6218,26 @@
                 <a:latin typeface="Calibri Light" panose="020F0302020204030204" pitchFamily="34" charset="0"/>
                 <a:cs typeface="Calibri Light" panose="020F0302020204030204" pitchFamily="34" charset="0"/>
               </a:rPr>
-              <a:t>STAMP DM Message with Direct TLV (DM+LM Combined Probe Message)</a:t>
+              <a:t>STAMP DM Message with Direct Measurement TLV </a:t>
+            </a:r>
+            <a:br>
+              <a:rPr lang="en-US" sz="2200" dirty="0">
+                <a:solidFill>
+                  <a:srgbClr val="0070C0"/>
+                </a:solidFill>
+                <a:latin typeface="Calibri Light" panose="020F0302020204030204" pitchFamily="34" charset="0"/>
+                <a:cs typeface="Calibri Light" panose="020F0302020204030204" pitchFamily="34" charset="0"/>
+              </a:rPr>
+            </a:br>
+            <a:r>
+              <a:rPr lang="en-US" sz="2200" dirty="0">
+                <a:solidFill>
+                  <a:srgbClr val="0070C0"/>
+                </a:solidFill>
+                <a:latin typeface="Calibri Light" panose="020F0302020204030204" pitchFamily="34" charset="0"/>
+                <a:cs typeface="Calibri Light" panose="020F0302020204030204" pitchFamily="34" charset="0"/>
+              </a:rPr>
+              <a:t>(DM+LM Combined Probe Message)</a:t>
             </a:r>
           </a:p>
         </p:txBody>
@@ -6231,7 +6250,7 @@
         </p:nvSpPr>
         <p:spPr>
           <a:xfrm>
-            <a:off x="228600" y="614898"/>
+            <a:off x="240655" y="733725"/>
             <a:ext cx="4310743" cy="4016484"/>
           </a:xfrm>
           <a:prstGeom prst="rect">
@@ -6865,7 +6884,7 @@
         </p:nvSpPr>
         <p:spPr>
           <a:xfrm>
-            <a:off x="4495800" y="614898"/>
+            <a:off x="4507855" y="733725"/>
             <a:ext cx="4368799" cy="4016484"/>
           </a:xfrm>
           <a:prstGeom prst="rect">
@@ -7683,7 +7702,7 @@
         </p:nvSpPr>
         <p:spPr>
           <a:xfrm>
-            <a:off x="7585136" y="4666358"/>
+            <a:off x="7543800" y="4745366"/>
             <a:ext cx="1143000" cy="357188"/>
           </a:xfrm>
           <a:prstGeom prst="rect">
@@ -7854,7 +7873,7 @@
         </p:nvCxnSpPr>
         <p:spPr>
           <a:xfrm>
-            <a:off x="4648200" y="614898"/>
+            <a:off x="4660255" y="733725"/>
             <a:ext cx="0" cy="4016484"/>
           </a:xfrm>
           <a:prstGeom prst="line">
@@ -8723,7 +8742,7 @@
         <p:spPr>
           <a:xfrm>
             <a:off x="457200" y="831574"/>
-            <a:ext cx="8077200" cy="3619500"/>
+            <a:ext cx="8229600" cy="3416576"/>
           </a:xfrm>
         </p:spPr>
         <p:txBody>
@@ -8731,105 +8750,98 @@
           <a:lstStyle/>
           <a:p>
             <a:r>
-              <a:rPr lang="en-US" sz="1200" dirty="0"/>
+              <a:rPr lang="en-US" sz="1100" dirty="0"/>
               <a:t>Feb 2019</a:t>
             </a:r>
           </a:p>
           <a:p>
             <a:pPr lvl="1"/>
             <a:r>
-              <a:rPr lang="en-US" sz="1200" dirty="0"/>
+              <a:rPr lang="en-US" sz="1100" dirty="0"/>
               <a:t>Draft was first published</a:t>
             </a:r>
           </a:p>
           <a:p>
             <a:r>
-              <a:rPr lang="en-US" sz="1200" dirty="0"/>
+              <a:rPr lang="en-US" sz="1100" dirty="0"/>
+              <a:t>May 2019</a:t>
+            </a:r>
+          </a:p>
+          <a:p>
+            <a:pPr lvl="1"/>
+            <a:r>
+              <a:rPr lang="en-US" sz="1100" dirty="0"/>
+              <a:t>Added STAMP TLV for Return Path </a:t>
+            </a:r>
+          </a:p>
+          <a:p>
+            <a:r>
+              <a:rPr lang="en-US" sz="1100" dirty="0"/>
               <a:t>Mar 2019</a:t>
             </a:r>
           </a:p>
           <a:p>
             <a:pPr lvl="1"/>
             <a:r>
-              <a:rPr lang="en-US" sz="1200" dirty="0"/>
+              <a:rPr lang="en-US" sz="1100" dirty="0"/>
               <a:t>Presented revision-00 at IETF 104 Prague in SPRING WG</a:t>
             </a:r>
           </a:p>
           <a:p>
             <a:r>
-              <a:rPr lang="en-US" sz="1200" dirty="0"/>
+              <a:rPr lang="en-US" sz="1100" dirty="0"/>
               <a:t>July 2019</a:t>
             </a:r>
           </a:p>
           <a:p>
             <a:pPr lvl="1"/>
             <a:r>
-              <a:rPr lang="en-US" sz="1200" dirty="0"/>
+              <a:rPr lang="en-US" sz="1100" dirty="0"/>
               <a:t>Presented revision-01 at IETF 105 Montreal in IPPM WG</a:t>
             </a:r>
           </a:p>
           <a:p>
             <a:pPr lvl="2"/>
             <a:r>
-              <a:rPr lang="en-US" sz="1200" dirty="0"/>
+              <a:rPr lang="en-US" sz="1100" dirty="0"/>
               <a:t>Slide 9 Titled - </a:t>
             </a:r>
             <a:r>
-              <a:rPr lang="en-CA" sz="1200" dirty="0"/>
-              <a:t>Applicability of STAMP - STAMP is supported</a:t>
-            </a:r>
-            <a:endParaRPr lang="en-US" sz="1200" dirty="0"/>
-          </a:p>
-          <a:p>
-            <a:pPr lvl="2"/>
-            <a:r>
-              <a:rPr lang="en-US" sz="1200" dirty="0"/>
-              <a:t>Draft contained STAMP TLV extensions (Return Path TLV) (Section </a:t>
-            </a:r>
-            <a:r>
-              <a:rPr lang="en-CA" sz="1200" dirty="0"/>
-              <a:t>3.2.2.1. Return Path TLV)</a:t>
-            </a:r>
-            <a:endParaRPr lang="en-US" sz="1200" dirty="0"/>
-          </a:p>
-          <a:p>
-            <a:r>
-              <a:rPr lang="en-US" sz="1200" dirty="0"/>
+              <a:rPr lang="en-CA" sz="1100" dirty="0"/>
+              <a:t>Applicability of STAMP – STAMP is supported</a:t>
+            </a:r>
+            <a:endParaRPr lang="en-US" sz="1100" dirty="0"/>
+          </a:p>
+          <a:p>
+            <a:r>
+              <a:rPr lang="en-US" sz="1100" dirty="0"/>
               <a:t>Aug 2019</a:t>
             </a:r>
           </a:p>
           <a:p>
             <a:pPr lvl="1"/>
             <a:r>
-              <a:rPr lang="en-US" sz="1200" dirty="0"/>
-              <a:t>Revision-02 updates included a section on STAMP support and STAMP LM messages (Section </a:t>
-            </a:r>
-            <a:r>
-              <a:rPr lang="en-CA" sz="1200" dirty="0"/>
-              <a:t>3.2. STAMP Applicability</a:t>
-            </a:r>
-            <a:r>
-              <a:rPr lang="en-US" sz="1200" dirty="0"/>
-              <a:t>)</a:t>
-            </a:r>
-          </a:p>
-          <a:p>
-            <a:r>
-              <a:rPr lang="en-US" sz="1200" dirty="0"/>
+              <a:rPr lang="en-US" sz="1100" dirty="0"/>
+              <a:t>Revision-02 updates included a section STAMP LM messages</a:t>
+            </a:r>
+          </a:p>
+          <a:p>
+            <a:r>
+              <a:rPr lang="en-US" sz="1100" dirty="0"/>
               <a:t>Nov 2019</a:t>
             </a:r>
           </a:p>
           <a:p>
             <a:pPr lvl="1"/>
             <a:r>
-              <a:rPr lang="en-US" sz="1200" b="1" dirty="0"/>
+              <a:rPr lang="en-US" sz="1100" b="1" dirty="0"/>
               <a:t>SPRING Chairs announced in the meeting the agreement with IPPM chairs to progress the draft in SPRING WG</a:t>
             </a:r>
           </a:p>
           <a:p>
             <a:pPr lvl="1"/>
             <a:r>
-              <a:rPr lang="en-US" sz="1200" dirty="0"/>
+              <a:rPr lang="en-US" sz="1100" dirty="0"/>
               <a:t>Presented revision-04 at IETF 106 Singapore in SPRING WG</a:t>
             </a:r>
           </a:p>
@@ -8857,7 +8869,6 @@
               <a:rPr lang="en-US" sz="1100" i="1" dirty="0"/>
               <a:t>--spring-stamp-srpm-00</a:t>
             </a:r>
-            <a:endParaRPr lang="en-US" sz="1200" dirty="0"/>
           </a:p>
         </p:txBody>
       </p:sp>
@@ -8931,7 +8942,7 @@
     </p:spTree>
     <p:extLst>
       <p:ext uri="{BB962C8B-B14F-4D97-AF65-F5344CB8AC3E}">
-        <p14:creationId xmlns:p14="http://schemas.microsoft.com/office/powerpoint/2010/main" val="4033455052"/>
+        <p14:creationId xmlns:p14="http://schemas.microsoft.com/office/powerpoint/2010/main" val="2612321327"/>
       </p:ext>
     </p:extLst>
   </p:cSld>
@@ -9752,7 +9763,7 @@
           </a:p>
           <a:p>
             <a:r>
-              <a:rPr lang="en-US" sz="1200" b="1" dirty="0">
+              <a:rPr lang="en-US" sz="1200" dirty="0">
                 <a:solidFill>
                   <a:schemeClr val="tx2"/>
                 </a:solidFill>
@@ -9764,6 +9775,52 @@
           </a:p>
         </p:txBody>
       </p:sp>
+      <p:cxnSp>
+        <p:nvCxnSpPr>
+          <p:cNvPr id="8" name="Straight Connector 7">
+            <a:extLst>
+              <a:ext uri="{FF2B5EF4-FFF2-40B4-BE49-F238E27FC236}">
+                <a16:creationId xmlns:a16="http://schemas.microsoft.com/office/drawing/2014/main" id="{F1DD38BA-BD9C-FD4A-AB59-1423FBF70536}"/>
+              </a:ext>
+            </a:extLst>
+          </p:cNvPr>
+          <p:cNvCxnSpPr>
+            <a:cxnSpLocks/>
+          </p:cNvCxnSpPr>
+          <p:nvPr/>
+        </p:nvCxnSpPr>
+        <p:spPr>
+          <a:xfrm>
+            <a:off x="4229100" y="2647950"/>
+            <a:ext cx="4648200" cy="0"/>
+          </a:xfrm>
+          <a:prstGeom prst="line">
+            <a:avLst/>
+          </a:prstGeom>
+          <a:ln w="19050">
+            <a:solidFill>
+              <a:schemeClr val="tx1">
+                <a:lumMod val="50000"/>
+                <a:lumOff val="50000"/>
+              </a:schemeClr>
+            </a:solidFill>
+          </a:ln>
+        </p:spPr>
+        <p:style>
+          <a:lnRef idx="1">
+            <a:schemeClr val="accent1"/>
+          </a:lnRef>
+          <a:fillRef idx="0">
+            <a:schemeClr val="accent1"/>
+          </a:fillRef>
+          <a:effectRef idx="0">
+            <a:schemeClr val="accent1"/>
+          </a:effectRef>
+          <a:fontRef idx="minor">
+            <a:schemeClr val="tx1"/>
+          </a:fontRef>
+        </p:style>
+      </p:cxnSp>
     </p:spTree>
     <p:extLst>
       <p:ext uri="{BB962C8B-B14F-4D97-AF65-F5344CB8AC3E}">

--- a/draft-gandhi-spring-stamp-srpm-00.pptx
+++ b/draft-gandhi-spring-stamp-srpm-00.pptx
@@ -5,10 +5,10 @@
     <p:sldMasterId id="2147483648" r:id="rId1"/>
   </p:sldMasterIdLst>
   <p:notesMasterIdLst>
-    <p:notesMasterId r:id="rId16"/>
+    <p:notesMasterId r:id="rId17"/>
   </p:notesMasterIdLst>
   <p:handoutMasterIdLst>
-    <p:handoutMasterId r:id="rId17"/>
+    <p:handoutMasterId r:id="rId18"/>
   </p:handoutMasterIdLst>
   <p:sldIdLst>
     <p:sldId id="1661" r:id="rId2"/>
@@ -20,11 +20,12 @@
     <p:sldId id="1667" r:id="rId8"/>
     <p:sldId id="1668" r:id="rId9"/>
     <p:sldId id="1669" r:id="rId10"/>
-    <p:sldId id="1670" r:id="rId11"/>
-    <p:sldId id="1671" r:id="rId12"/>
-    <p:sldId id="1655" r:id="rId13"/>
-    <p:sldId id="1649" r:id="rId14"/>
-    <p:sldId id="1654" r:id="rId15"/>
+    <p:sldId id="321" r:id="rId11"/>
+    <p:sldId id="1670" r:id="rId12"/>
+    <p:sldId id="1671" r:id="rId13"/>
+    <p:sldId id="1655" r:id="rId14"/>
+    <p:sldId id="1649" r:id="rId15"/>
+    <p:sldId id="1654" r:id="rId16"/>
   </p:sldIdLst>
   <p:sldSz cx="9144000" cy="5143500" type="screen16x9"/>
   <p:notesSz cx="6858000" cy="9144000"/>
@@ -257,7 +258,7 @@
           <a:p>
             <a:fld id="{E8FA3DB5-7722-3F4F-947D-12B203669AD7}" type="datetimeFigureOut">
               <a:rPr lang="en-US" smtClean="0"/>
-              <a:t>3/23/20</a:t>
+              <a:t>3/30/20</a:t>
             </a:fld>
             <a:endParaRPr lang="en-US"/>
           </a:p>
@@ -945,7 +946,7 @@
               <a:pPr>
                 <a:defRPr/>
               </a:pPr>
-              <a:t>14</a:t>
+              <a:t>15</a:t>
             </a:fld>
             <a:endParaRPr lang="en-US" altLang="zh-CN"/>
           </a:p>
@@ -1485,7 +1486,7 @@
               <a:pPr>
                 <a:defRPr/>
               </a:pPr>
-              <a:t>10</a:t>
+              <a:t>11</a:t>
             </a:fld>
             <a:endParaRPr lang="en-US" altLang="zh-CN"/>
           </a:p>
@@ -1575,7 +1576,7 @@
               <a:pPr>
                 <a:defRPr/>
               </a:pPr>
-              <a:t>11</a:t>
+              <a:t>12</a:t>
             </a:fld>
             <a:endParaRPr lang="en-US" altLang="zh-CN"/>
           </a:p>
@@ -1665,7 +1666,7 @@
               <a:pPr>
                 <a:defRPr/>
               </a:pPr>
-              <a:t>12</a:t>
+              <a:t>13</a:t>
             </a:fld>
             <a:endParaRPr lang="en-US" altLang="zh-CN"/>
           </a:p>
@@ -5506,15 +5507,7 @@
             </a:pPr>
             <a:r>
               <a:rPr lang="en-US" altLang="zh-CN" dirty="0"/>
-              <a:t>107</a:t>
-            </a:r>
-            <a:r>
-              <a:rPr lang="en-US" altLang="zh-CN" baseline="30000" dirty="0"/>
-              <a:t>th</a:t>
-            </a:r>
-            <a:r>
-              <a:rPr lang="en-US" altLang="zh-CN" dirty="0"/>
-              <a:t> IETF @ Vancouver</a:t>
+              <a:t>IETF IPPM Interim – April 2020</a:t>
             </a:r>
           </a:p>
         </p:txBody>
@@ -5544,7 +5537,7 @@
               </a:pPr>
               <a:t>1</a:t>
             </a:fld>
-            <a:endParaRPr lang="en-US" altLang="zh-CN"/>
+            <a:endParaRPr lang="en-US" altLang="zh-CN" dirty="0"/>
           </a:p>
         </p:txBody>
       </p:sp>
@@ -5590,94 +5583,25 @@
         </p:nvSpPr>
         <p:spPr>
           <a:xfrm>
-            <a:off x="457200" y="0"/>
-            <a:ext cx="8229600" cy="857250"/>
+            <a:off x="304800" y="209550"/>
+            <a:ext cx="3962400" cy="845539"/>
           </a:xfrm>
         </p:spPr>
         <p:txBody>
           <a:bodyPr/>
           <a:lstStyle/>
           <a:p>
-            <a:r>
-              <a:rPr lang="en-US" sz="3600" dirty="0">
+            <a:pPr algn="l"/>
+            <a:r>
+              <a:rPr lang="en-US" sz="2800" dirty="0">
                 <a:solidFill>
                   <a:srgbClr val="0070C0"/>
                 </a:solidFill>
                 <a:latin typeface="Calibri Light" panose="020F0302020204030204" pitchFamily="34" charset="0"/>
                 <a:cs typeface="Calibri Light" panose="020F0302020204030204" pitchFamily="34" charset="0"/>
               </a:rPr>
-              <a:t>Next Steps</a:t>
-            </a:r>
-          </a:p>
-        </p:txBody>
-      </p:sp>
-      <p:sp>
-        <p:nvSpPr>
-          <p:cNvPr id="3" name="Content Placeholder 2"/>
-          <p:cNvSpPr>
-            <a:spLocks noGrp="1"/>
-          </p:cNvSpPr>
-          <p:nvPr>
-            <p:ph idx="1"/>
-          </p:nvPr>
-        </p:nvSpPr>
-        <p:spPr>
-          <a:xfrm>
-            <a:off x="685800" y="1123950"/>
-            <a:ext cx="8001000" cy="2514599"/>
-          </a:xfrm>
-        </p:spPr>
-        <p:txBody>
-          <a:bodyPr/>
-          <a:lstStyle/>
-          <a:p>
-            <a:pPr lvl="0"/>
-            <a:r>
-              <a:rPr lang="en-US" sz="2400" dirty="0">
-                <a:latin typeface="Calibri" charset="0"/>
-                <a:ea typeface="Calibri" charset="0"/>
-                <a:cs typeface="Calibri" charset="0"/>
-              </a:rPr>
-              <a:t>Welcome your comments and suggestions</a:t>
-            </a:r>
-          </a:p>
-          <a:p>
-            <a:r>
-              <a:rPr lang="en-US" sz="2400" dirty="0"/>
-              <a:t>Implementation exists</a:t>
-            </a:r>
-          </a:p>
-          <a:p>
-            <a:r>
-              <a:rPr lang="en-US" sz="2400" dirty="0"/>
-              <a:t>In </a:t>
-            </a:r>
-            <a:r>
-              <a:rPr lang="en-US" sz="2400" dirty="0">
-                <a:latin typeface="Calibri" charset="0"/>
-                <a:ea typeface="Calibri" charset="0"/>
-                <a:cs typeface="Calibri" charset="0"/>
-              </a:rPr>
-              <a:t>WG adoption (SPRING WG) queue</a:t>
-            </a:r>
-          </a:p>
-          <a:p>
-            <a:r>
-              <a:rPr lang="en-US" sz="2400" dirty="0"/>
-              <a:t>Keep IPPM WG in the loop about the milestones</a:t>
-            </a:r>
-            <a:endParaRPr lang="en-US" sz="2400" dirty="0">
-              <a:latin typeface="Calibri" charset="0"/>
-              <a:ea typeface="Calibri" charset="0"/>
-              <a:cs typeface="Calibri" charset="0"/>
-            </a:endParaRPr>
-          </a:p>
-          <a:p>
-            <a:endParaRPr lang="en-US" sz="2400" dirty="0">
-              <a:latin typeface="Calibri" charset="0"/>
-              <a:ea typeface="Calibri" charset="0"/>
-              <a:cs typeface="Calibri" charset="0"/>
-            </a:endParaRPr>
+              <a:t>Stand-alone LM Message Format for STAMP</a:t>
+            </a:r>
           </a:p>
         </p:txBody>
       </p:sp>
@@ -5693,7 +5617,7 @@
         </p:nvSpPr>
         <p:spPr>
           <a:xfrm>
-            <a:off x="3124200" y="4786312"/>
+            <a:off x="2971800" y="4857750"/>
             <a:ext cx="2895600" cy="357188"/>
           </a:xfrm>
         </p:spPr>
@@ -5705,23 +5629,275 @@
               <a:defRPr/>
             </a:pPr>
             <a:r>
-              <a:rPr lang="en-US" altLang="zh-CN" dirty="0"/>
-              <a:t>107</a:t>
-            </a:r>
-            <a:r>
-              <a:rPr lang="en-US" altLang="zh-CN" baseline="30000" dirty="0"/>
-              <a:t>th</a:t>
-            </a:r>
-            <a:r>
-              <a:rPr lang="en-US" altLang="zh-CN" dirty="0"/>
-              <a:t> IETF @ Vancouver</a:t>
+              <a:rPr lang="en-US" altLang="zh-CN" sz="1200" dirty="0"/>
+              <a:t>IETF IPPM Interim – April 2020</a:t>
             </a:r>
           </a:p>
         </p:txBody>
       </p:sp>
       <p:sp>
         <p:nvSpPr>
-          <p:cNvPr id="5" name="Slide Number Placeholder 4"/>
+          <p:cNvPr id="6" name="Content Placeholder 2"/>
+          <p:cNvSpPr txBox="1">
+            <a:spLocks/>
+          </p:cNvSpPr>
+          <p:nvPr/>
+        </p:nvSpPr>
+        <p:spPr bwMode="auto">
+          <a:xfrm>
+            <a:off x="291548" y="1276350"/>
+            <a:ext cx="4356652" cy="2977162"/>
+          </a:xfrm>
+          <a:prstGeom prst="rect">
+            <a:avLst/>
+          </a:prstGeom>
+          <a:noFill/>
+          <a:ln w="9525">
+            <a:noFill/>
+            <a:miter lim="800000"/>
+            <a:headEnd/>
+            <a:tailEnd/>
+          </a:ln>
+        </p:spPr>
+        <p:txBody>
+          <a:bodyPr vert="horz" wrap="square" lIns="91440" tIns="45720" rIns="91440" bIns="45720" numCol="1" anchor="t" anchorCtr="0" compatLnSpc="1">
+            <a:prstTxWarp prst="textNoShape">
+              <a:avLst/>
+            </a:prstTxWarp>
+          </a:bodyPr>
+          <a:lstStyle>
+            <a:lvl1pPr marL="342900" indent="-342900" algn="l" rtl="0" eaLnBrk="0" fontAlgn="base" hangingPunct="0">
+              <a:spcBef>
+                <a:spcPct val="20000"/>
+              </a:spcBef>
+              <a:spcAft>
+                <a:spcPct val="0"/>
+              </a:spcAft>
+              <a:buChar char="•"/>
+              <a:defRPr sz="3200">
+                <a:solidFill>
+                  <a:schemeClr val="tx1"/>
+                </a:solidFill>
+                <a:latin typeface="Calibri" charset="0"/>
+                <a:ea typeface="Calibri" charset="0"/>
+                <a:cs typeface="Calibri" charset="0"/>
+              </a:defRPr>
+            </a:lvl1pPr>
+            <a:lvl2pPr marL="742950" indent="-285750" algn="l" rtl="0" eaLnBrk="0" fontAlgn="base" hangingPunct="0">
+              <a:spcBef>
+                <a:spcPct val="20000"/>
+              </a:spcBef>
+              <a:spcAft>
+                <a:spcPct val="0"/>
+              </a:spcAft>
+              <a:buChar char="–"/>
+              <a:defRPr sz="2800">
+                <a:solidFill>
+                  <a:schemeClr val="tx1"/>
+                </a:solidFill>
+                <a:latin typeface="Calibri" charset="0"/>
+                <a:ea typeface="Calibri" charset="0"/>
+                <a:cs typeface="Calibri" charset="0"/>
+              </a:defRPr>
+            </a:lvl2pPr>
+            <a:lvl3pPr marL="1143000" indent="-228600" algn="l" rtl="0" eaLnBrk="0" fontAlgn="base" hangingPunct="0">
+              <a:spcBef>
+                <a:spcPct val="20000"/>
+              </a:spcBef>
+              <a:spcAft>
+                <a:spcPct val="0"/>
+              </a:spcAft>
+              <a:buChar char="•"/>
+              <a:defRPr sz="2400">
+                <a:solidFill>
+                  <a:schemeClr val="tx1"/>
+                </a:solidFill>
+                <a:latin typeface="Calibri" charset="0"/>
+                <a:ea typeface="Calibri" charset="0"/>
+                <a:cs typeface="Calibri" charset="0"/>
+              </a:defRPr>
+            </a:lvl3pPr>
+            <a:lvl4pPr marL="1600200" indent="-228600" algn="l" rtl="0" eaLnBrk="0" fontAlgn="base" hangingPunct="0">
+              <a:spcBef>
+                <a:spcPct val="20000"/>
+              </a:spcBef>
+              <a:spcAft>
+                <a:spcPct val="0"/>
+              </a:spcAft>
+              <a:buChar char="–"/>
+              <a:defRPr sz="2000">
+                <a:solidFill>
+                  <a:schemeClr val="tx1"/>
+                </a:solidFill>
+                <a:latin typeface="Calibri" charset="0"/>
+                <a:ea typeface="Calibri" charset="0"/>
+                <a:cs typeface="Calibri" charset="0"/>
+              </a:defRPr>
+            </a:lvl4pPr>
+            <a:lvl5pPr marL="2057400" indent="-228600" algn="l" rtl="0" eaLnBrk="0" fontAlgn="base" hangingPunct="0">
+              <a:spcBef>
+                <a:spcPct val="20000"/>
+              </a:spcBef>
+              <a:spcAft>
+                <a:spcPct val="0"/>
+              </a:spcAft>
+              <a:buChar char="»"/>
+              <a:defRPr sz="2000">
+                <a:solidFill>
+                  <a:schemeClr val="tx1"/>
+                </a:solidFill>
+                <a:latin typeface="Calibri" charset="0"/>
+                <a:ea typeface="Calibri" charset="0"/>
+                <a:cs typeface="Calibri" charset="0"/>
+              </a:defRPr>
+            </a:lvl5pPr>
+            <a:lvl6pPr marL="2514600" indent="-228600" algn="l" rtl="0" fontAlgn="base">
+              <a:spcBef>
+                <a:spcPct val="20000"/>
+              </a:spcBef>
+              <a:spcAft>
+                <a:spcPct val="0"/>
+              </a:spcAft>
+              <a:buChar char="»"/>
+              <a:defRPr sz="2000">
+                <a:solidFill>
+                  <a:schemeClr val="tx1"/>
+                </a:solidFill>
+                <a:latin typeface="+mn-lt"/>
+                <a:ea typeface="+mn-ea"/>
+              </a:defRPr>
+            </a:lvl6pPr>
+            <a:lvl7pPr marL="2971800" indent="-228600" algn="l" rtl="0" fontAlgn="base">
+              <a:spcBef>
+                <a:spcPct val="20000"/>
+              </a:spcBef>
+              <a:spcAft>
+                <a:spcPct val="0"/>
+              </a:spcAft>
+              <a:buChar char="»"/>
+              <a:defRPr sz="2000">
+                <a:solidFill>
+                  <a:schemeClr val="tx1"/>
+                </a:solidFill>
+                <a:latin typeface="+mn-lt"/>
+                <a:ea typeface="+mn-ea"/>
+              </a:defRPr>
+            </a:lvl7pPr>
+            <a:lvl8pPr marL="3429000" indent="-228600" algn="l" rtl="0" fontAlgn="base">
+              <a:spcBef>
+                <a:spcPct val="20000"/>
+              </a:spcBef>
+              <a:spcAft>
+                <a:spcPct val="0"/>
+              </a:spcAft>
+              <a:buChar char="»"/>
+              <a:defRPr sz="2000">
+                <a:solidFill>
+                  <a:schemeClr val="tx1"/>
+                </a:solidFill>
+                <a:latin typeface="+mn-lt"/>
+                <a:ea typeface="+mn-ea"/>
+              </a:defRPr>
+            </a:lvl8pPr>
+            <a:lvl9pPr marL="3886200" indent="-228600" algn="l" rtl="0" fontAlgn="base">
+              <a:spcBef>
+                <a:spcPct val="20000"/>
+              </a:spcBef>
+              <a:spcAft>
+                <a:spcPct val="0"/>
+              </a:spcAft>
+              <a:buChar char="»"/>
+              <a:defRPr sz="2000">
+                <a:solidFill>
+                  <a:schemeClr val="tx1"/>
+                </a:solidFill>
+                <a:latin typeface="+mn-lt"/>
+                <a:ea typeface="+mn-ea"/>
+              </a:defRPr>
+            </a:lvl9pPr>
+          </a:lstStyle>
+          <a:p>
+            <a:r>
+              <a:rPr lang="en-US" sz="1400" kern="0" dirty="0"/>
+              <a:t>Loss Measurement (LM) message defined</a:t>
+            </a:r>
+          </a:p>
+          <a:p>
+            <a:pPr lvl="1"/>
+            <a:r>
+              <a:rPr lang="en-US" sz="1400" kern="0" dirty="0"/>
+              <a:t>Hardware efficient counter-stamping</a:t>
+            </a:r>
+          </a:p>
+          <a:p>
+            <a:pPr lvl="2"/>
+            <a:r>
+              <a:rPr lang="en-US" sz="1400" kern="0" dirty="0"/>
+              <a:t>Well-known locations for transmit and receive traffic counters</a:t>
+            </a:r>
+          </a:p>
+          <a:p>
+            <a:pPr lvl="1"/>
+            <a:r>
+              <a:rPr lang="en-US" sz="1400" kern="0" dirty="0"/>
+              <a:t>Stand-alone LM message, not tied to DM</a:t>
+            </a:r>
+          </a:p>
+          <a:p>
+            <a:r>
+              <a:rPr lang="en-US" sz="1400" kern="0" dirty="0"/>
+              <a:t>LM message format is also defined for authenticated mode</a:t>
+            </a:r>
+          </a:p>
+          <a:p>
+            <a:r>
+              <a:rPr lang="en-US" sz="1400" kern="0" dirty="0"/>
+              <a:t>User-configured destination UDP </a:t>
+            </a:r>
+            <a:r>
+              <a:rPr lang="en-US" sz="1400" b="1" kern="0" dirty="0">
+                <a:solidFill>
+                  <a:srgbClr val="0070C0"/>
+                </a:solidFill>
+              </a:rPr>
+              <a:t>Port2</a:t>
+            </a:r>
+            <a:r>
+              <a:rPr lang="en-US" sz="1400" kern="0" dirty="0"/>
+              <a:t> is used for identifying LM probe packets</a:t>
+            </a:r>
+          </a:p>
+          <a:p>
+            <a:r>
+              <a:rPr lang="en-US" sz="1400" b="1" kern="0" dirty="0">
+                <a:solidFill>
+                  <a:schemeClr val="tx2"/>
+                </a:solidFill>
+              </a:rPr>
+              <a:t>Does not modify existing STAMP (which is for DM) procedure as different UDP destination </a:t>
+            </a:r>
+            <a:r>
+              <a:rPr lang="en-US" sz="1400" b="1" kern="0" dirty="0">
+                <a:solidFill>
+                  <a:srgbClr val="0070C0"/>
+                </a:solidFill>
+              </a:rPr>
+              <a:t>Port2</a:t>
+            </a:r>
+            <a:r>
+              <a:rPr lang="en-US" sz="1400" b="1" kern="0" dirty="0">
+                <a:solidFill>
+                  <a:schemeClr val="tx2"/>
+                </a:solidFill>
+              </a:rPr>
+              <a:t> is used for LM.</a:t>
+            </a:r>
+          </a:p>
+        </p:txBody>
+      </p:sp>
+      <p:sp>
+        <p:nvSpPr>
+          <p:cNvPr id="3" name="Slide Number Placeholder 2"/>
           <p:cNvSpPr>
             <a:spLocks noGrp="1"/>
           </p:cNvSpPr>
@@ -5744,14 +5920,2306 @@
               </a:pPr>
               <a:t>10</a:t>
             </a:fld>
-            <a:endParaRPr lang="en-US" altLang="zh-CN"/>
+            <a:endParaRPr lang="en-US" altLang="zh-CN" dirty="0"/>
+          </a:p>
+        </p:txBody>
+      </p:sp>
+      <p:sp>
+        <p:nvSpPr>
+          <p:cNvPr id="12" name="Rectangle 6">
+            <a:extLst>
+              <a:ext uri="{FF2B5EF4-FFF2-40B4-BE49-F238E27FC236}">
+                <a16:creationId xmlns:a16="http://schemas.microsoft.com/office/drawing/2014/main" id="{4A78EA58-D2E5-2049-B04D-B08F3B44297B}"/>
+              </a:ext>
+            </a:extLst>
+          </p:cNvPr>
+          <p:cNvSpPr>
+            <a:spLocks noChangeArrowheads="1"/>
+          </p:cNvSpPr>
+          <p:nvPr/>
+        </p:nvSpPr>
+        <p:spPr bwMode="auto">
+          <a:xfrm>
+            <a:off x="4699552" y="262148"/>
+            <a:ext cx="4152900" cy="4355038"/>
+          </a:xfrm>
+          <a:prstGeom prst="rect">
+            <a:avLst/>
+          </a:prstGeom>
+          <a:solidFill>
+            <a:schemeClr val="accent6">
+              <a:lumMod val="20000"/>
+              <a:lumOff val="80000"/>
+            </a:schemeClr>
+          </a:solidFill>
+          <a:ln>
+            <a:noFill/>
+          </a:ln>
+          <a:effectLst/>
+        </p:spPr>
+        <p:txBody>
+          <a:bodyPr vert="horz" wrap="square" lIns="91440" tIns="45720" rIns="91440" bIns="0" numCol="1" anchor="ctr" anchorCtr="0" compatLnSpc="1">
+            <a:prstTxWarp prst="textNoShape">
+              <a:avLst/>
+            </a:prstTxWarp>
+            <a:spAutoFit/>
+          </a:bodyPr>
+          <a:lstStyle>
+            <a:lvl1pPr eaLnBrk="0" hangingPunct="0">
+              <a:tabLst>
+                <a:tab pos="581025" algn="l"/>
+                <a:tab pos="1163638" algn="l"/>
+                <a:tab pos="1744663" algn="l"/>
+                <a:tab pos="2327275" algn="l"/>
+                <a:tab pos="2908300" algn="l"/>
+                <a:tab pos="3489325" algn="l"/>
+                <a:tab pos="4071938" algn="l"/>
+                <a:tab pos="4652963" algn="l"/>
+                <a:tab pos="5235575" algn="l"/>
+                <a:tab pos="5816600" algn="l"/>
+                <a:tab pos="6397625" algn="l"/>
+                <a:tab pos="6980238" algn="l"/>
+                <a:tab pos="7561263" algn="l"/>
+                <a:tab pos="8143875" algn="l"/>
+                <a:tab pos="8724900" algn="l"/>
+                <a:tab pos="9305925" algn="l"/>
+              </a:tabLst>
+              <a:defRPr>
+                <a:solidFill>
+                  <a:schemeClr val="tx1"/>
+                </a:solidFill>
+                <a:latin typeface="Arial" panose="020B0604020202020204" pitchFamily="34" charset="0"/>
+              </a:defRPr>
+            </a:lvl1pPr>
+            <a:lvl2pPr eaLnBrk="0" hangingPunct="0">
+              <a:tabLst>
+                <a:tab pos="581025" algn="l"/>
+                <a:tab pos="1163638" algn="l"/>
+                <a:tab pos="1744663" algn="l"/>
+                <a:tab pos="2327275" algn="l"/>
+                <a:tab pos="2908300" algn="l"/>
+                <a:tab pos="3489325" algn="l"/>
+                <a:tab pos="4071938" algn="l"/>
+                <a:tab pos="4652963" algn="l"/>
+                <a:tab pos="5235575" algn="l"/>
+                <a:tab pos="5816600" algn="l"/>
+                <a:tab pos="6397625" algn="l"/>
+                <a:tab pos="6980238" algn="l"/>
+                <a:tab pos="7561263" algn="l"/>
+                <a:tab pos="8143875" algn="l"/>
+                <a:tab pos="8724900" algn="l"/>
+                <a:tab pos="9305925" algn="l"/>
+              </a:tabLst>
+              <a:defRPr>
+                <a:solidFill>
+                  <a:schemeClr val="tx1"/>
+                </a:solidFill>
+                <a:latin typeface="Arial" panose="020B0604020202020204" pitchFamily="34" charset="0"/>
+              </a:defRPr>
+            </a:lvl2pPr>
+            <a:lvl3pPr eaLnBrk="0" hangingPunct="0">
+              <a:tabLst>
+                <a:tab pos="581025" algn="l"/>
+                <a:tab pos="1163638" algn="l"/>
+                <a:tab pos="1744663" algn="l"/>
+                <a:tab pos="2327275" algn="l"/>
+                <a:tab pos="2908300" algn="l"/>
+                <a:tab pos="3489325" algn="l"/>
+                <a:tab pos="4071938" algn="l"/>
+                <a:tab pos="4652963" algn="l"/>
+                <a:tab pos="5235575" algn="l"/>
+                <a:tab pos="5816600" algn="l"/>
+                <a:tab pos="6397625" algn="l"/>
+                <a:tab pos="6980238" algn="l"/>
+                <a:tab pos="7561263" algn="l"/>
+                <a:tab pos="8143875" algn="l"/>
+                <a:tab pos="8724900" algn="l"/>
+                <a:tab pos="9305925" algn="l"/>
+              </a:tabLst>
+              <a:defRPr>
+                <a:solidFill>
+                  <a:schemeClr val="tx1"/>
+                </a:solidFill>
+                <a:latin typeface="Arial" panose="020B0604020202020204" pitchFamily="34" charset="0"/>
+              </a:defRPr>
+            </a:lvl3pPr>
+            <a:lvl4pPr eaLnBrk="0" hangingPunct="0">
+              <a:tabLst>
+                <a:tab pos="581025" algn="l"/>
+                <a:tab pos="1163638" algn="l"/>
+                <a:tab pos="1744663" algn="l"/>
+                <a:tab pos="2327275" algn="l"/>
+                <a:tab pos="2908300" algn="l"/>
+                <a:tab pos="3489325" algn="l"/>
+                <a:tab pos="4071938" algn="l"/>
+                <a:tab pos="4652963" algn="l"/>
+                <a:tab pos="5235575" algn="l"/>
+                <a:tab pos="5816600" algn="l"/>
+                <a:tab pos="6397625" algn="l"/>
+                <a:tab pos="6980238" algn="l"/>
+                <a:tab pos="7561263" algn="l"/>
+                <a:tab pos="8143875" algn="l"/>
+                <a:tab pos="8724900" algn="l"/>
+                <a:tab pos="9305925" algn="l"/>
+              </a:tabLst>
+              <a:defRPr>
+                <a:solidFill>
+                  <a:schemeClr val="tx1"/>
+                </a:solidFill>
+                <a:latin typeface="Arial" panose="020B0604020202020204" pitchFamily="34" charset="0"/>
+              </a:defRPr>
+            </a:lvl4pPr>
+            <a:lvl5pPr eaLnBrk="0" hangingPunct="0">
+              <a:tabLst>
+                <a:tab pos="581025" algn="l"/>
+                <a:tab pos="1163638" algn="l"/>
+                <a:tab pos="1744663" algn="l"/>
+                <a:tab pos="2327275" algn="l"/>
+                <a:tab pos="2908300" algn="l"/>
+                <a:tab pos="3489325" algn="l"/>
+                <a:tab pos="4071938" algn="l"/>
+                <a:tab pos="4652963" algn="l"/>
+                <a:tab pos="5235575" algn="l"/>
+                <a:tab pos="5816600" algn="l"/>
+                <a:tab pos="6397625" algn="l"/>
+                <a:tab pos="6980238" algn="l"/>
+                <a:tab pos="7561263" algn="l"/>
+                <a:tab pos="8143875" algn="l"/>
+                <a:tab pos="8724900" algn="l"/>
+                <a:tab pos="9305925" algn="l"/>
+              </a:tabLst>
+              <a:defRPr>
+                <a:solidFill>
+                  <a:schemeClr val="tx1"/>
+                </a:solidFill>
+                <a:latin typeface="Arial" panose="020B0604020202020204" pitchFamily="34" charset="0"/>
+              </a:defRPr>
+            </a:lvl5pPr>
+            <a:lvl6pPr eaLnBrk="0" fontAlgn="base" hangingPunct="0">
+              <a:spcBef>
+                <a:spcPct val="0"/>
+              </a:spcBef>
+              <a:spcAft>
+                <a:spcPct val="0"/>
+              </a:spcAft>
+              <a:tabLst>
+                <a:tab pos="581025" algn="l"/>
+                <a:tab pos="1163638" algn="l"/>
+                <a:tab pos="1744663" algn="l"/>
+                <a:tab pos="2327275" algn="l"/>
+                <a:tab pos="2908300" algn="l"/>
+                <a:tab pos="3489325" algn="l"/>
+                <a:tab pos="4071938" algn="l"/>
+                <a:tab pos="4652963" algn="l"/>
+                <a:tab pos="5235575" algn="l"/>
+                <a:tab pos="5816600" algn="l"/>
+                <a:tab pos="6397625" algn="l"/>
+                <a:tab pos="6980238" algn="l"/>
+                <a:tab pos="7561263" algn="l"/>
+                <a:tab pos="8143875" algn="l"/>
+                <a:tab pos="8724900" algn="l"/>
+                <a:tab pos="9305925" algn="l"/>
+              </a:tabLst>
+              <a:defRPr>
+                <a:solidFill>
+                  <a:schemeClr val="tx1"/>
+                </a:solidFill>
+                <a:latin typeface="Arial" panose="020B0604020202020204" pitchFamily="34" charset="0"/>
+              </a:defRPr>
+            </a:lvl6pPr>
+            <a:lvl7pPr eaLnBrk="0" fontAlgn="base" hangingPunct="0">
+              <a:spcBef>
+                <a:spcPct val="0"/>
+              </a:spcBef>
+              <a:spcAft>
+                <a:spcPct val="0"/>
+              </a:spcAft>
+              <a:tabLst>
+                <a:tab pos="581025" algn="l"/>
+                <a:tab pos="1163638" algn="l"/>
+                <a:tab pos="1744663" algn="l"/>
+                <a:tab pos="2327275" algn="l"/>
+                <a:tab pos="2908300" algn="l"/>
+                <a:tab pos="3489325" algn="l"/>
+                <a:tab pos="4071938" algn="l"/>
+                <a:tab pos="4652963" algn="l"/>
+                <a:tab pos="5235575" algn="l"/>
+                <a:tab pos="5816600" algn="l"/>
+                <a:tab pos="6397625" algn="l"/>
+                <a:tab pos="6980238" algn="l"/>
+                <a:tab pos="7561263" algn="l"/>
+                <a:tab pos="8143875" algn="l"/>
+                <a:tab pos="8724900" algn="l"/>
+                <a:tab pos="9305925" algn="l"/>
+              </a:tabLst>
+              <a:defRPr>
+                <a:solidFill>
+                  <a:schemeClr val="tx1"/>
+                </a:solidFill>
+                <a:latin typeface="Arial" panose="020B0604020202020204" pitchFamily="34" charset="0"/>
+              </a:defRPr>
+            </a:lvl7pPr>
+            <a:lvl8pPr eaLnBrk="0" fontAlgn="base" hangingPunct="0">
+              <a:spcBef>
+                <a:spcPct val="0"/>
+              </a:spcBef>
+              <a:spcAft>
+                <a:spcPct val="0"/>
+              </a:spcAft>
+              <a:tabLst>
+                <a:tab pos="581025" algn="l"/>
+                <a:tab pos="1163638" algn="l"/>
+                <a:tab pos="1744663" algn="l"/>
+                <a:tab pos="2327275" algn="l"/>
+                <a:tab pos="2908300" algn="l"/>
+                <a:tab pos="3489325" algn="l"/>
+                <a:tab pos="4071938" algn="l"/>
+                <a:tab pos="4652963" algn="l"/>
+                <a:tab pos="5235575" algn="l"/>
+                <a:tab pos="5816600" algn="l"/>
+                <a:tab pos="6397625" algn="l"/>
+                <a:tab pos="6980238" algn="l"/>
+                <a:tab pos="7561263" algn="l"/>
+                <a:tab pos="8143875" algn="l"/>
+                <a:tab pos="8724900" algn="l"/>
+                <a:tab pos="9305925" algn="l"/>
+              </a:tabLst>
+              <a:defRPr>
+                <a:solidFill>
+                  <a:schemeClr val="tx1"/>
+                </a:solidFill>
+                <a:latin typeface="Arial" panose="020B0604020202020204" pitchFamily="34" charset="0"/>
+              </a:defRPr>
+            </a:lvl8pPr>
+            <a:lvl9pPr eaLnBrk="0" fontAlgn="base" hangingPunct="0">
+              <a:spcBef>
+                <a:spcPct val="0"/>
+              </a:spcBef>
+              <a:spcAft>
+                <a:spcPct val="0"/>
+              </a:spcAft>
+              <a:tabLst>
+                <a:tab pos="581025" algn="l"/>
+                <a:tab pos="1163638" algn="l"/>
+                <a:tab pos="1744663" algn="l"/>
+                <a:tab pos="2327275" algn="l"/>
+                <a:tab pos="2908300" algn="l"/>
+                <a:tab pos="3489325" algn="l"/>
+                <a:tab pos="4071938" algn="l"/>
+                <a:tab pos="4652963" algn="l"/>
+                <a:tab pos="5235575" algn="l"/>
+                <a:tab pos="5816600" algn="l"/>
+                <a:tab pos="6397625" algn="l"/>
+                <a:tab pos="6980238" algn="l"/>
+                <a:tab pos="7561263" algn="l"/>
+                <a:tab pos="8143875" algn="l"/>
+                <a:tab pos="8724900" algn="l"/>
+                <a:tab pos="9305925" algn="l"/>
+              </a:tabLst>
+              <a:defRPr>
+                <a:solidFill>
+                  <a:schemeClr val="tx1"/>
+                </a:solidFill>
+                <a:latin typeface="Arial" panose="020B0604020202020204" pitchFamily="34" charset="0"/>
+              </a:defRPr>
+            </a:lvl9pPr>
+          </a:lstStyle>
+          <a:p>
+            <a:pPr marL="0" marR="0" lvl="0" indent="0" algn="l" defTabSz="914400" rtl="0" eaLnBrk="0" fontAlgn="base" latinLnBrk="0" hangingPunct="0">
+              <a:lnSpc>
+                <a:spcPct val="100000"/>
+              </a:lnSpc>
+              <a:spcBef>
+                <a:spcPct val="0"/>
+              </a:spcBef>
+              <a:spcAft>
+                <a:spcPct val="0"/>
+              </a:spcAft>
+              <a:buClrTx/>
+              <a:buSzTx/>
+              <a:buFontTx/>
+              <a:buNone/>
+              <a:tabLst>
+                <a:tab pos="581025" algn="l"/>
+                <a:tab pos="1163638" algn="l"/>
+                <a:tab pos="1744663" algn="l"/>
+                <a:tab pos="2327275" algn="l"/>
+                <a:tab pos="2908300" algn="l"/>
+                <a:tab pos="3489325" algn="l"/>
+                <a:tab pos="4071938" algn="l"/>
+                <a:tab pos="4652963" algn="l"/>
+                <a:tab pos="5235575" algn="l"/>
+                <a:tab pos="5816600" algn="l"/>
+                <a:tab pos="6397625" algn="l"/>
+                <a:tab pos="6980238" algn="l"/>
+                <a:tab pos="7561263" algn="l"/>
+                <a:tab pos="8143875" algn="l"/>
+                <a:tab pos="8724900" algn="l"/>
+                <a:tab pos="9305925" algn="l"/>
+              </a:tabLst>
+            </a:pPr>
+            <a:r>
+              <a:rPr kumimoji="0" lang="en-US" altLang="en-US" sz="800" u="none" strike="noStrike" cap="none" normalizeH="0" baseline="0" dirty="0">
+                <a:ln>
+                  <a:noFill/>
+                </a:ln>
+                <a:solidFill>
+                  <a:schemeClr val="tx1"/>
+                </a:solidFill>
+                <a:effectLst/>
+                <a:latin typeface="Courier" pitchFamily="2" charset="0"/>
+                <a:ea typeface="Times New Roman" panose="02020603050405020304" pitchFamily="18" charset="0"/>
+                <a:cs typeface="Courier New" panose="02070309020205020404" pitchFamily="49" charset="0"/>
+              </a:rPr>
+              <a:t>0                   1                   2                   3</a:t>
+            </a:r>
+            <a:endParaRPr kumimoji="0" lang="en-US" altLang="en-US" sz="600" u="none" strike="noStrike" cap="none" normalizeH="0" baseline="0" dirty="0">
+              <a:ln>
+                <a:noFill/>
+              </a:ln>
+              <a:solidFill>
+                <a:schemeClr val="tx1"/>
+              </a:solidFill>
+              <a:effectLst/>
+              <a:latin typeface="Courier" pitchFamily="2" charset="0"/>
+            </a:endParaRPr>
+          </a:p>
+          <a:p>
+            <a:pPr marL="0" marR="0" lvl="0" indent="0" algn="l" defTabSz="914400" rtl="0" eaLnBrk="0" fontAlgn="base" latinLnBrk="0" hangingPunct="0">
+              <a:lnSpc>
+                <a:spcPct val="100000"/>
+              </a:lnSpc>
+              <a:spcBef>
+                <a:spcPct val="0"/>
+              </a:spcBef>
+              <a:spcAft>
+                <a:spcPct val="0"/>
+              </a:spcAft>
+              <a:buClrTx/>
+              <a:buSzTx/>
+              <a:buFontTx/>
+              <a:buNone/>
+              <a:tabLst>
+                <a:tab pos="581025" algn="l"/>
+                <a:tab pos="1163638" algn="l"/>
+                <a:tab pos="1744663" algn="l"/>
+                <a:tab pos="2327275" algn="l"/>
+                <a:tab pos="2908300" algn="l"/>
+                <a:tab pos="3489325" algn="l"/>
+                <a:tab pos="4071938" algn="l"/>
+                <a:tab pos="4652963" algn="l"/>
+                <a:tab pos="5235575" algn="l"/>
+                <a:tab pos="5816600" algn="l"/>
+                <a:tab pos="6397625" algn="l"/>
+                <a:tab pos="6980238" algn="l"/>
+                <a:tab pos="7561263" algn="l"/>
+                <a:tab pos="8143875" algn="l"/>
+                <a:tab pos="8724900" algn="l"/>
+                <a:tab pos="9305925" algn="l"/>
+              </a:tabLst>
+            </a:pPr>
+            <a:r>
+              <a:rPr kumimoji="0" lang="en-US" altLang="en-US" sz="800" u="none" strike="noStrike" cap="none" normalizeH="0" baseline="0" dirty="0">
+                <a:ln>
+                  <a:noFill/>
+                </a:ln>
+                <a:solidFill>
+                  <a:schemeClr val="tx1"/>
+                </a:solidFill>
+                <a:effectLst/>
+                <a:latin typeface="Courier" pitchFamily="2" charset="0"/>
+                <a:ea typeface="Times New Roman" panose="02020603050405020304" pitchFamily="18" charset="0"/>
+                <a:cs typeface="Courier New" panose="02070309020205020404" pitchFamily="49" charset="0"/>
+              </a:rPr>
+              <a:t>0 1 2 3 4 5 6 7 8 9 0 1 2 3 4 5 6 7 8 9 0 1 2 3 4 5 6 7 8 9 0 1</a:t>
+            </a:r>
+            <a:endParaRPr kumimoji="0" lang="en-US" altLang="en-US" sz="600" u="none" strike="noStrike" cap="none" normalizeH="0" baseline="0" dirty="0">
+              <a:ln>
+                <a:noFill/>
+              </a:ln>
+              <a:solidFill>
+                <a:schemeClr val="tx1"/>
+              </a:solidFill>
+              <a:effectLst/>
+              <a:latin typeface="Courier" pitchFamily="2" charset="0"/>
+            </a:endParaRPr>
+          </a:p>
+          <a:p>
+            <a:pPr marL="0" marR="0" lvl="0" indent="0" algn="l" defTabSz="914400" rtl="0" eaLnBrk="0" fontAlgn="base" latinLnBrk="0" hangingPunct="0">
+              <a:lnSpc>
+                <a:spcPct val="100000"/>
+              </a:lnSpc>
+              <a:spcBef>
+                <a:spcPct val="0"/>
+              </a:spcBef>
+              <a:spcAft>
+                <a:spcPct val="0"/>
+              </a:spcAft>
+              <a:buClrTx/>
+              <a:buSzTx/>
+              <a:buFontTx/>
+              <a:buNone/>
+              <a:tabLst>
+                <a:tab pos="581025" algn="l"/>
+                <a:tab pos="1163638" algn="l"/>
+                <a:tab pos="1744663" algn="l"/>
+                <a:tab pos="2327275" algn="l"/>
+                <a:tab pos="2908300" algn="l"/>
+                <a:tab pos="3489325" algn="l"/>
+                <a:tab pos="4071938" algn="l"/>
+                <a:tab pos="4652963" algn="l"/>
+                <a:tab pos="5235575" algn="l"/>
+                <a:tab pos="5816600" algn="l"/>
+                <a:tab pos="6397625" algn="l"/>
+                <a:tab pos="6980238" algn="l"/>
+                <a:tab pos="7561263" algn="l"/>
+                <a:tab pos="8143875" algn="l"/>
+                <a:tab pos="8724900" algn="l"/>
+                <a:tab pos="9305925" algn="l"/>
+              </a:tabLst>
+            </a:pPr>
+            <a:r>
+              <a:rPr kumimoji="0" lang="en-US" altLang="en-US" sz="800" u="none" strike="noStrike" cap="none" normalizeH="0" baseline="0" dirty="0">
+                <a:ln>
+                  <a:noFill/>
+                </a:ln>
+                <a:solidFill>
+                  <a:schemeClr val="tx1"/>
+                </a:solidFill>
+                <a:effectLst/>
+                <a:latin typeface="Courier" pitchFamily="2" charset="0"/>
+                <a:ea typeface="Times New Roman" panose="02020603050405020304" pitchFamily="18" charset="0"/>
+                <a:cs typeface="Courier New" panose="02070309020205020404" pitchFamily="49" charset="0"/>
+              </a:rPr>
+              <a:t>+---------------------------------------------------------------+</a:t>
+            </a:r>
+            <a:endParaRPr kumimoji="0" lang="en-US" altLang="en-US" sz="600" u="none" strike="noStrike" cap="none" normalizeH="0" baseline="0" dirty="0">
+              <a:ln>
+                <a:noFill/>
+              </a:ln>
+              <a:solidFill>
+                <a:schemeClr val="tx1"/>
+              </a:solidFill>
+              <a:effectLst/>
+              <a:latin typeface="Courier" pitchFamily="2" charset="0"/>
+            </a:endParaRPr>
+          </a:p>
+          <a:p>
+            <a:pPr marL="0" marR="0" lvl="0" indent="0" algn="l" defTabSz="914400" rtl="0" eaLnBrk="0" fontAlgn="base" latinLnBrk="0" hangingPunct="0">
+              <a:lnSpc>
+                <a:spcPct val="100000"/>
+              </a:lnSpc>
+              <a:spcBef>
+                <a:spcPct val="0"/>
+              </a:spcBef>
+              <a:spcAft>
+                <a:spcPct val="0"/>
+              </a:spcAft>
+              <a:buClrTx/>
+              <a:buSzTx/>
+              <a:buFontTx/>
+              <a:buNone/>
+              <a:tabLst>
+                <a:tab pos="581025" algn="l"/>
+                <a:tab pos="1163638" algn="l"/>
+                <a:tab pos="1744663" algn="l"/>
+                <a:tab pos="2327275" algn="l"/>
+                <a:tab pos="2908300" algn="l"/>
+                <a:tab pos="3489325" algn="l"/>
+                <a:tab pos="4071938" algn="l"/>
+                <a:tab pos="4652963" algn="l"/>
+                <a:tab pos="5235575" algn="l"/>
+                <a:tab pos="5816600" algn="l"/>
+                <a:tab pos="6397625" algn="l"/>
+                <a:tab pos="6980238" algn="l"/>
+                <a:tab pos="7561263" algn="l"/>
+                <a:tab pos="8143875" algn="l"/>
+                <a:tab pos="8724900" algn="l"/>
+                <a:tab pos="9305925" algn="l"/>
+              </a:tabLst>
+            </a:pPr>
+            <a:r>
+              <a:rPr kumimoji="0" lang="en-US" altLang="en-US" sz="800" u="none" strike="noStrike" cap="none" normalizeH="0" baseline="0" dirty="0">
+                <a:ln>
+                  <a:noFill/>
+                </a:ln>
+                <a:solidFill>
+                  <a:schemeClr val="tx1"/>
+                </a:solidFill>
+                <a:effectLst/>
+                <a:latin typeface="Courier" pitchFamily="2" charset="0"/>
+                <a:ea typeface="Times New Roman" panose="02020603050405020304" pitchFamily="18" charset="0"/>
+                <a:cs typeface="Courier New" panose="02070309020205020404" pitchFamily="49" charset="0"/>
+              </a:rPr>
+              <a:t>| IP Header                                                     |</a:t>
+            </a:r>
+            <a:endParaRPr kumimoji="0" lang="en-US" altLang="en-US" sz="600" u="none" strike="noStrike" cap="none" normalizeH="0" baseline="0" dirty="0">
+              <a:ln>
+                <a:noFill/>
+              </a:ln>
+              <a:solidFill>
+                <a:schemeClr val="tx1"/>
+              </a:solidFill>
+              <a:effectLst/>
+              <a:latin typeface="Courier" pitchFamily="2" charset="0"/>
+            </a:endParaRPr>
+          </a:p>
+          <a:p>
+            <a:pPr marL="0" marR="0" lvl="0" indent="0" algn="l" defTabSz="914400" rtl="0" eaLnBrk="0" fontAlgn="base" latinLnBrk="0" hangingPunct="0">
+              <a:lnSpc>
+                <a:spcPct val="100000"/>
+              </a:lnSpc>
+              <a:spcBef>
+                <a:spcPct val="0"/>
+              </a:spcBef>
+              <a:spcAft>
+                <a:spcPct val="0"/>
+              </a:spcAft>
+              <a:buClrTx/>
+              <a:buSzTx/>
+              <a:buFontTx/>
+              <a:buNone/>
+              <a:tabLst>
+                <a:tab pos="581025" algn="l"/>
+                <a:tab pos="1163638" algn="l"/>
+                <a:tab pos="1744663" algn="l"/>
+                <a:tab pos="2327275" algn="l"/>
+                <a:tab pos="2908300" algn="l"/>
+                <a:tab pos="3489325" algn="l"/>
+                <a:tab pos="4071938" algn="l"/>
+                <a:tab pos="4652963" algn="l"/>
+                <a:tab pos="5235575" algn="l"/>
+                <a:tab pos="5816600" algn="l"/>
+                <a:tab pos="6397625" algn="l"/>
+                <a:tab pos="6980238" algn="l"/>
+                <a:tab pos="7561263" algn="l"/>
+                <a:tab pos="8143875" algn="l"/>
+                <a:tab pos="8724900" algn="l"/>
+                <a:tab pos="9305925" algn="l"/>
+              </a:tabLst>
+            </a:pPr>
+            <a:r>
+              <a:rPr kumimoji="0" lang="en-US" altLang="en-US" sz="800" u="none" strike="noStrike" cap="none" normalizeH="0" baseline="0" dirty="0">
+                <a:ln>
+                  <a:noFill/>
+                </a:ln>
+                <a:solidFill>
+                  <a:schemeClr val="tx1"/>
+                </a:solidFill>
+                <a:effectLst/>
+                <a:latin typeface="Courier" pitchFamily="2" charset="0"/>
+                <a:ea typeface="Times New Roman" panose="02020603050405020304" pitchFamily="18" charset="0"/>
+                <a:cs typeface="Courier New" panose="02070309020205020404" pitchFamily="49" charset="0"/>
+              </a:rPr>
+              <a:t>.  Source IP Address = Sender IPv4 or IPv6 Address              .</a:t>
+            </a:r>
+            <a:endParaRPr kumimoji="0" lang="en-US" altLang="en-US" sz="600" u="none" strike="noStrike" cap="none" normalizeH="0" baseline="0" dirty="0">
+              <a:ln>
+                <a:noFill/>
+              </a:ln>
+              <a:solidFill>
+                <a:schemeClr val="tx1"/>
+              </a:solidFill>
+              <a:effectLst/>
+              <a:latin typeface="Courier" pitchFamily="2" charset="0"/>
+            </a:endParaRPr>
+          </a:p>
+          <a:p>
+            <a:pPr marL="0" marR="0" lvl="0" indent="0" algn="l" defTabSz="914400" rtl="0" eaLnBrk="0" fontAlgn="base" latinLnBrk="0" hangingPunct="0">
+              <a:lnSpc>
+                <a:spcPct val="100000"/>
+              </a:lnSpc>
+              <a:spcBef>
+                <a:spcPct val="0"/>
+              </a:spcBef>
+              <a:spcAft>
+                <a:spcPct val="0"/>
+              </a:spcAft>
+              <a:buClrTx/>
+              <a:buSzTx/>
+              <a:buFontTx/>
+              <a:buNone/>
+              <a:tabLst>
+                <a:tab pos="581025" algn="l"/>
+                <a:tab pos="1163638" algn="l"/>
+                <a:tab pos="1744663" algn="l"/>
+                <a:tab pos="2327275" algn="l"/>
+                <a:tab pos="2908300" algn="l"/>
+                <a:tab pos="3489325" algn="l"/>
+                <a:tab pos="4071938" algn="l"/>
+                <a:tab pos="4652963" algn="l"/>
+                <a:tab pos="5235575" algn="l"/>
+                <a:tab pos="5816600" algn="l"/>
+                <a:tab pos="6397625" algn="l"/>
+                <a:tab pos="6980238" algn="l"/>
+                <a:tab pos="7561263" algn="l"/>
+                <a:tab pos="8143875" algn="l"/>
+                <a:tab pos="8724900" algn="l"/>
+                <a:tab pos="9305925" algn="l"/>
+              </a:tabLst>
+            </a:pPr>
+            <a:r>
+              <a:rPr kumimoji="0" lang="en-US" altLang="en-US" sz="800" u="none" strike="noStrike" cap="none" normalizeH="0" baseline="0" dirty="0">
+                <a:ln>
+                  <a:noFill/>
+                </a:ln>
+                <a:solidFill>
+                  <a:schemeClr val="tx1"/>
+                </a:solidFill>
+                <a:effectLst/>
+                <a:latin typeface="Courier" pitchFamily="2" charset="0"/>
+                <a:ea typeface="Times New Roman" panose="02020603050405020304" pitchFamily="18" charset="0"/>
+                <a:cs typeface="Courier New" panose="02070309020205020404" pitchFamily="49" charset="0"/>
+              </a:rPr>
+              <a:t>.  Destination IP Address = Reflector IPv4 or IPv6 Address      .</a:t>
+            </a:r>
+            <a:endParaRPr kumimoji="0" lang="en-US" altLang="en-US" sz="600" u="none" strike="noStrike" cap="none" normalizeH="0" baseline="0" dirty="0">
+              <a:ln>
+                <a:noFill/>
+              </a:ln>
+              <a:solidFill>
+                <a:schemeClr val="tx1"/>
+              </a:solidFill>
+              <a:effectLst/>
+              <a:latin typeface="Courier" pitchFamily="2" charset="0"/>
+            </a:endParaRPr>
+          </a:p>
+          <a:p>
+            <a:pPr marL="0" marR="0" lvl="0" indent="0" algn="l" defTabSz="914400" rtl="0" eaLnBrk="0" fontAlgn="base" latinLnBrk="0" hangingPunct="0">
+              <a:lnSpc>
+                <a:spcPct val="100000"/>
+              </a:lnSpc>
+              <a:spcBef>
+                <a:spcPct val="0"/>
+              </a:spcBef>
+              <a:spcAft>
+                <a:spcPct val="0"/>
+              </a:spcAft>
+              <a:buClrTx/>
+              <a:buSzTx/>
+              <a:buFontTx/>
+              <a:buNone/>
+              <a:tabLst>
+                <a:tab pos="581025" algn="l"/>
+                <a:tab pos="1163638" algn="l"/>
+                <a:tab pos="1744663" algn="l"/>
+                <a:tab pos="2327275" algn="l"/>
+                <a:tab pos="2908300" algn="l"/>
+                <a:tab pos="3489325" algn="l"/>
+                <a:tab pos="4071938" algn="l"/>
+                <a:tab pos="4652963" algn="l"/>
+                <a:tab pos="5235575" algn="l"/>
+                <a:tab pos="5816600" algn="l"/>
+                <a:tab pos="6397625" algn="l"/>
+                <a:tab pos="6980238" algn="l"/>
+                <a:tab pos="7561263" algn="l"/>
+                <a:tab pos="8143875" algn="l"/>
+                <a:tab pos="8724900" algn="l"/>
+                <a:tab pos="9305925" algn="l"/>
+              </a:tabLst>
+            </a:pPr>
+            <a:r>
+              <a:rPr kumimoji="0" lang="en-US" altLang="en-US" sz="800" u="none" strike="noStrike" cap="none" normalizeH="0" baseline="0" dirty="0">
+                <a:ln>
+                  <a:noFill/>
+                </a:ln>
+                <a:solidFill>
+                  <a:schemeClr val="tx1"/>
+                </a:solidFill>
+                <a:effectLst/>
+                <a:latin typeface="Courier" pitchFamily="2" charset="0"/>
+                <a:ea typeface="Times New Roman" panose="02020603050405020304" pitchFamily="18" charset="0"/>
+                <a:cs typeface="Courier New" panose="02070309020205020404" pitchFamily="49" charset="0"/>
+              </a:rPr>
+              <a:t>.  Protocol = UDP                                               .</a:t>
+            </a:r>
+            <a:endParaRPr kumimoji="0" lang="en-US" altLang="en-US" sz="600" u="none" strike="noStrike" cap="none" normalizeH="0" baseline="0" dirty="0">
+              <a:ln>
+                <a:noFill/>
+              </a:ln>
+              <a:solidFill>
+                <a:schemeClr val="tx1"/>
+              </a:solidFill>
+              <a:effectLst/>
+              <a:latin typeface="Courier" pitchFamily="2" charset="0"/>
+            </a:endParaRPr>
+          </a:p>
+          <a:p>
+            <a:pPr marL="0" marR="0" lvl="0" indent="0" algn="l" defTabSz="914400" rtl="0" eaLnBrk="0" fontAlgn="base" latinLnBrk="0" hangingPunct="0">
+              <a:lnSpc>
+                <a:spcPct val="100000"/>
+              </a:lnSpc>
+              <a:spcBef>
+                <a:spcPct val="0"/>
+              </a:spcBef>
+              <a:spcAft>
+                <a:spcPct val="0"/>
+              </a:spcAft>
+              <a:buClrTx/>
+              <a:buSzTx/>
+              <a:buFontTx/>
+              <a:buNone/>
+              <a:tabLst>
+                <a:tab pos="581025" algn="l"/>
+                <a:tab pos="1163638" algn="l"/>
+                <a:tab pos="1744663" algn="l"/>
+                <a:tab pos="2327275" algn="l"/>
+                <a:tab pos="2908300" algn="l"/>
+                <a:tab pos="3489325" algn="l"/>
+                <a:tab pos="4071938" algn="l"/>
+                <a:tab pos="4652963" algn="l"/>
+                <a:tab pos="5235575" algn="l"/>
+                <a:tab pos="5816600" algn="l"/>
+                <a:tab pos="6397625" algn="l"/>
+                <a:tab pos="6980238" algn="l"/>
+                <a:tab pos="7561263" algn="l"/>
+                <a:tab pos="8143875" algn="l"/>
+                <a:tab pos="8724900" algn="l"/>
+                <a:tab pos="9305925" algn="l"/>
+              </a:tabLst>
+            </a:pPr>
+            <a:r>
+              <a:rPr kumimoji="0" lang="en-US" altLang="en-US" sz="800" u="none" strike="noStrike" cap="none" normalizeH="0" baseline="0" dirty="0">
+                <a:ln>
+                  <a:noFill/>
+                </a:ln>
+                <a:solidFill>
+                  <a:schemeClr val="tx1"/>
+                </a:solidFill>
+                <a:effectLst/>
+                <a:latin typeface="Courier" pitchFamily="2" charset="0"/>
+                <a:ea typeface="Times New Roman" panose="02020603050405020304" pitchFamily="18" charset="0"/>
+                <a:cs typeface="Courier New" panose="02070309020205020404" pitchFamily="49" charset="0"/>
+              </a:rPr>
+              <a:t>.  Router Alert Option Not Set                                  .</a:t>
+            </a:r>
+            <a:endParaRPr kumimoji="0" lang="en-US" altLang="en-US" sz="600" u="none" strike="noStrike" cap="none" normalizeH="0" baseline="0" dirty="0">
+              <a:ln>
+                <a:noFill/>
+              </a:ln>
+              <a:solidFill>
+                <a:schemeClr val="tx1"/>
+              </a:solidFill>
+              <a:effectLst/>
+              <a:latin typeface="Courier" pitchFamily="2" charset="0"/>
+            </a:endParaRPr>
+          </a:p>
+          <a:p>
+            <a:pPr marL="0" marR="0" lvl="0" indent="0" algn="l" defTabSz="914400" rtl="0" eaLnBrk="0" fontAlgn="base" latinLnBrk="0" hangingPunct="0">
+              <a:lnSpc>
+                <a:spcPct val="100000"/>
+              </a:lnSpc>
+              <a:spcBef>
+                <a:spcPct val="0"/>
+              </a:spcBef>
+              <a:spcAft>
+                <a:spcPct val="0"/>
+              </a:spcAft>
+              <a:buClrTx/>
+              <a:buSzTx/>
+              <a:buFontTx/>
+              <a:buNone/>
+              <a:tabLst>
+                <a:tab pos="581025" algn="l"/>
+                <a:tab pos="1163638" algn="l"/>
+                <a:tab pos="1744663" algn="l"/>
+                <a:tab pos="2327275" algn="l"/>
+                <a:tab pos="2908300" algn="l"/>
+                <a:tab pos="3489325" algn="l"/>
+                <a:tab pos="4071938" algn="l"/>
+                <a:tab pos="4652963" algn="l"/>
+                <a:tab pos="5235575" algn="l"/>
+                <a:tab pos="5816600" algn="l"/>
+                <a:tab pos="6397625" algn="l"/>
+                <a:tab pos="6980238" algn="l"/>
+                <a:tab pos="7561263" algn="l"/>
+                <a:tab pos="8143875" algn="l"/>
+                <a:tab pos="8724900" algn="l"/>
+                <a:tab pos="9305925" algn="l"/>
+              </a:tabLst>
+            </a:pPr>
+            <a:r>
+              <a:rPr kumimoji="0" lang="en-US" altLang="en-US" sz="800" u="none" strike="noStrike" cap="none" normalizeH="0" baseline="0" dirty="0">
+                <a:ln>
+                  <a:noFill/>
+                </a:ln>
+                <a:solidFill>
+                  <a:schemeClr val="tx1"/>
+                </a:solidFill>
+                <a:effectLst/>
+                <a:latin typeface="Courier" pitchFamily="2" charset="0"/>
+                <a:ea typeface="Times New Roman" panose="02020603050405020304" pitchFamily="18" charset="0"/>
+                <a:cs typeface="Courier New" panose="02070309020205020404" pitchFamily="49" charset="0"/>
+              </a:rPr>
+              <a:t>.                                                               .</a:t>
+            </a:r>
+            <a:endParaRPr kumimoji="0" lang="en-US" altLang="en-US" sz="600" u="none" strike="noStrike" cap="none" normalizeH="0" baseline="0" dirty="0">
+              <a:ln>
+                <a:noFill/>
+              </a:ln>
+              <a:solidFill>
+                <a:schemeClr val="tx1"/>
+              </a:solidFill>
+              <a:effectLst/>
+              <a:latin typeface="Courier" pitchFamily="2" charset="0"/>
+            </a:endParaRPr>
+          </a:p>
+          <a:p>
+            <a:pPr marL="0" marR="0" lvl="0" indent="0" algn="l" defTabSz="914400" rtl="0" eaLnBrk="0" fontAlgn="base" latinLnBrk="0" hangingPunct="0">
+              <a:lnSpc>
+                <a:spcPct val="100000"/>
+              </a:lnSpc>
+              <a:spcBef>
+                <a:spcPct val="0"/>
+              </a:spcBef>
+              <a:spcAft>
+                <a:spcPct val="0"/>
+              </a:spcAft>
+              <a:buClrTx/>
+              <a:buSzTx/>
+              <a:buFontTx/>
+              <a:buNone/>
+              <a:tabLst>
+                <a:tab pos="581025" algn="l"/>
+                <a:tab pos="1163638" algn="l"/>
+                <a:tab pos="1744663" algn="l"/>
+                <a:tab pos="2327275" algn="l"/>
+                <a:tab pos="2908300" algn="l"/>
+                <a:tab pos="3489325" algn="l"/>
+                <a:tab pos="4071938" algn="l"/>
+                <a:tab pos="4652963" algn="l"/>
+                <a:tab pos="5235575" algn="l"/>
+                <a:tab pos="5816600" algn="l"/>
+                <a:tab pos="6397625" algn="l"/>
+                <a:tab pos="6980238" algn="l"/>
+                <a:tab pos="7561263" algn="l"/>
+                <a:tab pos="8143875" algn="l"/>
+                <a:tab pos="8724900" algn="l"/>
+                <a:tab pos="9305925" algn="l"/>
+              </a:tabLst>
+            </a:pPr>
+            <a:r>
+              <a:rPr kumimoji="0" lang="en-US" altLang="en-US" sz="800" u="none" strike="noStrike" cap="none" normalizeH="0" baseline="0" dirty="0">
+                <a:ln>
+                  <a:noFill/>
+                </a:ln>
+                <a:solidFill>
+                  <a:schemeClr val="tx1"/>
+                </a:solidFill>
+                <a:effectLst/>
+                <a:latin typeface="Courier" pitchFamily="2" charset="0"/>
+                <a:ea typeface="Times New Roman" panose="02020603050405020304" pitchFamily="18" charset="0"/>
+                <a:cs typeface="Courier New" panose="02070309020205020404" pitchFamily="49" charset="0"/>
+              </a:rPr>
+              <a:t>+---------------------------------------------------------------+</a:t>
+            </a:r>
+            <a:endParaRPr kumimoji="0" lang="en-US" altLang="en-US" sz="600" u="none" strike="noStrike" cap="none" normalizeH="0" baseline="0" dirty="0">
+              <a:ln>
+                <a:noFill/>
+              </a:ln>
+              <a:solidFill>
+                <a:schemeClr val="tx1"/>
+              </a:solidFill>
+              <a:effectLst/>
+              <a:latin typeface="Courier" pitchFamily="2" charset="0"/>
+            </a:endParaRPr>
+          </a:p>
+          <a:p>
+            <a:pPr marL="0" marR="0" lvl="0" indent="0" algn="l" defTabSz="914400" rtl="0" eaLnBrk="0" fontAlgn="base" latinLnBrk="0" hangingPunct="0">
+              <a:lnSpc>
+                <a:spcPct val="100000"/>
+              </a:lnSpc>
+              <a:spcBef>
+                <a:spcPct val="0"/>
+              </a:spcBef>
+              <a:spcAft>
+                <a:spcPct val="0"/>
+              </a:spcAft>
+              <a:buClrTx/>
+              <a:buSzTx/>
+              <a:buFontTx/>
+              <a:buNone/>
+              <a:tabLst>
+                <a:tab pos="581025" algn="l"/>
+                <a:tab pos="1163638" algn="l"/>
+                <a:tab pos="1744663" algn="l"/>
+                <a:tab pos="2327275" algn="l"/>
+                <a:tab pos="2908300" algn="l"/>
+                <a:tab pos="3489325" algn="l"/>
+                <a:tab pos="4071938" algn="l"/>
+                <a:tab pos="4652963" algn="l"/>
+                <a:tab pos="5235575" algn="l"/>
+                <a:tab pos="5816600" algn="l"/>
+                <a:tab pos="6397625" algn="l"/>
+                <a:tab pos="6980238" algn="l"/>
+                <a:tab pos="7561263" algn="l"/>
+                <a:tab pos="8143875" algn="l"/>
+                <a:tab pos="8724900" algn="l"/>
+                <a:tab pos="9305925" algn="l"/>
+              </a:tabLst>
+            </a:pPr>
+            <a:r>
+              <a:rPr kumimoji="0" lang="en-US" altLang="en-US" sz="800" u="none" strike="noStrike" cap="none" normalizeH="0" baseline="0" dirty="0">
+                <a:ln>
+                  <a:noFill/>
+                </a:ln>
+                <a:solidFill>
+                  <a:schemeClr val="tx1"/>
+                </a:solidFill>
+                <a:effectLst/>
+                <a:latin typeface="Courier" pitchFamily="2" charset="0"/>
+                <a:ea typeface="Times New Roman" panose="02020603050405020304" pitchFamily="18" charset="0"/>
+                <a:cs typeface="Courier New" panose="02070309020205020404" pitchFamily="49" charset="0"/>
+              </a:rPr>
+              <a:t>| UDP Header                                                    |</a:t>
+            </a:r>
+            <a:endParaRPr kumimoji="0" lang="en-US" altLang="en-US" sz="600" u="none" strike="noStrike" cap="none" normalizeH="0" baseline="0" dirty="0">
+              <a:ln>
+                <a:noFill/>
+              </a:ln>
+              <a:solidFill>
+                <a:schemeClr val="tx1"/>
+              </a:solidFill>
+              <a:effectLst/>
+              <a:latin typeface="Courier" pitchFamily="2" charset="0"/>
+            </a:endParaRPr>
+          </a:p>
+          <a:p>
+            <a:pPr marL="0" marR="0" lvl="0" indent="0" algn="l" defTabSz="914400" rtl="0" eaLnBrk="0" fontAlgn="base" latinLnBrk="0" hangingPunct="0">
+              <a:lnSpc>
+                <a:spcPct val="100000"/>
+              </a:lnSpc>
+              <a:spcBef>
+                <a:spcPct val="0"/>
+              </a:spcBef>
+              <a:spcAft>
+                <a:spcPct val="0"/>
+              </a:spcAft>
+              <a:buClrTx/>
+              <a:buSzTx/>
+              <a:buFontTx/>
+              <a:buNone/>
+              <a:tabLst>
+                <a:tab pos="581025" algn="l"/>
+                <a:tab pos="1163638" algn="l"/>
+                <a:tab pos="1744663" algn="l"/>
+                <a:tab pos="2327275" algn="l"/>
+                <a:tab pos="2908300" algn="l"/>
+                <a:tab pos="3489325" algn="l"/>
+                <a:tab pos="4071938" algn="l"/>
+                <a:tab pos="4652963" algn="l"/>
+                <a:tab pos="5235575" algn="l"/>
+                <a:tab pos="5816600" algn="l"/>
+                <a:tab pos="6397625" algn="l"/>
+                <a:tab pos="6980238" algn="l"/>
+                <a:tab pos="7561263" algn="l"/>
+                <a:tab pos="8143875" algn="l"/>
+                <a:tab pos="8724900" algn="l"/>
+                <a:tab pos="9305925" algn="l"/>
+              </a:tabLst>
+            </a:pPr>
+            <a:r>
+              <a:rPr kumimoji="0" lang="en-US" altLang="en-US" sz="800" u="none" strike="noStrike" cap="none" normalizeH="0" baseline="0" dirty="0">
+                <a:ln>
+                  <a:noFill/>
+                </a:ln>
+                <a:solidFill>
+                  <a:schemeClr val="tx1"/>
+                </a:solidFill>
+                <a:effectLst/>
+                <a:latin typeface="Courier" pitchFamily="2" charset="0"/>
+                <a:ea typeface="Times New Roman" panose="02020603050405020304" pitchFamily="18" charset="0"/>
+                <a:cs typeface="Courier New" panose="02070309020205020404" pitchFamily="49" charset="0"/>
+              </a:rPr>
+              <a:t>.  Source Port = As chosen by Sender                            .</a:t>
+            </a:r>
+            <a:endParaRPr kumimoji="0" lang="en-US" altLang="en-US" sz="600" u="none" strike="noStrike" cap="none" normalizeH="0" baseline="0" dirty="0">
+              <a:ln>
+                <a:noFill/>
+              </a:ln>
+              <a:solidFill>
+                <a:schemeClr val="tx1"/>
+              </a:solidFill>
+              <a:effectLst/>
+              <a:latin typeface="Courier" pitchFamily="2" charset="0"/>
+            </a:endParaRPr>
+          </a:p>
+          <a:p>
+            <a:pPr marL="0" marR="0" lvl="0" indent="0" algn="l" defTabSz="914400" rtl="0" eaLnBrk="0" fontAlgn="base" latinLnBrk="0" hangingPunct="0">
+              <a:lnSpc>
+                <a:spcPct val="100000"/>
+              </a:lnSpc>
+              <a:spcBef>
+                <a:spcPct val="0"/>
+              </a:spcBef>
+              <a:spcAft>
+                <a:spcPct val="0"/>
+              </a:spcAft>
+              <a:buClrTx/>
+              <a:buSzTx/>
+              <a:buFontTx/>
+              <a:buNone/>
+              <a:tabLst>
+                <a:tab pos="581025" algn="l"/>
+                <a:tab pos="1163638" algn="l"/>
+                <a:tab pos="1744663" algn="l"/>
+                <a:tab pos="2327275" algn="l"/>
+                <a:tab pos="2908300" algn="l"/>
+                <a:tab pos="3489325" algn="l"/>
+                <a:tab pos="4071938" algn="l"/>
+                <a:tab pos="4652963" algn="l"/>
+                <a:tab pos="5235575" algn="l"/>
+                <a:tab pos="5816600" algn="l"/>
+                <a:tab pos="6397625" algn="l"/>
+                <a:tab pos="6980238" algn="l"/>
+                <a:tab pos="7561263" algn="l"/>
+                <a:tab pos="8143875" algn="l"/>
+                <a:tab pos="8724900" algn="l"/>
+                <a:tab pos="9305925" algn="l"/>
+              </a:tabLst>
+            </a:pPr>
+            <a:r>
+              <a:rPr kumimoji="0" lang="en-US" altLang="en-US" sz="800" u="none" strike="noStrike" cap="none" normalizeH="0" baseline="0" dirty="0">
+                <a:ln>
+                  <a:noFill/>
+                </a:ln>
+                <a:solidFill>
+                  <a:schemeClr val="tx1"/>
+                </a:solidFill>
+                <a:effectLst/>
+                <a:latin typeface="Courier" pitchFamily="2" charset="0"/>
+                <a:ea typeface="Times New Roman" panose="02020603050405020304" pitchFamily="18" charset="0"/>
+                <a:cs typeface="Courier New" panose="02070309020205020404" pitchFamily="49" charset="0"/>
+              </a:rPr>
+              <a:t>.  Destination Port = User-configured </a:t>
+            </a:r>
+            <a:r>
+              <a:rPr kumimoji="0" lang="en-US" altLang="en-US" sz="800" b="1" u="none" strike="noStrike" cap="none" normalizeH="0" baseline="0" dirty="0">
+                <a:ln>
+                  <a:noFill/>
+                </a:ln>
+                <a:solidFill>
+                  <a:srgbClr val="0070C0"/>
+                </a:solidFill>
+                <a:effectLst/>
+                <a:latin typeface="Courier" pitchFamily="2" charset="0"/>
+                <a:ea typeface="Times New Roman" panose="02020603050405020304" pitchFamily="18" charset="0"/>
+                <a:cs typeface="Courier New" panose="02070309020205020404" pitchFamily="49" charset="0"/>
+              </a:rPr>
+              <a:t>Port2</a:t>
+            </a:r>
+            <a:r>
+              <a:rPr kumimoji="0" lang="en-US" altLang="en-US" sz="800" u="none" strike="noStrike" cap="none" normalizeH="0" baseline="0" dirty="0">
+                <a:ln>
+                  <a:noFill/>
+                </a:ln>
+                <a:solidFill>
+                  <a:schemeClr val="tx1"/>
+                </a:solidFill>
+                <a:effectLst/>
+                <a:latin typeface="Courier" pitchFamily="2" charset="0"/>
+                <a:ea typeface="Times New Roman" panose="02020603050405020304" pitchFamily="18" charset="0"/>
+                <a:cs typeface="Courier New" panose="02070309020205020404" pitchFamily="49" charset="0"/>
+              </a:rPr>
+              <a:t> for Loss Measurement.</a:t>
+            </a:r>
+            <a:endParaRPr kumimoji="0" lang="en-US" altLang="en-US" sz="600" u="none" strike="noStrike" cap="none" normalizeH="0" baseline="0" dirty="0">
+              <a:ln>
+                <a:noFill/>
+              </a:ln>
+              <a:solidFill>
+                <a:schemeClr val="tx1"/>
+              </a:solidFill>
+              <a:effectLst/>
+              <a:latin typeface="Courier" pitchFamily="2" charset="0"/>
+            </a:endParaRPr>
+          </a:p>
+          <a:p>
+            <a:pPr marL="0" marR="0" lvl="0" indent="0" algn="l" defTabSz="914400" rtl="0" eaLnBrk="0" fontAlgn="base" latinLnBrk="0" hangingPunct="0">
+              <a:lnSpc>
+                <a:spcPct val="100000"/>
+              </a:lnSpc>
+              <a:spcBef>
+                <a:spcPct val="0"/>
+              </a:spcBef>
+              <a:spcAft>
+                <a:spcPct val="0"/>
+              </a:spcAft>
+              <a:buClrTx/>
+              <a:buSzTx/>
+              <a:buFontTx/>
+              <a:buNone/>
+              <a:tabLst>
+                <a:tab pos="581025" algn="l"/>
+                <a:tab pos="1163638" algn="l"/>
+                <a:tab pos="1744663" algn="l"/>
+                <a:tab pos="2327275" algn="l"/>
+                <a:tab pos="2908300" algn="l"/>
+                <a:tab pos="3489325" algn="l"/>
+                <a:tab pos="4071938" algn="l"/>
+                <a:tab pos="4652963" algn="l"/>
+                <a:tab pos="5235575" algn="l"/>
+                <a:tab pos="5816600" algn="l"/>
+                <a:tab pos="6397625" algn="l"/>
+                <a:tab pos="6980238" algn="l"/>
+                <a:tab pos="7561263" algn="l"/>
+                <a:tab pos="8143875" algn="l"/>
+                <a:tab pos="8724900" algn="l"/>
+                <a:tab pos="9305925" algn="l"/>
+              </a:tabLst>
+            </a:pPr>
+            <a:r>
+              <a:rPr kumimoji="0" lang="en-US" altLang="en-US" sz="800" u="none" strike="noStrike" cap="none" normalizeH="0" baseline="0" dirty="0">
+                <a:ln>
+                  <a:noFill/>
+                </a:ln>
+                <a:solidFill>
+                  <a:schemeClr val="tx1"/>
+                </a:solidFill>
+                <a:effectLst/>
+                <a:latin typeface="Courier" pitchFamily="2" charset="0"/>
+                <a:ea typeface="Times New Roman" panose="02020603050405020304" pitchFamily="18" charset="0"/>
+                <a:cs typeface="Courier New" panose="02070309020205020404" pitchFamily="49" charset="0"/>
+              </a:rPr>
+              <a:t>.                                                               .</a:t>
+            </a:r>
+            <a:endParaRPr kumimoji="0" lang="en-US" altLang="en-US" sz="600" u="none" strike="noStrike" cap="none" normalizeH="0" baseline="0" dirty="0">
+              <a:ln>
+                <a:noFill/>
+              </a:ln>
+              <a:solidFill>
+                <a:schemeClr val="tx1"/>
+              </a:solidFill>
+              <a:effectLst/>
+              <a:latin typeface="Courier" pitchFamily="2" charset="0"/>
+            </a:endParaRPr>
+          </a:p>
+          <a:p>
+            <a:pPr marL="0" marR="0" lvl="0" indent="0" algn="l" defTabSz="914400" rtl="0" eaLnBrk="0" fontAlgn="base" latinLnBrk="0" hangingPunct="0">
+              <a:lnSpc>
+                <a:spcPct val="100000"/>
+              </a:lnSpc>
+              <a:spcBef>
+                <a:spcPct val="0"/>
+              </a:spcBef>
+              <a:spcAft>
+                <a:spcPct val="0"/>
+              </a:spcAft>
+              <a:buClrTx/>
+              <a:buSzTx/>
+              <a:buFontTx/>
+              <a:buNone/>
+              <a:tabLst>
+                <a:tab pos="581025" algn="l"/>
+                <a:tab pos="1163638" algn="l"/>
+                <a:tab pos="1744663" algn="l"/>
+                <a:tab pos="2327275" algn="l"/>
+                <a:tab pos="2908300" algn="l"/>
+                <a:tab pos="3489325" algn="l"/>
+                <a:tab pos="4071938" algn="l"/>
+                <a:tab pos="4652963" algn="l"/>
+                <a:tab pos="5235575" algn="l"/>
+                <a:tab pos="5816600" algn="l"/>
+                <a:tab pos="6397625" algn="l"/>
+                <a:tab pos="6980238" algn="l"/>
+                <a:tab pos="7561263" algn="l"/>
+                <a:tab pos="8143875" algn="l"/>
+                <a:tab pos="8724900" algn="l"/>
+                <a:tab pos="9305925" algn="l"/>
+              </a:tabLst>
+            </a:pPr>
+            <a:r>
+              <a:rPr kumimoji="0" lang="en-US" altLang="en-US" sz="800" u="none" strike="noStrike" cap="none" normalizeH="0" baseline="0" dirty="0">
+                <a:ln>
+                  <a:noFill/>
+                </a:ln>
+                <a:solidFill>
+                  <a:schemeClr val="tx1"/>
+                </a:solidFill>
+                <a:effectLst/>
+                <a:latin typeface="Courier" pitchFamily="2" charset="0"/>
+                <a:ea typeface="Times New Roman" panose="02020603050405020304" pitchFamily="18" charset="0"/>
+                <a:cs typeface="Courier New" panose="02070309020205020404" pitchFamily="49" charset="0"/>
+              </a:rPr>
+              <a:t>+-+-+-+-+-+-+-+-+-+-+-+-+-+-+-+-+-+-+-+-+-+-+-+-+-+-+-+-+-+-+-+-+</a:t>
+            </a:r>
+            <a:endParaRPr kumimoji="0" lang="en-US" altLang="en-US" sz="600" u="none" strike="noStrike" cap="none" normalizeH="0" baseline="0" dirty="0">
+              <a:ln>
+                <a:noFill/>
+              </a:ln>
+              <a:solidFill>
+                <a:schemeClr val="tx1"/>
+              </a:solidFill>
+              <a:effectLst/>
+              <a:latin typeface="Courier" pitchFamily="2" charset="0"/>
+            </a:endParaRPr>
+          </a:p>
+          <a:p>
+            <a:pPr marL="0" marR="0" lvl="0" indent="0" algn="l" defTabSz="914400" rtl="0" eaLnBrk="0" fontAlgn="base" latinLnBrk="0" hangingPunct="0">
+              <a:lnSpc>
+                <a:spcPct val="100000"/>
+              </a:lnSpc>
+              <a:spcBef>
+                <a:spcPct val="0"/>
+              </a:spcBef>
+              <a:spcAft>
+                <a:spcPct val="0"/>
+              </a:spcAft>
+              <a:buClrTx/>
+              <a:buSzTx/>
+              <a:buFontTx/>
+              <a:buNone/>
+              <a:tabLst>
+                <a:tab pos="581025" algn="l"/>
+                <a:tab pos="1163638" algn="l"/>
+                <a:tab pos="1744663" algn="l"/>
+                <a:tab pos="2327275" algn="l"/>
+                <a:tab pos="2908300" algn="l"/>
+                <a:tab pos="3489325" algn="l"/>
+                <a:tab pos="4071938" algn="l"/>
+                <a:tab pos="4652963" algn="l"/>
+                <a:tab pos="5235575" algn="l"/>
+                <a:tab pos="5816600" algn="l"/>
+                <a:tab pos="6397625" algn="l"/>
+                <a:tab pos="6980238" algn="l"/>
+                <a:tab pos="7561263" algn="l"/>
+                <a:tab pos="8143875" algn="l"/>
+                <a:tab pos="8724900" algn="l"/>
+                <a:tab pos="9305925" algn="l"/>
+              </a:tabLst>
+            </a:pPr>
+            <a:r>
+              <a:rPr kumimoji="0" lang="en-US" altLang="en-US" sz="800" u="none" strike="noStrike" cap="none" normalizeH="0" baseline="0" dirty="0">
+                <a:ln>
+                  <a:noFill/>
+                </a:ln>
+                <a:solidFill>
+                  <a:schemeClr val="tx1"/>
+                </a:solidFill>
+                <a:effectLst/>
+                <a:latin typeface="Courier" pitchFamily="2" charset="0"/>
+                <a:ea typeface="Times New Roman" panose="02020603050405020304" pitchFamily="18" charset="0"/>
+                <a:cs typeface="Courier New" panose="02070309020205020404" pitchFamily="49" charset="0"/>
+              </a:rPr>
+              <a:t>|                        Sequence Number                        |</a:t>
+            </a:r>
+            <a:endParaRPr kumimoji="0" lang="en-US" altLang="en-US" sz="600" u="none" strike="noStrike" cap="none" normalizeH="0" baseline="0" dirty="0">
+              <a:ln>
+                <a:noFill/>
+              </a:ln>
+              <a:solidFill>
+                <a:schemeClr val="tx1"/>
+              </a:solidFill>
+              <a:effectLst/>
+              <a:latin typeface="Courier" pitchFamily="2" charset="0"/>
+            </a:endParaRPr>
+          </a:p>
+          <a:p>
+            <a:pPr marL="0" marR="0" lvl="0" indent="0" algn="l" defTabSz="914400" rtl="0" eaLnBrk="0" fontAlgn="base" latinLnBrk="0" hangingPunct="0">
+              <a:lnSpc>
+                <a:spcPct val="100000"/>
+              </a:lnSpc>
+              <a:spcBef>
+                <a:spcPct val="0"/>
+              </a:spcBef>
+              <a:spcAft>
+                <a:spcPct val="0"/>
+              </a:spcAft>
+              <a:buClrTx/>
+              <a:buSzTx/>
+              <a:buFontTx/>
+              <a:buNone/>
+              <a:tabLst>
+                <a:tab pos="581025" algn="l"/>
+                <a:tab pos="1163638" algn="l"/>
+                <a:tab pos="1744663" algn="l"/>
+                <a:tab pos="2327275" algn="l"/>
+                <a:tab pos="2908300" algn="l"/>
+                <a:tab pos="3489325" algn="l"/>
+                <a:tab pos="4071938" algn="l"/>
+                <a:tab pos="4652963" algn="l"/>
+                <a:tab pos="5235575" algn="l"/>
+                <a:tab pos="5816600" algn="l"/>
+                <a:tab pos="6397625" algn="l"/>
+                <a:tab pos="6980238" algn="l"/>
+                <a:tab pos="7561263" algn="l"/>
+                <a:tab pos="8143875" algn="l"/>
+                <a:tab pos="8724900" algn="l"/>
+                <a:tab pos="9305925" algn="l"/>
+              </a:tabLst>
+            </a:pPr>
+            <a:r>
+              <a:rPr kumimoji="0" lang="en-US" altLang="en-US" sz="800" u="none" strike="noStrike" cap="none" normalizeH="0" baseline="0" dirty="0">
+                <a:ln>
+                  <a:noFill/>
+                </a:ln>
+                <a:solidFill>
+                  <a:schemeClr val="tx1"/>
+                </a:solidFill>
+                <a:effectLst/>
+                <a:latin typeface="Courier" pitchFamily="2" charset="0"/>
+                <a:ea typeface="Times New Roman" panose="02020603050405020304" pitchFamily="18" charset="0"/>
+                <a:cs typeface="Courier New" panose="02070309020205020404" pitchFamily="49" charset="0"/>
+              </a:rPr>
+              <a:t>+-+-+-+-+-+-+-+-+-+-+-+-+-+-+-+-+-+-+-+-+-+-+-+-+-+-+-+-+-+-+-+-+</a:t>
+            </a:r>
+            <a:endParaRPr kumimoji="0" lang="en-US" altLang="en-US" sz="600" u="none" strike="noStrike" cap="none" normalizeH="0" baseline="0" dirty="0">
+              <a:ln>
+                <a:noFill/>
+              </a:ln>
+              <a:solidFill>
+                <a:schemeClr val="tx1"/>
+              </a:solidFill>
+              <a:effectLst/>
+              <a:latin typeface="Courier" pitchFamily="2" charset="0"/>
+            </a:endParaRPr>
+          </a:p>
+          <a:p>
+            <a:pPr marL="0" marR="0" lvl="0" indent="0" algn="l" defTabSz="914400" rtl="0" eaLnBrk="0" fontAlgn="base" latinLnBrk="0" hangingPunct="0">
+              <a:lnSpc>
+                <a:spcPct val="100000"/>
+              </a:lnSpc>
+              <a:spcBef>
+                <a:spcPct val="0"/>
+              </a:spcBef>
+              <a:spcAft>
+                <a:spcPct val="0"/>
+              </a:spcAft>
+              <a:buClrTx/>
+              <a:buSzTx/>
+              <a:buFontTx/>
+              <a:buNone/>
+              <a:tabLst>
+                <a:tab pos="581025" algn="l"/>
+                <a:tab pos="1163638" algn="l"/>
+                <a:tab pos="1744663" algn="l"/>
+                <a:tab pos="2327275" algn="l"/>
+                <a:tab pos="2908300" algn="l"/>
+                <a:tab pos="3489325" algn="l"/>
+                <a:tab pos="4071938" algn="l"/>
+                <a:tab pos="4652963" algn="l"/>
+                <a:tab pos="5235575" algn="l"/>
+                <a:tab pos="5816600" algn="l"/>
+                <a:tab pos="6397625" algn="l"/>
+                <a:tab pos="6980238" algn="l"/>
+                <a:tab pos="7561263" algn="l"/>
+                <a:tab pos="8143875" algn="l"/>
+                <a:tab pos="8724900" algn="l"/>
+                <a:tab pos="9305925" algn="l"/>
+              </a:tabLst>
+            </a:pPr>
+            <a:r>
+              <a:rPr kumimoji="0" lang="en-US" altLang="en-US" sz="800" u="none" strike="noStrike" cap="none" normalizeH="0" baseline="0" dirty="0">
+                <a:ln>
+                  <a:noFill/>
+                </a:ln>
+                <a:solidFill>
+                  <a:schemeClr val="tx1"/>
+                </a:solidFill>
+                <a:effectLst/>
+                <a:latin typeface="Courier" pitchFamily="2" charset="0"/>
+                <a:ea typeface="Times New Roman" panose="02020603050405020304" pitchFamily="18" charset="0"/>
+                <a:cs typeface="Courier New" panose="02070309020205020404" pitchFamily="49" charset="0"/>
+              </a:rPr>
+              <a:t>|                        Transmit Counter                       |</a:t>
+            </a:r>
+            <a:endParaRPr kumimoji="0" lang="en-US" altLang="en-US" sz="600" u="none" strike="noStrike" cap="none" normalizeH="0" baseline="0" dirty="0">
+              <a:ln>
+                <a:noFill/>
+              </a:ln>
+              <a:solidFill>
+                <a:schemeClr val="tx1"/>
+              </a:solidFill>
+              <a:effectLst/>
+              <a:latin typeface="Courier" pitchFamily="2" charset="0"/>
+            </a:endParaRPr>
+          </a:p>
+          <a:p>
+            <a:pPr marL="0" marR="0" lvl="0" indent="0" algn="l" defTabSz="914400" rtl="0" eaLnBrk="0" fontAlgn="base" latinLnBrk="0" hangingPunct="0">
+              <a:lnSpc>
+                <a:spcPct val="100000"/>
+              </a:lnSpc>
+              <a:spcBef>
+                <a:spcPct val="0"/>
+              </a:spcBef>
+              <a:spcAft>
+                <a:spcPct val="0"/>
+              </a:spcAft>
+              <a:buClrTx/>
+              <a:buSzTx/>
+              <a:buFontTx/>
+              <a:buNone/>
+              <a:tabLst>
+                <a:tab pos="581025" algn="l"/>
+                <a:tab pos="1163638" algn="l"/>
+                <a:tab pos="1744663" algn="l"/>
+                <a:tab pos="2327275" algn="l"/>
+                <a:tab pos="2908300" algn="l"/>
+                <a:tab pos="3489325" algn="l"/>
+                <a:tab pos="4071938" algn="l"/>
+                <a:tab pos="4652963" algn="l"/>
+                <a:tab pos="5235575" algn="l"/>
+                <a:tab pos="5816600" algn="l"/>
+                <a:tab pos="6397625" algn="l"/>
+                <a:tab pos="6980238" algn="l"/>
+                <a:tab pos="7561263" algn="l"/>
+                <a:tab pos="8143875" algn="l"/>
+                <a:tab pos="8724900" algn="l"/>
+                <a:tab pos="9305925" algn="l"/>
+              </a:tabLst>
+            </a:pPr>
+            <a:r>
+              <a:rPr kumimoji="0" lang="en-US" altLang="en-US" sz="800" u="none" strike="noStrike" cap="none" normalizeH="0" baseline="0" dirty="0">
+                <a:ln>
+                  <a:noFill/>
+                </a:ln>
+                <a:solidFill>
+                  <a:schemeClr val="tx1"/>
+                </a:solidFill>
+                <a:effectLst/>
+                <a:latin typeface="Courier" pitchFamily="2" charset="0"/>
+                <a:ea typeface="Times New Roman" panose="02020603050405020304" pitchFamily="18" charset="0"/>
+                <a:cs typeface="Courier New" panose="02070309020205020404" pitchFamily="49" charset="0"/>
+              </a:rPr>
+              <a:t>|                                                               |</a:t>
+            </a:r>
+            <a:endParaRPr kumimoji="0" lang="en-US" altLang="en-US" sz="600" u="none" strike="noStrike" cap="none" normalizeH="0" baseline="0" dirty="0">
+              <a:ln>
+                <a:noFill/>
+              </a:ln>
+              <a:solidFill>
+                <a:schemeClr val="tx1"/>
+              </a:solidFill>
+              <a:effectLst/>
+              <a:latin typeface="Courier" pitchFamily="2" charset="0"/>
+            </a:endParaRPr>
+          </a:p>
+          <a:p>
+            <a:pPr marL="0" marR="0" lvl="0" indent="0" algn="l" defTabSz="914400" rtl="0" eaLnBrk="0" fontAlgn="base" latinLnBrk="0" hangingPunct="0">
+              <a:lnSpc>
+                <a:spcPct val="100000"/>
+              </a:lnSpc>
+              <a:spcBef>
+                <a:spcPct val="0"/>
+              </a:spcBef>
+              <a:spcAft>
+                <a:spcPct val="0"/>
+              </a:spcAft>
+              <a:buClrTx/>
+              <a:buSzTx/>
+              <a:buFontTx/>
+              <a:buNone/>
+              <a:tabLst>
+                <a:tab pos="581025" algn="l"/>
+                <a:tab pos="1163638" algn="l"/>
+                <a:tab pos="1744663" algn="l"/>
+                <a:tab pos="2327275" algn="l"/>
+                <a:tab pos="2908300" algn="l"/>
+                <a:tab pos="3489325" algn="l"/>
+                <a:tab pos="4071938" algn="l"/>
+                <a:tab pos="4652963" algn="l"/>
+                <a:tab pos="5235575" algn="l"/>
+                <a:tab pos="5816600" algn="l"/>
+                <a:tab pos="6397625" algn="l"/>
+                <a:tab pos="6980238" algn="l"/>
+                <a:tab pos="7561263" algn="l"/>
+                <a:tab pos="8143875" algn="l"/>
+                <a:tab pos="8724900" algn="l"/>
+                <a:tab pos="9305925" algn="l"/>
+              </a:tabLst>
+            </a:pPr>
+            <a:r>
+              <a:rPr kumimoji="0" lang="en-US" altLang="en-US" sz="800" u="none" strike="noStrike" cap="none" normalizeH="0" baseline="0" dirty="0">
+                <a:ln>
+                  <a:noFill/>
+                </a:ln>
+                <a:solidFill>
+                  <a:schemeClr val="tx1"/>
+                </a:solidFill>
+                <a:effectLst/>
+                <a:latin typeface="Courier" pitchFamily="2" charset="0"/>
+                <a:ea typeface="Times New Roman" panose="02020603050405020304" pitchFamily="18" charset="0"/>
+                <a:cs typeface="Courier New" panose="02070309020205020404" pitchFamily="49" charset="0"/>
+              </a:rPr>
+              <a:t>+-+-+-+-+-+-+-+-+-+-+-+-+-+-+-+-+-+-+-+-+-+-+-+-+-+-+-+-+-+-+-+-+</a:t>
+            </a:r>
+            <a:endParaRPr kumimoji="0" lang="en-US" altLang="en-US" sz="600" u="none" strike="noStrike" cap="none" normalizeH="0" baseline="0" dirty="0">
+              <a:ln>
+                <a:noFill/>
+              </a:ln>
+              <a:solidFill>
+                <a:schemeClr val="tx1"/>
+              </a:solidFill>
+              <a:effectLst/>
+              <a:latin typeface="Courier" pitchFamily="2" charset="0"/>
+            </a:endParaRPr>
+          </a:p>
+          <a:p>
+            <a:pPr marL="0" marR="0" lvl="0" indent="0" algn="l" defTabSz="914400" rtl="0" eaLnBrk="0" fontAlgn="base" latinLnBrk="0" hangingPunct="0">
+              <a:lnSpc>
+                <a:spcPct val="100000"/>
+              </a:lnSpc>
+              <a:spcBef>
+                <a:spcPct val="0"/>
+              </a:spcBef>
+              <a:spcAft>
+                <a:spcPct val="0"/>
+              </a:spcAft>
+              <a:buClrTx/>
+              <a:buSzTx/>
+              <a:buFontTx/>
+              <a:buNone/>
+              <a:tabLst>
+                <a:tab pos="581025" algn="l"/>
+                <a:tab pos="1163638" algn="l"/>
+                <a:tab pos="1744663" algn="l"/>
+                <a:tab pos="2327275" algn="l"/>
+                <a:tab pos="2908300" algn="l"/>
+                <a:tab pos="3489325" algn="l"/>
+                <a:tab pos="4071938" algn="l"/>
+                <a:tab pos="4652963" algn="l"/>
+                <a:tab pos="5235575" algn="l"/>
+                <a:tab pos="5816600" algn="l"/>
+                <a:tab pos="6397625" algn="l"/>
+                <a:tab pos="6980238" algn="l"/>
+                <a:tab pos="7561263" algn="l"/>
+                <a:tab pos="8143875" algn="l"/>
+                <a:tab pos="8724900" algn="l"/>
+                <a:tab pos="9305925" algn="l"/>
+              </a:tabLst>
+            </a:pPr>
+            <a:r>
+              <a:rPr kumimoji="0" lang="en-US" altLang="en-US" sz="800" u="none" strike="noStrike" cap="none" normalizeH="0" baseline="0" dirty="0">
+                <a:ln>
+                  <a:noFill/>
+                </a:ln>
+                <a:solidFill>
+                  <a:schemeClr val="tx1"/>
+                </a:solidFill>
+                <a:effectLst/>
+                <a:latin typeface="Courier" pitchFamily="2" charset="0"/>
+                <a:ea typeface="Times New Roman" panose="02020603050405020304" pitchFamily="18" charset="0"/>
+                <a:cs typeface="Courier New" panose="02070309020205020404" pitchFamily="49" charset="0"/>
+              </a:rPr>
+              <a:t>|X|B| Reserved  | Block Number  | Session ID                    |</a:t>
+            </a:r>
+            <a:endParaRPr kumimoji="0" lang="en-US" altLang="en-US" sz="600" u="none" strike="noStrike" cap="none" normalizeH="0" baseline="0" dirty="0">
+              <a:ln>
+                <a:noFill/>
+              </a:ln>
+              <a:solidFill>
+                <a:schemeClr val="tx1"/>
+              </a:solidFill>
+              <a:effectLst/>
+              <a:latin typeface="Courier" pitchFamily="2" charset="0"/>
+            </a:endParaRPr>
+          </a:p>
+          <a:p>
+            <a:pPr marL="0" marR="0" lvl="0" indent="0" algn="l" defTabSz="914400" rtl="0" eaLnBrk="0" fontAlgn="base" latinLnBrk="0" hangingPunct="0">
+              <a:lnSpc>
+                <a:spcPct val="100000"/>
+              </a:lnSpc>
+              <a:spcBef>
+                <a:spcPct val="0"/>
+              </a:spcBef>
+              <a:spcAft>
+                <a:spcPct val="0"/>
+              </a:spcAft>
+              <a:buClrTx/>
+              <a:buSzTx/>
+              <a:buFontTx/>
+              <a:buNone/>
+              <a:tabLst>
+                <a:tab pos="581025" algn="l"/>
+                <a:tab pos="1163638" algn="l"/>
+                <a:tab pos="1744663" algn="l"/>
+                <a:tab pos="2327275" algn="l"/>
+                <a:tab pos="2908300" algn="l"/>
+                <a:tab pos="3489325" algn="l"/>
+                <a:tab pos="4071938" algn="l"/>
+                <a:tab pos="4652963" algn="l"/>
+                <a:tab pos="5235575" algn="l"/>
+                <a:tab pos="5816600" algn="l"/>
+                <a:tab pos="6397625" algn="l"/>
+                <a:tab pos="6980238" algn="l"/>
+                <a:tab pos="7561263" algn="l"/>
+                <a:tab pos="8143875" algn="l"/>
+                <a:tab pos="8724900" algn="l"/>
+                <a:tab pos="9305925" algn="l"/>
+              </a:tabLst>
+            </a:pPr>
+            <a:r>
+              <a:rPr kumimoji="0" lang="en-US" altLang="en-US" sz="800" u="none" strike="noStrike" cap="none" normalizeH="0" baseline="0" dirty="0">
+                <a:ln>
+                  <a:noFill/>
+                </a:ln>
+                <a:solidFill>
+                  <a:schemeClr val="tx1"/>
+                </a:solidFill>
+                <a:effectLst/>
+                <a:latin typeface="Courier" pitchFamily="2" charset="0"/>
+                <a:ea typeface="Times New Roman" panose="02020603050405020304" pitchFamily="18" charset="0"/>
+                <a:cs typeface="Courier New" panose="02070309020205020404" pitchFamily="49" charset="0"/>
+              </a:rPr>
+              <a:t>+-+-+-+-+-+-+-+-+-+-+-+-+-+-+-+-+-+-+-+-+-+-+-+-+-+-+-+-+-+-+-+-+</a:t>
+            </a:r>
+            <a:endParaRPr kumimoji="0" lang="en-US" altLang="en-US" sz="800" u="none" strike="noStrike" cap="none" normalizeH="0" baseline="0" dirty="0">
+              <a:ln>
+                <a:noFill/>
+              </a:ln>
+              <a:solidFill>
+                <a:schemeClr val="tx1"/>
+              </a:solidFill>
+              <a:effectLst/>
+              <a:latin typeface="Courier" pitchFamily="2" charset="0"/>
+              <a:ea typeface="Times New Roman" panose="02020603050405020304" pitchFamily="18" charset="0"/>
+            </a:endParaRPr>
+          </a:p>
+          <a:p>
+            <a:pPr marL="0" marR="0" lvl="0" indent="0" algn="l" defTabSz="914400" rtl="0" eaLnBrk="0" fontAlgn="base" latinLnBrk="0" hangingPunct="0">
+              <a:lnSpc>
+                <a:spcPct val="100000"/>
+              </a:lnSpc>
+              <a:spcBef>
+                <a:spcPct val="0"/>
+              </a:spcBef>
+              <a:spcAft>
+                <a:spcPct val="0"/>
+              </a:spcAft>
+              <a:buClrTx/>
+              <a:buSzTx/>
+              <a:buFontTx/>
+              <a:buNone/>
+              <a:tabLst>
+                <a:tab pos="581025" algn="l"/>
+                <a:tab pos="1163638" algn="l"/>
+                <a:tab pos="1744663" algn="l"/>
+                <a:tab pos="2327275" algn="l"/>
+                <a:tab pos="2908300" algn="l"/>
+                <a:tab pos="3489325" algn="l"/>
+                <a:tab pos="4071938" algn="l"/>
+                <a:tab pos="4652963" algn="l"/>
+                <a:tab pos="5235575" algn="l"/>
+                <a:tab pos="5816600" algn="l"/>
+                <a:tab pos="6397625" algn="l"/>
+                <a:tab pos="6980238" algn="l"/>
+                <a:tab pos="7561263" algn="l"/>
+                <a:tab pos="8143875" algn="l"/>
+                <a:tab pos="8724900" algn="l"/>
+                <a:tab pos="9305925" algn="l"/>
+              </a:tabLst>
+            </a:pPr>
+            <a:r>
+              <a:rPr kumimoji="0" lang="en-US" altLang="en-US" sz="800" u="none" strike="noStrike" cap="none" normalizeH="0" baseline="0" dirty="0">
+                <a:ln>
+                  <a:noFill/>
+                </a:ln>
+                <a:solidFill>
+                  <a:schemeClr val="bg2">
+                    <a:lumMod val="75000"/>
+                  </a:schemeClr>
+                </a:solidFill>
+                <a:effectLst/>
+                <a:latin typeface="Courier" pitchFamily="2" charset="0"/>
+                <a:ea typeface="Times New Roman" panose="02020603050405020304" pitchFamily="18" charset="0"/>
+              </a:rPr>
+              <a:t>|                        Receive Counter                        |</a:t>
+            </a:r>
+          </a:p>
+          <a:p>
+            <a:pPr marL="0" marR="0" lvl="0" indent="0" algn="l" defTabSz="914400" rtl="0" eaLnBrk="0" fontAlgn="base" latinLnBrk="0" hangingPunct="0">
+              <a:lnSpc>
+                <a:spcPct val="100000"/>
+              </a:lnSpc>
+              <a:spcBef>
+                <a:spcPct val="0"/>
+              </a:spcBef>
+              <a:spcAft>
+                <a:spcPct val="0"/>
+              </a:spcAft>
+              <a:buClrTx/>
+              <a:buSzTx/>
+              <a:buFontTx/>
+              <a:buNone/>
+              <a:tabLst>
+                <a:tab pos="581025" algn="l"/>
+                <a:tab pos="1163638" algn="l"/>
+                <a:tab pos="1744663" algn="l"/>
+                <a:tab pos="2327275" algn="l"/>
+                <a:tab pos="2908300" algn="l"/>
+                <a:tab pos="3489325" algn="l"/>
+                <a:tab pos="4071938" algn="l"/>
+                <a:tab pos="4652963" algn="l"/>
+                <a:tab pos="5235575" algn="l"/>
+                <a:tab pos="5816600" algn="l"/>
+                <a:tab pos="6397625" algn="l"/>
+                <a:tab pos="6980238" algn="l"/>
+                <a:tab pos="7561263" algn="l"/>
+                <a:tab pos="8143875" algn="l"/>
+                <a:tab pos="8724900" algn="l"/>
+                <a:tab pos="9305925" algn="l"/>
+              </a:tabLst>
+            </a:pPr>
+            <a:r>
+              <a:rPr kumimoji="0" lang="en-US" altLang="en-US" sz="800" u="none" strike="noStrike" cap="none" normalizeH="0" baseline="0" dirty="0">
+                <a:ln>
+                  <a:noFill/>
+                </a:ln>
+                <a:solidFill>
+                  <a:schemeClr val="bg2">
+                    <a:lumMod val="75000"/>
+                  </a:schemeClr>
+                </a:solidFill>
+                <a:effectLst/>
+                <a:latin typeface="Courier" pitchFamily="2" charset="0"/>
+                <a:ea typeface="Times New Roman" panose="02020603050405020304" pitchFamily="18" charset="0"/>
+              </a:rPr>
+              <a:t>|                                                               |</a:t>
+            </a:r>
+          </a:p>
+          <a:p>
+            <a:pPr marL="0" marR="0" lvl="0" indent="0" algn="l" defTabSz="914400" rtl="0" eaLnBrk="0" fontAlgn="base" latinLnBrk="0" hangingPunct="0">
+              <a:lnSpc>
+                <a:spcPct val="100000"/>
+              </a:lnSpc>
+              <a:spcBef>
+                <a:spcPct val="0"/>
+              </a:spcBef>
+              <a:spcAft>
+                <a:spcPct val="0"/>
+              </a:spcAft>
+              <a:buClrTx/>
+              <a:buSzTx/>
+              <a:buFontTx/>
+              <a:buNone/>
+              <a:tabLst>
+                <a:tab pos="581025" algn="l"/>
+                <a:tab pos="1163638" algn="l"/>
+                <a:tab pos="1744663" algn="l"/>
+                <a:tab pos="2327275" algn="l"/>
+                <a:tab pos="2908300" algn="l"/>
+                <a:tab pos="3489325" algn="l"/>
+                <a:tab pos="4071938" algn="l"/>
+                <a:tab pos="4652963" algn="l"/>
+                <a:tab pos="5235575" algn="l"/>
+                <a:tab pos="5816600" algn="l"/>
+                <a:tab pos="6397625" algn="l"/>
+                <a:tab pos="6980238" algn="l"/>
+                <a:tab pos="7561263" algn="l"/>
+                <a:tab pos="8143875" algn="l"/>
+                <a:tab pos="8724900" algn="l"/>
+                <a:tab pos="9305925" algn="l"/>
+              </a:tabLst>
+            </a:pPr>
+            <a:r>
+              <a:rPr kumimoji="0" lang="en-US" altLang="en-US" sz="800" u="none" strike="noStrike" cap="none" normalizeH="0" baseline="0" dirty="0">
+                <a:ln>
+                  <a:noFill/>
+                </a:ln>
+                <a:solidFill>
+                  <a:schemeClr val="bg2">
+                    <a:lumMod val="75000"/>
+                  </a:schemeClr>
+                </a:solidFill>
+                <a:effectLst/>
+                <a:latin typeface="Courier" pitchFamily="2" charset="0"/>
+                <a:ea typeface="Times New Roman" panose="02020603050405020304" pitchFamily="18" charset="0"/>
+              </a:rPr>
+              <a:t>+-+-+-+-+-+-+-+-+-+-+-+-+-+-+-+-+-+-+-+-+-+-+-+-+-+-+-+-+-+-+-+-+</a:t>
+            </a:r>
+          </a:p>
+          <a:p>
+            <a:pPr marL="0" marR="0" lvl="0" indent="0" algn="l" defTabSz="914400" rtl="0" eaLnBrk="0" fontAlgn="base" latinLnBrk="0" hangingPunct="0">
+              <a:lnSpc>
+                <a:spcPct val="100000"/>
+              </a:lnSpc>
+              <a:spcBef>
+                <a:spcPct val="0"/>
+              </a:spcBef>
+              <a:spcAft>
+                <a:spcPct val="0"/>
+              </a:spcAft>
+              <a:buClrTx/>
+              <a:buSzTx/>
+              <a:buFontTx/>
+              <a:buNone/>
+              <a:tabLst>
+                <a:tab pos="581025" algn="l"/>
+                <a:tab pos="1163638" algn="l"/>
+                <a:tab pos="1744663" algn="l"/>
+                <a:tab pos="2327275" algn="l"/>
+                <a:tab pos="2908300" algn="l"/>
+                <a:tab pos="3489325" algn="l"/>
+                <a:tab pos="4071938" algn="l"/>
+                <a:tab pos="4652963" algn="l"/>
+                <a:tab pos="5235575" algn="l"/>
+                <a:tab pos="5816600" algn="l"/>
+                <a:tab pos="6397625" algn="l"/>
+                <a:tab pos="6980238" algn="l"/>
+                <a:tab pos="7561263" algn="l"/>
+                <a:tab pos="8143875" algn="l"/>
+                <a:tab pos="8724900" algn="l"/>
+                <a:tab pos="9305925" algn="l"/>
+              </a:tabLst>
+            </a:pPr>
+            <a:r>
+              <a:rPr kumimoji="0" lang="en-US" altLang="en-US" sz="800" u="none" strike="noStrike" cap="none" normalizeH="0" baseline="0" dirty="0">
+                <a:ln>
+                  <a:noFill/>
+                </a:ln>
+                <a:solidFill>
+                  <a:schemeClr val="bg2">
+                    <a:lumMod val="75000"/>
+                  </a:schemeClr>
+                </a:solidFill>
+                <a:effectLst/>
+                <a:latin typeface="Courier" pitchFamily="2" charset="0"/>
+                <a:ea typeface="Times New Roman" panose="02020603050405020304" pitchFamily="18" charset="0"/>
+              </a:rPr>
+              <a:t>|                        Sender Sequence Number                 |</a:t>
+            </a:r>
+          </a:p>
+          <a:p>
+            <a:pPr marL="0" marR="0" lvl="0" indent="0" algn="l" defTabSz="914400" rtl="0" eaLnBrk="0" fontAlgn="base" latinLnBrk="0" hangingPunct="0">
+              <a:lnSpc>
+                <a:spcPct val="100000"/>
+              </a:lnSpc>
+              <a:spcBef>
+                <a:spcPct val="0"/>
+              </a:spcBef>
+              <a:spcAft>
+                <a:spcPct val="0"/>
+              </a:spcAft>
+              <a:buClrTx/>
+              <a:buSzTx/>
+              <a:buFontTx/>
+              <a:buNone/>
+              <a:tabLst>
+                <a:tab pos="581025" algn="l"/>
+                <a:tab pos="1163638" algn="l"/>
+                <a:tab pos="1744663" algn="l"/>
+                <a:tab pos="2327275" algn="l"/>
+                <a:tab pos="2908300" algn="l"/>
+                <a:tab pos="3489325" algn="l"/>
+                <a:tab pos="4071938" algn="l"/>
+                <a:tab pos="4652963" algn="l"/>
+                <a:tab pos="5235575" algn="l"/>
+                <a:tab pos="5816600" algn="l"/>
+                <a:tab pos="6397625" algn="l"/>
+                <a:tab pos="6980238" algn="l"/>
+                <a:tab pos="7561263" algn="l"/>
+                <a:tab pos="8143875" algn="l"/>
+                <a:tab pos="8724900" algn="l"/>
+                <a:tab pos="9305925" algn="l"/>
+              </a:tabLst>
+            </a:pPr>
+            <a:r>
+              <a:rPr kumimoji="0" lang="en-US" altLang="en-US" sz="800" u="none" strike="noStrike" cap="none" normalizeH="0" baseline="0" dirty="0">
+                <a:ln>
+                  <a:noFill/>
+                </a:ln>
+                <a:solidFill>
+                  <a:schemeClr val="bg2">
+                    <a:lumMod val="75000"/>
+                  </a:schemeClr>
+                </a:solidFill>
+                <a:effectLst/>
+                <a:latin typeface="Courier" pitchFamily="2" charset="0"/>
+                <a:ea typeface="Times New Roman" panose="02020603050405020304" pitchFamily="18" charset="0"/>
+              </a:rPr>
+              <a:t>+-+-+-+-+-+-+-+-+-+-+-+-+-+-+-+-+-+-+-+-+-+-+-+-+-+-+-+-+-+-+-+-+</a:t>
+            </a:r>
+          </a:p>
+          <a:p>
+            <a:pPr marL="0" marR="0" lvl="0" indent="0" algn="l" defTabSz="914400" rtl="0" eaLnBrk="0" fontAlgn="base" latinLnBrk="0" hangingPunct="0">
+              <a:lnSpc>
+                <a:spcPct val="100000"/>
+              </a:lnSpc>
+              <a:spcBef>
+                <a:spcPct val="0"/>
+              </a:spcBef>
+              <a:spcAft>
+                <a:spcPct val="0"/>
+              </a:spcAft>
+              <a:buClrTx/>
+              <a:buSzTx/>
+              <a:buFontTx/>
+              <a:buNone/>
+              <a:tabLst>
+                <a:tab pos="581025" algn="l"/>
+                <a:tab pos="1163638" algn="l"/>
+                <a:tab pos="1744663" algn="l"/>
+                <a:tab pos="2327275" algn="l"/>
+                <a:tab pos="2908300" algn="l"/>
+                <a:tab pos="3489325" algn="l"/>
+                <a:tab pos="4071938" algn="l"/>
+                <a:tab pos="4652963" algn="l"/>
+                <a:tab pos="5235575" algn="l"/>
+                <a:tab pos="5816600" algn="l"/>
+                <a:tab pos="6397625" algn="l"/>
+                <a:tab pos="6980238" algn="l"/>
+                <a:tab pos="7561263" algn="l"/>
+                <a:tab pos="8143875" algn="l"/>
+                <a:tab pos="8724900" algn="l"/>
+                <a:tab pos="9305925" algn="l"/>
+              </a:tabLst>
+            </a:pPr>
+            <a:r>
+              <a:rPr kumimoji="0" lang="en-US" altLang="en-US" sz="800" u="none" strike="noStrike" cap="none" normalizeH="0" baseline="0" dirty="0">
+                <a:ln>
+                  <a:noFill/>
+                </a:ln>
+                <a:solidFill>
+                  <a:schemeClr val="bg2">
+                    <a:lumMod val="75000"/>
+                  </a:schemeClr>
+                </a:solidFill>
+                <a:effectLst/>
+                <a:latin typeface="Courier" pitchFamily="2" charset="0"/>
+                <a:ea typeface="Times New Roman" panose="02020603050405020304" pitchFamily="18" charset="0"/>
+              </a:rPr>
+              <a:t>|                        Sender Counter                         |</a:t>
+            </a:r>
+          </a:p>
+          <a:p>
+            <a:pPr marL="0" marR="0" lvl="0" indent="0" algn="l" defTabSz="914400" rtl="0" eaLnBrk="0" fontAlgn="base" latinLnBrk="0" hangingPunct="0">
+              <a:lnSpc>
+                <a:spcPct val="100000"/>
+              </a:lnSpc>
+              <a:spcBef>
+                <a:spcPct val="0"/>
+              </a:spcBef>
+              <a:spcAft>
+                <a:spcPct val="0"/>
+              </a:spcAft>
+              <a:buClrTx/>
+              <a:buSzTx/>
+              <a:buFontTx/>
+              <a:buNone/>
+              <a:tabLst>
+                <a:tab pos="581025" algn="l"/>
+                <a:tab pos="1163638" algn="l"/>
+                <a:tab pos="1744663" algn="l"/>
+                <a:tab pos="2327275" algn="l"/>
+                <a:tab pos="2908300" algn="l"/>
+                <a:tab pos="3489325" algn="l"/>
+                <a:tab pos="4071938" algn="l"/>
+                <a:tab pos="4652963" algn="l"/>
+                <a:tab pos="5235575" algn="l"/>
+                <a:tab pos="5816600" algn="l"/>
+                <a:tab pos="6397625" algn="l"/>
+                <a:tab pos="6980238" algn="l"/>
+                <a:tab pos="7561263" algn="l"/>
+                <a:tab pos="8143875" algn="l"/>
+                <a:tab pos="8724900" algn="l"/>
+                <a:tab pos="9305925" algn="l"/>
+              </a:tabLst>
+            </a:pPr>
+            <a:r>
+              <a:rPr kumimoji="0" lang="en-US" altLang="en-US" sz="800" u="none" strike="noStrike" cap="none" normalizeH="0" baseline="0" dirty="0">
+                <a:ln>
+                  <a:noFill/>
+                </a:ln>
+                <a:solidFill>
+                  <a:schemeClr val="bg2">
+                    <a:lumMod val="75000"/>
+                  </a:schemeClr>
+                </a:solidFill>
+                <a:effectLst/>
+                <a:latin typeface="Courier" pitchFamily="2" charset="0"/>
+                <a:ea typeface="Times New Roman" panose="02020603050405020304" pitchFamily="18" charset="0"/>
+              </a:rPr>
+              <a:t>|                                                               |</a:t>
+            </a:r>
+          </a:p>
+          <a:p>
+            <a:pPr marL="0" marR="0" lvl="0" indent="0" algn="l" defTabSz="914400" rtl="0" eaLnBrk="0" fontAlgn="base" latinLnBrk="0" hangingPunct="0">
+              <a:lnSpc>
+                <a:spcPct val="100000"/>
+              </a:lnSpc>
+              <a:spcBef>
+                <a:spcPct val="0"/>
+              </a:spcBef>
+              <a:spcAft>
+                <a:spcPct val="0"/>
+              </a:spcAft>
+              <a:buClrTx/>
+              <a:buSzTx/>
+              <a:buFontTx/>
+              <a:buNone/>
+              <a:tabLst>
+                <a:tab pos="581025" algn="l"/>
+                <a:tab pos="1163638" algn="l"/>
+                <a:tab pos="1744663" algn="l"/>
+                <a:tab pos="2327275" algn="l"/>
+                <a:tab pos="2908300" algn="l"/>
+                <a:tab pos="3489325" algn="l"/>
+                <a:tab pos="4071938" algn="l"/>
+                <a:tab pos="4652963" algn="l"/>
+                <a:tab pos="5235575" algn="l"/>
+                <a:tab pos="5816600" algn="l"/>
+                <a:tab pos="6397625" algn="l"/>
+                <a:tab pos="6980238" algn="l"/>
+                <a:tab pos="7561263" algn="l"/>
+                <a:tab pos="8143875" algn="l"/>
+                <a:tab pos="8724900" algn="l"/>
+                <a:tab pos="9305925" algn="l"/>
+              </a:tabLst>
+            </a:pPr>
+            <a:r>
+              <a:rPr kumimoji="0" lang="en-US" altLang="en-US" sz="800" u="none" strike="noStrike" cap="none" normalizeH="0" baseline="0" dirty="0">
+                <a:ln>
+                  <a:noFill/>
+                </a:ln>
+                <a:solidFill>
+                  <a:schemeClr val="bg2">
+                    <a:lumMod val="75000"/>
+                  </a:schemeClr>
+                </a:solidFill>
+                <a:effectLst/>
+                <a:latin typeface="Courier" pitchFamily="2" charset="0"/>
+                <a:ea typeface="Times New Roman" panose="02020603050405020304" pitchFamily="18" charset="0"/>
+              </a:rPr>
+              <a:t>+-+-+-+-+-+-+-+-+-+-+-+-+-+-+-+-+-+-+-+-+-+-+-+-+-+-+-+-+-+-+-+-+</a:t>
+            </a:r>
+          </a:p>
+          <a:p>
+            <a:pPr marL="0" marR="0" lvl="0" indent="0" algn="l" defTabSz="914400" rtl="0" eaLnBrk="0" fontAlgn="base" latinLnBrk="0" hangingPunct="0">
+              <a:lnSpc>
+                <a:spcPct val="100000"/>
+              </a:lnSpc>
+              <a:spcBef>
+                <a:spcPct val="0"/>
+              </a:spcBef>
+              <a:spcAft>
+                <a:spcPct val="0"/>
+              </a:spcAft>
+              <a:buClrTx/>
+              <a:buSzTx/>
+              <a:buFontTx/>
+              <a:buNone/>
+              <a:tabLst>
+                <a:tab pos="581025" algn="l"/>
+                <a:tab pos="1163638" algn="l"/>
+                <a:tab pos="1744663" algn="l"/>
+                <a:tab pos="2327275" algn="l"/>
+                <a:tab pos="2908300" algn="l"/>
+                <a:tab pos="3489325" algn="l"/>
+                <a:tab pos="4071938" algn="l"/>
+                <a:tab pos="4652963" algn="l"/>
+                <a:tab pos="5235575" algn="l"/>
+                <a:tab pos="5816600" algn="l"/>
+                <a:tab pos="6397625" algn="l"/>
+                <a:tab pos="6980238" algn="l"/>
+                <a:tab pos="7561263" algn="l"/>
+                <a:tab pos="8143875" algn="l"/>
+                <a:tab pos="8724900" algn="l"/>
+                <a:tab pos="9305925" algn="l"/>
+              </a:tabLst>
+            </a:pPr>
+            <a:r>
+              <a:rPr kumimoji="0" lang="en-US" altLang="en-US" sz="800" u="none" strike="noStrike" cap="none" normalizeH="0" baseline="0" dirty="0">
+                <a:ln>
+                  <a:noFill/>
+                </a:ln>
+                <a:solidFill>
+                  <a:schemeClr val="bg2">
+                    <a:lumMod val="75000"/>
+                  </a:schemeClr>
+                </a:solidFill>
+                <a:effectLst/>
+                <a:latin typeface="Courier" pitchFamily="2" charset="0"/>
+                <a:ea typeface="Times New Roman" panose="02020603050405020304" pitchFamily="18" charset="0"/>
+              </a:rPr>
+              <a:t>|X|B| Reserved  |Sender Block Nu| MBZ           |Re Control Code|</a:t>
+            </a:r>
+          </a:p>
+          <a:p>
+            <a:pPr marL="0" marR="0" lvl="0" indent="0" algn="l" defTabSz="914400" rtl="0" eaLnBrk="0" fontAlgn="base" latinLnBrk="0" hangingPunct="0">
+              <a:lnSpc>
+                <a:spcPct val="100000"/>
+              </a:lnSpc>
+              <a:spcBef>
+                <a:spcPct val="0"/>
+              </a:spcBef>
+              <a:spcAft>
+                <a:spcPct val="0"/>
+              </a:spcAft>
+              <a:buClrTx/>
+              <a:buSzTx/>
+              <a:buFontTx/>
+              <a:buNone/>
+              <a:tabLst>
+                <a:tab pos="581025" algn="l"/>
+                <a:tab pos="1163638" algn="l"/>
+                <a:tab pos="1744663" algn="l"/>
+                <a:tab pos="2327275" algn="l"/>
+                <a:tab pos="2908300" algn="l"/>
+                <a:tab pos="3489325" algn="l"/>
+                <a:tab pos="4071938" algn="l"/>
+                <a:tab pos="4652963" algn="l"/>
+                <a:tab pos="5235575" algn="l"/>
+                <a:tab pos="5816600" algn="l"/>
+                <a:tab pos="6397625" algn="l"/>
+                <a:tab pos="6980238" algn="l"/>
+                <a:tab pos="7561263" algn="l"/>
+                <a:tab pos="8143875" algn="l"/>
+                <a:tab pos="8724900" algn="l"/>
+                <a:tab pos="9305925" algn="l"/>
+              </a:tabLst>
+            </a:pPr>
+            <a:r>
+              <a:rPr kumimoji="0" lang="en-US" altLang="en-US" sz="800" u="none" strike="noStrike" cap="none" normalizeH="0" baseline="0" dirty="0">
+                <a:ln>
+                  <a:noFill/>
+                </a:ln>
+                <a:solidFill>
+                  <a:schemeClr val="bg2">
+                    <a:lumMod val="75000"/>
+                  </a:schemeClr>
+                </a:solidFill>
+                <a:effectLst/>
+                <a:latin typeface="Courier" pitchFamily="2" charset="0"/>
+                <a:ea typeface="Times New Roman" panose="02020603050405020304" pitchFamily="18" charset="0"/>
+              </a:rPr>
+              <a:t>+-+-+-+-+-+-+-+-+-+-+-+-+-+-+-+-+-+-+-+-+-+-+-+-+-+-+-+-+-+-+-+-+</a:t>
+            </a:r>
+          </a:p>
+          <a:p>
+            <a:pPr marL="0" marR="0" lvl="0" indent="0" algn="l" defTabSz="914400" rtl="0" eaLnBrk="0" fontAlgn="base" latinLnBrk="0" hangingPunct="0">
+              <a:lnSpc>
+                <a:spcPct val="100000"/>
+              </a:lnSpc>
+              <a:spcBef>
+                <a:spcPct val="0"/>
+              </a:spcBef>
+              <a:spcAft>
+                <a:spcPct val="0"/>
+              </a:spcAft>
+              <a:buClrTx/>
+              <a:buSzTx/>
+              <a:buFontTx/>
+              <a:buNone/>
+              <a:tabLst>
+                <a:tab pos="581025" algn="l"/>
+                <a:tab pos="1163638" algn="l"/>
+                <a:tab pos="1744663" algn="l"/>
+                <a:tab pos="2327275" algn="l"/>
+                <a:tab pos="2908300" algn="l"/>
+                <a:tab pos="3489325" algn="l"/>
+                <a:tab pos="4071938" algn="l"/>
+                <a:tab pos="4652963" algn="l"/>
+                <a:tab pos="5235575" algn="l"/>
+                <a:tab pos="5816600" algn="l"/>
+                <a:tab pos="6397625" algn="l"/>
+                <a:tab pos="6980238" algn="l"/>
+                <a:tab pos="7561263" algn="l"/>
+                <a:tab pos="8143875" algn="l"/>
+                <a:tab pos="8724900" algn="l"/>
+                <a:tab pos="9305925" algn="l"/>
+              </a:tabLst>
+            </a:pPr>
+            <a:r>
+              <a:rPr kumimoji="0" lang="en-US" altLang="en-US" sz="800" u="none" strike="noStrike" cap="none" normalizeH="0" baseline="0" dirty="0">
+                <a:ln>
+                  <a:noFill/>
+                </a:ln>
+                <a:solidFill>
+                  <a:schemeClr val="bg2">
+                    <a:lumMod val="75000"/>
+                  </a:schemeClr>
+                </a:solidFill>
+                <a:effectLst/>
+                <a:latin typeface="Courier" pitchFamily="2" charset="0"/>
+                <a:ea typeface="Times New Roman" panose="02020603050405020304" pitchFamily="18" charset="0"/>
+              </a:rPr>
+              <a:t>|  Sender TTL   |      MBZ                                      |</a:t>
+            </a:r>
+          </a:p>
+          <a:p>
+            <a:pPr marL="0" marR="0" lvl="0" indent="0" algn="l" defTabSz="914400" rtl="0" eaLnBrk="0" fontAlgn="base" latinLnBrk="0" hangingPunct="0">
+              <a:lnSpc>
+                <a:spcPct val="100000"/>
+              </a:lnSpc>
+              <a:spcBef>
+                <a:spcPct val="0"/>
+              </a:spcBef>
+              <a:spcAft>
+                <a:spcPct val="0"/>
+              </a:spcAft>
+              <a:buClrTx/>
+              <a:buSzTx/>
+              <a:buFontTx/>
+              <a:buNone/>
+              <a:tabLst>
+                <a:tab pos="581025" algn="l"/>
+                <a:tab pos="1163638" algn="l"/>
+                <a:tab pos="1744663" algn="l"/>
+                <a:tab pos="2327275" algn="l"/>
+                <a:tab pos="2908300" algn="l"/>
+                <a:tab pos="3489325" algn="l"/>
+                <a:tab pos="4071938" algn="l"/>
+                <a:tab pos="4652963" algn="l"/>
+                <a:tab pos="5235575" algn="l"/>
+                <a:tab pos="5816600" algn="l"/>
+                <a:tab pos="6397625" algn="l"/>
+                <a:tab pos="6980238" algn="l"/>
+                <a:tab pos="7561263" algn="l"/>
+                <a:tab pos="8143875" algn="l"/>
+                <a:tab pos="8724900" algn="l"/>
+                <a:tab pos="9305925" algn="l"/>
+              </a:tabLst>
+            </a:pPr>
+            <a:r>
+              <a:rPr kumimoji="0" lang="en-US" altLang="en-US" sz="800" u="none" strike="noStrike" cap="none" normalizeH="0" baseline="0" dirty="0">
+                <a:ln>
+                  <a:noFill/>
+                </a:ln>
+                <a:solidFill>
+                  <a:schemeClr val="bg2">
+                    <a:lumMod val="75000"/>
+                  </a:schemeClr>
+                </a:solidFill>
+                <a:effectLst/>
+                <a:latin typeface="Courier" pitchFamily="2" charset="0"/>
+                <a:ea typeface="Times New Roman" panose="02020603050405020304" pitchFamily="18" charset="0"/>
+              </a:rPr>
+              <a:t>+-+-+-+-+-+-+-+-+-+-+-+-+-+-+-+-+-+-+-+-+-+-+-+-+-+-+-+-+-+-+-+-+</a:t>
+            </a:r>
+            <a:r>
+              <a:rPr kumimoji="0" lang="en-US" altLang="en-US" sz="600" u="none" strike="noStrike" cap="none" normalizeH="0" baseline="0" dirty="0">
+                <a:ln>
+                  <a:noFill/>
+                </a:ln>
+                <a:solidFill>
+                  <a:schemeClr val="bg2">
+                    <a:lumMod val="75000"/>
+                  </a:schemeClr>
+                </a:solidFill>
+                <a:effectLst/>
+                <a:latin typeface="Courier" pitchFamily="2" charset="0"/>
+              </a:rPr>
+              <a:t> </a:t>
+            </a:r>
+            <a:endParaRPr kumimoji="0" lang="en-US" altLang="en-US" sz="1800" u="none" strike="noStrike" cap="none" normalizeH="0" baseline="0" dirty="0">
+              <a:ln>
+                <a:noFill/>
+              </a:ln>
+              <a:solidFill>
+                <a:schemeClr val="bg2">
+                  <a:lumMod val="75000"/>
+                </a:schemeClr>
+              </a:solidFill>
+              <a:effectLst/>
+              <a:latin typeface="Courier" pitchFamily="2" charset="0"/>
+            </a:endParaRPr>
           </a:p>
         </p:txBody>
       </p:sp>
     </p:spTree>
     <p:extLst>
       <p:ext uri="{BB962C8B-B14F-4D97-AF65-F5344CB8AC3E}">
-        <p14:creationId xmlns:p14="http://schemas.microsoft.com/office/powerpoint/2010/main" val="256002898"/>
+        <p14:creationId xmlns:p14="http://schemas.microsoft.com/office/powerpoint/2010/main" val="4229054511"/>
       </p:ext>
     </p:extLst>
   </p:cSld>
@@ -5780,6 +8248,198 @@
       </p:grpSpPr>
       <p:sp>
         <p:nvSpPr>
+          <p:cNvPr id="2" name="Title 1"/>
+          <p:cNvSpPr>
+            <a:spLocks noGrp="1"/>
+          </p:cNvSpPr>
+          <p:nvPr>
+            <p:ph type="title"/>
+          </p:nvPr>
+        </p:nvSpPr>
+        <p:spPr>
+          <a:xfrm>
+            <a:off x="457200" y="0"/>
+            <a:ext cx="8229600" cy="857250"/>
+          </a:xfrm>
+        </p:spPr>
+        <p:txBody>
+          <a:bodyPr/>
+          <a:lstStyle/>
+          <a:p>
+            <a:r>
+              <a:rPr lang="en-US" sz="3600" dirty="0">
+                <a:solidFill>
+                  <a:srgbClr val="0070C0"/>
+                </a:solidFill>
+                <a:latin typeface="Calibri Light" panose="020F0302020204030204" pitchFamily="34" charset="0"/>
+                <a:cs typeface="Calibri Light" panose="020F0302020204030204" pitchFamily="34" charset="0"/>
+              </a:rPr>
+              <a:t>Next Steps</a:t>
+            </a:r>
+          </a:p>
+        </p:txBody>
+      </p:sp>
+      <p:sp>
+        <p:nvSpPr>
+          <p:cNvPr id="3" name="Content Placeholder 2"/>
+          <p:cNvSpPr>
+            <a:spLocks noGrp="1"/>
+          </p:cNvSpPr>
+          <p:nvPr>
+            <p:ph idx="1"/>
+          </p:nvPr>
+        </p:nvSpPr>
+        <p:spPr>
+          <a:xfrm>
+            <a:off x="685800" y="1123950"/>
+            <a:ext cx="8001000" cy="2514599"/>
+          </a:xfrm>
+        </p:spPr>
+        <p:txBody>
+          <a:bodyPr/>
+          <a:lstStyle/>
+          <a:p>
+            <a:pPr lvl="0"/>
+            <a:r>
+              <a:rPr lang="en-US" sz="2400" dirty="0">
+                <a:latin typeface="Calibri" charset="0"/>
+                <a:ea typeface="Calibri" charset="0"/>
+                <a:cs typeface="Calibri" charset="0"/>
+              </a:rPr>
+              <a:t>Welcome your comments and suggestions</a:t>
+            </a:r>
+          </a:p>
+          <a:p>
+            <a:r>
+              <a:rPr lang="en-US" sz="2400" dirty="0"/>
+              <a:t>Implementation exists</a:t>
+            </a:r>
+          </a:p>
+          <a:p>
+            <a:r>
+              <a:rPr lang="en-US" sz="2400" dirty="0"/>
+              <a:t>In </a:t>
+            </a:r>
+            <a:r>
+              <a:rPr lang="en-US" sz="2400" dirty="0">
+                <a:latin typeface="Calibri" charset="0"/>
+                <a:ea typeface="Calibri" charset="0"/>
+                <a:cs typeface="Calibri" charset="0"/>
+              </a:rPr>
+              <a:t>WG adoption (SPRING WG) queue</a:t>
+            </a:r>
+          </a:p>
+          <a:p>
+            <a:r>
+              <a:rPr lang="en-US" sz="2400" dirty="0"/>
+              <a:t>Keep IPPM WG in the loop about the milestones</a:t>
+            </a:r>
+            <a:endParaRPr lang="en-US" sz="2400" dirty="0">
+              <a:latin typeface="Calibri" charset="0"/>
+              <a:ea typeface="Calibri" charset="0"/>
+              <a:cs typeface="Calibri" charset="0"/>
+            </a:endParaRPr>
+          </a:p>
+          <a:p>
+            <a:endParaRPr lang="en-US" sz="2400" dirty="0">
+              <a:latin typeface="Calibri" charset="0"/>
+              <a:ea typeface="Calibri" charset="0"/>
+              <a:cs typeface="Calibri" charset="0"/>
+            </a:endParaRPr>
+          </a:p>
+        </p:txBody>
+      </p:sp>
+      <p:sp>
+        <p:nvSpPr>
+          <p:cNvPr id="4" name="Footer Placeholder 3"/>
+          <p:cNvSpPr>
+            <a:spLocks noGrp="1"/>
+          </p:cNvSpPr>
+          <p:nvPr>
+            <p:ph type="ftr" sz="quarter" idx="11"/>
+          </p:nvPr>
+        </p:nvSpPr>
+        <p:spPr>
+          <a:xfrm>
+            <a:off x="3124200" y="4786312"/>
+            <a:ext cx="2895600" cy="357188"/>
+          </a:xfrm>
+        </p:spPr>
+        <p:txBody>
+          <a:bodyPr/>
+          <a:lstStyle/>
+          <a:p>
+            <a:pPr>
+              <a:defRPr/>
+            </a:pPr>
+            <a:r>
+              <a:rPr lang="en-US" altLang="zh-CN" dirty="0"/>
+              <a:t>IETF IPPM Interim – April 2020</a:t>
+            </a:r>
+          </a:p>
+        </p:txBody>
+      </p:sp>
+      <p:sp>
+        <p:nvSpPr>
+          <p:cNvPr id="5" name="Slide Number Placeholder 4"/>
+          <p:cNvSpPr>
+            <a:spLocks noGrp="1"/>
+          </p:cNvSpPr>
+          <p:nvPr>
+            <p:ph type="sldNum" sz="quarter" idx="12"/>
+          </p:nvPr>
+        </p:nvSpPr>
+        <p:spPr/>
+        <p:txBody>
+          <a:bodyPr/>
+          <a:lstStyle/>
+          <a:p>
+            <a:pPr>
+              <a:defRPr/>
+            </a:pPr>
+            <a:fld id="{BD6E0F59-1DD8-40FC-9C92-B6295CBA6CCA}" type="slidenum">
+              <a:rPr lang="en-US" altLang="zh-CN" smtClean="0"/>
+              <a:pPr>
+                <a:defRPr/>
+              </a:pPr>
+              <a:t>11</a:t>
+            </a:fld>
+            <a:endParaRPr lang="en-US" altLang="zh-CN"/>
+          </a:p>
+        </p:txBody>
+      </p:sp>
+    </p:spTree>
+    <p:extLst>
+      <p:ext uri="{BB962C8B-B14F-4D97-AF65-F5344CB8AC3E}">
+        <p14:creationId xmlns:p14="http://schemas.microsoft.com/office/powerpoint/2010/main" val="256002898"/>
+      </p:ext>
+    </p:extLst>
+  </p:cSld>
+  <p:clrMapOvr>
+    <a:masterClrMapping/>
+  </p:clrMapOvr>
+</p:sld>
+</file>
+
+<file path=ppt/slides/slide12.xml><?xml version="1.0" encoding="utf-8"?>
+<p:sld xmlns:a="http://schemas.openxmlformats.org/drawingml/2006/main" xmlns:r="http://schemas.openxmlformats.org/officeDocument/2006/relationships" xmlns:p="http://schemas.openxmlformats.org/presentationml/2006/main">
+  <p:cSld>
+    <p:spTree>
+      <p:nvGrpSpPr>
+        <p:cNvPr id="1" name=""/>
+        <p:cNvGrpSpPr/>
+        <p:nvPr/>
+      </p:nvGrpSpPr>
+      <p:grpSpPr>
+        <a:xfrm>
+          <a:off x="0" y="0"/>
+          <a:ext cx="0" cy="0"/>
+          <a:chOff x="0" y="0"/>
+          <a:chExt cx="0" cy="0"/>
+        </a:xfrm>
+      </p:grpSpPr>
+      <p:sp>
+        <p:nvSpPr>
           <p:cNvPr id="4" name="Footer Placeholder 3"/>
           <p:cNvSpPr>
             <a:spLocks noGrp="1"/>
@@ -5803,15 +8463,7 @@
             </a:pPr>
             <a:r>
               <a:rPr lang="en-US" altLang="zh-CN" dirty="0"/>
-              <a:t>107</a:t>
-            </a:r>
-            <a:r>
-              <a:rPr lang="en-US" altLang="zh-CN" baseline="30000" dirty="0"/>
-              <a:t>th</a:t>
-            </a:r>
-            <a:r>
-              <a:rPr lang="en-US" altLang="zh-CN" dirty="0"/>
-              <a:t> IETF @ Vancouver</a:t>
+              <a:t>IETF IPPM Interim – April 2020</a:t>
             </a:r>
           </a:p>
         </p:txBody>
@@ -6028,7 +8680,7 @@
               <a:pPr>
                 <a:defRPr/>
               </a:pPr>
-              <a:t>11</a:t>
+              <a:t>12</a:t>
             </a:fld>
             <a:endParaRPr lang="en-US" altLang="zh-CN"/>
           </a:p>
@@ -6038,131 +8690,6 @@
     <p:extLst>
       <p:ext uri="{BB962C8B-B14F-4D97-AF65-F5344CB8AC3E}">
         <p14:creationId xmlns:p14="http://schemas.microsoft.com/office/powerpoint/2010/main" val="1091639292"/>
-      </p:ext>
-    </p:extLst>
-  </p:cSld>
-  <p:clrMapOvr>
-    <a:masterClrMapping/>
-  </p:clrMapOvr>
-</p:sld>
-</file>
-
-<file path=ppt/slides/slide12.xml><?xml version="1.0" encoding="utf-8"?>
-<p:sld xmlns:a="http://schemas.openxmlformats.org/drawingml/2006/main" xmlns:r="http://schemas.openxmlformats.org/officeDocument/2006/relationships" xmlns:p="http://schemas.openxmlformats.org/presentationml/2006/main">
-  <p:cSld>
-    <p:spTree>
-      <p:nvGrpSpPr>
-        <p:cNvPr id="1" name=""/>
-        <p:cNvGrpSpPr/>
-        <p:nvPr/>
-      </p:nvGrpSpPr>
-      <p:grpSpPr>
-        <a:xfrm>
-          <a:off x="0" y="0"/>
-          <a:ext cx="0" cy="0"/>
-          <a:chOff x="0" y="0"/>
-          <a:chExt cx="0" cy="0"/>
-        </a:xfrm>
-      </p:grpSpPr>
-      <p:sp>
-        <p:nvSpPr>
-          <p:cNvPr id="6" name="Footer Placeholder 3"/>
-          <p:cNvSpPr>
-            <a:spLocks noGrp="1"/>
-          </p:cNvSpPr>
-          <p:nvPr>
-            <p:ph type="ftr" sz="quarter" idx="11"/>
-          </p:nvPr>
-        </p:nvSpPr>
-        <p:spPr>
-          <a:xfrm>
-            <a:off x="3124200" y="4786312"/>
-            <a:ext cx="2895600" cy="357188"/>
-          </a:xfrm>
-        </p:spPr>
-        <p:txBody>
-          <a:bodyPr/>
-          <a:lstStyle/>
-          <a:p>
-            <a:pPr>
-              <a:defRPr/>
-            </a:pPr>
-            <a:r>
-              <a:rPr lang="en-US" altLang="zh-CN" dirty="0"/>
-              <a:t>107</a:t>
-            </a:r>
-            <a:r>
-              <a:rPr lang="en-US" altLang="zh-CN" baseline="30000" dirty="0"/>
-              <a:t>th</a:t>
-            </a:r>
-            <a:r>
-              <a:rPr lang="en-US" altLang="zh-CN" dirty="0"/>
-              <a:t> IETF @ Vancouver</a:t>
-            </a:r>
-          </a:p>
-        </p:txBody>
-      </p:sp>
-      <p:sp>
-        <p:nvSpPr>
-          <p:cNvPr id="3" name="Slide Number Placeholder 2"/>
-          <p:cNvSpPr>
-            <a:spLocks noGrp="1"/>
-          </p:cNvSpPr>
-          <p:nvPr>
-            <p:ph type="sldNum" sz="quarter" idx="12"/>
-          </p:nvPr>
-        </p:nvSpPr>
-        <p:spPr/>
-        <p:txBody>
-          <a:bodyPr/>
-          <a:lstStyle/>
-          <a:p>
-            <a:pPr>
-              <a:defRPr/>
-            </a:pPr>
-            <a:fld id="{D5EE1D1A-EEC2-4D53-94A7-85D62C853479}" type="slidenum">
-              <a:rPr lang="en-US" altLang="zh-CN" smtClean="0"/>
-              <a:pPr>
-                <a:defRPr/>
-              </a:pPr>
-              <a:t>12</a:t>
-            </a:fld>
-            <a:endParaRPr lang="en-US" altLang="zh-CN"/>
-          </a:p>
-        </p:txBody>
-      </p:sp>
-      <p:sp>
-        <p:nvSpPr>
-          <p:cNvPr id="8" name="Title 7">
-            <a:extLst>
-              <a:ext uri="{FF2B5EF4-FFF2-40B4-BE49-F238E27FC236}">
-                <a16:creationId xmlns:a16="http://schemas.microsoft.com/office/drawing/2014/main" id="{EAE0D9DC-8575-A84F-A04B-3BD8C30794A3}"/>
-              </a:ext>
-            </a:extLst>
-          </p:cNvPr>
-          <p:cNvSpPr>
-            <a:spLocks noGrp="1"/>
-          </p:cNvSpPr>
-          <p:nvPr>
-            <p:ph type="ctrTitle"/>
-          </p:nvPr>
-        </p:nvSpPr>
-        <p:spPr/>
-        <p:txBody>
-          <a:bodyPr/>
-          <a:lstStyle/>
-          <a:p>
-            <a:r>
-              <a:rPr lang="en-US" dirty="0"/>
-              <a:t>Backup</a:t>
-            </a:r>
-          </a:p>
-        </p:txBody>
-      </p:sp>
-    </p:spTree>
-    <p:extLst>
-      <p:ext uri="{BB962C8B-B14F-4D97-AF65-F5344CB8AC3E}">
-        <p14:creationId xmlns:p14="http://schemas.microsoft.com/office/powerpoint/2010/main" val="1607707434"/>
       </p:ext>
     </p:extLst>
   </p:cSld>
@@ -6191,6 +8718,123 @@
       </p:grpSpPr>
       <p:sp>
         <p:nvSpPr>
+          <p:cNvPr id="6" name="Footer Placeholder 3"/>
+          <p:cNvSpPr>
+            <a:spLocks noGrp="1"/>
+          </p:cNvSpPr>
+          <p:nvPr>
+            <p:ph type="ftr" sz="quarter" idx="11"/>
+          </p:nvPr>
+        </p:nvSpPr>
+        <p:spPr>
+          <a:xfrm>
+            <a:off x="3124200" y="4786312"/>
+            <a:ext cx="2895600" cy="357188"/>
+          </a:xfrm>
+        </p:spPr>
+        <p:txBody>
+          <a:bodyPr/>
+          <a:lstStyle/>
+          <a:p>
+            <a:pPr>
+              <a:defRPr/>
+            </a:pPr>
+            <a:r>
+              <a:rPr lang="en-US" altLang="zh-CN" dirty="0"/>
+              <a:t>IETF IPPM Interim – April 2020</a:t>
+            </a:r>
+          </a:p>
+        </p:txBody>
+      </p:sp>
+      <p:sp>
+        <p:nvSpPr>
+          <p:cNvPr id="3" name="Slide Number Placeholder 2"/>
+          <p:cNvSpPr>
+            <a:spLocks noGrp="1"/>
+          </p:cNvSpPr>
+          <p:nvPr>
+            <p:ph type="sldNum" sz="quarter" idx="12"/>
+          </p:nvPr>
+        </p:nvSpPr>
+        <p:spPr/>
+        <p:txBody>
+          <a:bodyPr/>
+          <a:lstStyle/>
+          <a:p>
+            <a:pPr>
+              <a:defRPr/>
+            </a:pPr>
+            <a:fld id="{D5EE1D1A-EEC2-4D53-94A7-85D62C853479}" type="slidenum">
+              <a:rPr lang="en-US" altLang="zh-CN" smtClean="0"/>
+              <a:pPr>
+                <a:defRPr/>
+              </a:pPr>
+              <a:t>13</a:t>
+            </a:fld>
+            <a:endParaRPr lang="en-US" altLang="zh-CN"/>
+          </a:p>
+        </p:txBody>
+      </p:sp>
+      <p:sp>
+        <p:nvSpPr>
+          <p:cNvPr id="8" name="Title 7">
+            <a:extLst>
+              <a:ext uri="{FF2B5EF4-FFF2-40B4-BE49-F238E27FC236}">
+                <a16:creationId xmlns:a16="http://schemas.microsoft.com/office/drawing/2014/main" id="{EAE0D9DC-8575-A84F-A04B-3BD8C30794A3}"/>
+              </a:ext>
+            </a:extLst>
+          </p:cNvPr>
+          <p:cNvSpPr>
+            <a:spLocks noGrp="1"/>
+          </p:cNvSpPr>
+          <p:nvPr>
+            <p:ph type="ctrTitle"/>
+          </p:nvPr>
+        </p:nvSpPr>
+        <p:spPr/>
+        <p:txBody>
+          <a:bodyPr/>
+          <a:lstStyle/>
+          <a:p>
+            <a:r>
+              <a:rPr lang="en-US" dirty="0"/>
+              <a:t>Backup</a:t>
+            </a:r>
+          </a:p>
+        </p:txBody>
+      </p:sp>
+    </p:spTree>
+    <p:extLst>
+      <p:ext uri="{BB962C8B-B14F-4D97-AF65-F5344CB8AC3E}">
+        <p14:creationId xmlns:p14="http://schemas.microsoft.com/office/powerpoint/2010/main" val="1607707434"/>
+      </p:ext>
+    </p:extLst>
+  </p:cSld>
+  <p:clrMapOvr>
+    <a:masterClrMapping/>
+  </p:clrMapOvr>
+</p:sld>
+</file>
+
+<file path=ppt/slides/slide14.xml><?xml version="1.0" encoding="utf-8"?>
+<p:sld xmlns:a="http://schemas.openxmlformats.org/drawingml/2006/main" xmlns:r="http://schemas.openxmlformats.org/officeDocument/2006/relationships" xmlns:p="http://schemas.openxmlformats.org/presentationml/2006/main">
+  <p:cSld>
+    <p:spTree>
+      <p:nvGrpSpPr>
+        <p:cNvPr id="1" name=""/>
+        <p:cNvGrpSpPr/>
+        <p:nvPr/>
+      </p:nvGrpSpPr>
+      <p:grpSpPr>
+        <a:xfrm>
+          <a:off x="0" y="0"/>
+          <a:ext cx="0" cy="0"/>
+          <a:chOff x="0" y="0"/>
+          <a:chExt cx="0" cy="0"/>
+        </a:xfrm>
+      </p:grpSpPr>
+      <p:sp>
+        <p:nvSpPr>
           <p:cNvPr id="3" name="Title 2"/>
           <p:cNvSpPr>
             <a:spLocks noGrp="1"/>
@@ -7533,8 +10177,8 @@
         </p:nvSpPr>
         <p:spPr>
           <a:xfrm>
-            <a:off x="3467100" y="4844952"/>
-            <a:ext cx="2209800" cy="357188"/>
+            <a:off x="3467099" y="4844952"/>
+            <a:ext cx="2324095" cy="298548"/>
           </a:xfrm>
           <a:prstGeom prst="rect">
             <a:avLst/>
@@ -7673,15 +10317,7 @@
             </a:pPr>
             <a:r>
               <a:rPr lang="en-US" altLang="zh-CN" sz="1200" dirty="0"/>
-              <a:t>107</a:t>
-            </a:r>
-            <a:r>
-              <a:rPr lang="en-US" altLang="zh-CN" sz="1200" baseline="30000" dirty="0"/>
-              <a:t>th</a:t>
-            </a:r>
-            <a:r>
-              <a:rPr lang="en-US" altLang="zh-CN" sz="1200" dirty="0"/>
-              <a:t> IETF @ Vancouver</a:t>
+              <a:t>IETF IPPM Interim – April 2020</a:t>
             </a:r>
           </a:p>
         </p:txBody>
@@ -7848,7 +10484,7 @@
               <a:pPr algn="r">
                 <a:defRPr/>
               </a:pPr>
-              <a:t>13</a:t>
+              <a:t>14</a:t>
             </a:fld>
             <a:endParaRPr lang="en-US" altLang="zh-CN" sz="1400" dirty="0">
               <a:latin typeface="Calibri" panose="020F0502020204030204" pitchFamily="34" charset="0"/>
@@ -7916,7 +10552,7 @@
 </p:sld>
 </file>
 
-<file path=ppt/slides/slide14.xml><?xml version="1.0" encoding="utf-8"?>
+<file path=ppt/slides/slide15.xml><?xml version="1.0" encoding="utf-8"?>
 <p:sld xmlns:a="http://schemas.openxmlformats.org/drawingml/2006/main" xmlns:r="http://schemas.openxmlformats.org/officeDocument/2006/relationships" xmlns:p="http://schemas.openxmlformats.org/presentationml/2006/main">
   <p:cSld>
     <p:spTree>
@@ -7958,15 +10594,7 @@
             </a:pPr>
             <a:r>
               <a:rPr lang="en-US" altLang="zh-CN" dirty="0"/>
-              <a:t>107</a:t>
-            </a:r>
-            <a:r>
-              <a:rPr lang="en-US" altLang="zh-CN" baseline="30000" dirty="0"/>
-              <a:t>th</a:t>
-            </a:r>
-            <a:r>
-              <a:rPr lang="en-US" altLang="zh-CN" dirty="0"/>
-              <a:t> IETF @ Vancouver</a:t>
+              <a:t>IETF IPPM Interim – April 2020</a:t>
             </a:r>
           </a:p>
         </p:txBody>
@@ -8183,7 +10811,7 @@
               <a:pPr>
                 <a:defRPr/>
               </a:pPr>
-              <a:t>14</a:t>
+              <a:t>15</a:t>
             </a:fld>
             <a:endParaRPr lang="en-US" altLang="zh-CN" dirty="0"/>
           </a:p>
@@ -8328,15 +10956,7 @@
             </a:pPr>
             <a:r>
               <a:rPr lang="en-US" altLang="zh-CN" dirty="0"/>
-              <a:t>107</a:t>
-            </a:r>
-            <a:r>
-              <a:rPr lang="en-US" altLang="zh-CN" baseline="30000" dirty="0"/>
-              <a:t>th</a:t>
-            </a:r>
-            <a:r>
-              <a:rPr lang="en-US" altLang="zh-CN" dirty="0"/>
-              <a:t> IETF @ Vancouver</a:t>
+              <a:t>IETF IPPM Interim – April 2020</a:t>
             </a:r>
           </a:p>
         </p:txBody>
@@ -8528,7 +11148,7 @@
             </a:pPr>
             <a:r>
               <a:rPr lang="en-US" sz="1600" dirty="0"/>
-              <a:t>Support direct-mode loss measurement</a:t>
+              <a:t>Support stand-alone direct-mode loss measurement</a:t>
             </a:r>
           </a:p>
           <a:p>
@@ -8624,15 +11244,7 @@
             </a:pPr>
             <a:r>
               <a:rPr lang="en-US" altLang="zh-CN" dirty="0"/>
-              <a:t>107</a:t>
-            </a:r>
-            <a:r>
-              <a:rPr lang="en-US" altLang="zh-CN" baseline="30000" dirty="0"/>
-              <a:t>th</a:t>
-            </a:r>
-            <a:r>
-              <a:rPr lang="en-US" altLang="zh-CN" dirty="0"/>
-              <a:t> IETF @ Vancouver</a:t>
+              <a:t>IETF IPPM Interim – April 2020</a:t>
             </a:r>
           </a:p>
         </p:txBody>
@@ -8758,8 +11370,13 @@
             <a:pPr lvl="1"/>
             <a:r>
               <a:rPr lang="en-US" sz="1100" dirty="0"/>
-              <a:t>Draft was first published</a:t>
-            </a:r>
+              <a:t>Draft was published - </a:t>
+            </a:r>
+            <a:r>
+              <a:rPr lang="en-US" sz="1100" i="1" dirty="0"/>
+              <a:t>draft-gandhi-spring-twamp-srpm-00</a:t>
+            </a:r>
+            <a:endParaRPr lang="en-US" sz="1100" dirty="0"/>
           </a:p>
           <a:p>
             <a:r>
@@ -8822,7 +11439,7 @@
             <a:pPr lvl="1"/>
             <a:r>
               <a:rPr lang="en-US" sz="1100" dirty="0"/>
-              <a:t>Revision-02 updates included a section STAMP LM messages</a:t>
+              <a:t>Revision-02 updates included a section on stand-alone LM messages</a:t>
             </a:r>
           </a:p>
           <a:p>
@@ -8855,7 +11472,7 @@
             <a:pPr lvl="1"/>
             <a:r>
               <a:rPr lang="en-US" sz="1100" dirty="0"/>
-              <a:t>Moved STAMP support to a new draft – </a:t>
+              <a:t>Moved STAMP support to – </a:t>
             </a:r>
             <a:r>
               <a:rPr lang="en-US" sz="1100" i="1" dirty="0"/>
@@ -8897,15 +11514,7 @@
             </a:pPr>
             <a:r>
               <a:rPr lang="en-US" altLang="zh-CN" dirty="0"/>
-              <a:t>107</a:t>
-            </a:r>
-            <a:r>
-              <a:rPr lang="en-US" altLang="zh-CN" baseline="30000" dirty="0"/>
-              <a:t>th</a:t>
-            </a:r>
-            <a:r>
-              <a:rPr lang="en-US" altLang="zh-CN" dirty="0"/>
-              <a:t> IETF @ Vancouver</a:t>
+              <a:t>IETF IPPM Interim – April 2020</a:t>
             </a:r>
           </a:p>
         </p:txBody>
@@ -9097,7 +11706,17 @@
             </a:pPr>
             <a:r>
               <a:rPr lang="en-US" sz="1600" dirty="0"/>
-              <a:t>None</a:t>
+              <a:t>Identify TLV as Mandatory or Optional</a:t>
+            </a:r>
+          </a:p>
+          <a:p>
+            <a:pPr marL="742950" lvl="2" indent="-342900">
+              <a:buFont typeface="Wingdings" pitchFamily="2" charset="2"/>
+              <a:buChar char="§"/>
+            </a:pPr>
+            <a:r>
+              <a:rPr lang="en-US" sz="1600" dirty="0"/>
+              <a:t>Update IANA registry action</a:t>
             </a:r>
           </a:p>
         </p:txBody>
@@ -9127,15 +11746,7 @@
             </a:pPr>
             <a:r>
               <a:rPr lang="en-US" altLang="zh-CN" dirty="0"/>
-              <a:t>107</a:t>
-            </a:r>
-            <a:r>
-              <a:rPr lang="en-US" altLang="zh-CN" baseline="30000" dirty="0"/>
-              <a:t>th</a:t>
-            </a:r>
-            <a:r>
-              <a:rPr lang="en-US" altLang="zh-CN" dirty="0"/>
-              <a:t> IETF @ Vancouver</a:t>
+              <a:t>IETF IPPM Interim – April 2020</a:t>
             </a:r>
           </a:p>
         </p:txBody>
@@ -9269,15 +11880,7 @@
             </a:pPr>
             <a:r>
               <a:rPr lang="en-US" altLang="zh-CN" dirty="0"/>
-              <a:t>107</a:t>
-            </a:r>
-            <a:r>
-              <a:rPr lang="en-US" altLang="zh-CN" baseline="30000" dirty="0"/>
-              <a:t>th</a:t>
-            </a:r>
-            <a:r>
-              <a:rPr lang="en-US" altLang="zh-CN" dirty="0"/>
-              <a:t> IETF @ Vancouver</a:t>
+              <a:t>IETF IPPM Interim – April 2020</a:t>
             </a:r>
           </a:p>
         </p:txBody>
@@ -9605,8 +12208,8 @@
         </p:nvSpPr>
         <p:spPr>
           <a:xfrm>
-            <a:off x="152400" y="1047750"/>
-            <a:ext cx="3962400" cy="3231654"/>
+            <a:off x="235744" y="1094036"/>
+            <a:ext cx="3733800" cy="3231654"/>
           </a:xfrm>
           <a:prstGeom prst="rect">
             <a:avLst/>
@@ -9909,15 +12512,7 @@
             </a:pPr>
             <a:r>
               <a:rPr lang="en-US" altLang="zh-CN" dirty="0"/>
-              <a:t>107</a:t>
-            </a:r>
-            <a:r>
-              <a:rPr lang="en-US" altLang="zh-CN" baseline="30000" dirty="0"/>
-              <a:t>th</a:t>
-            </a:r>
-            <a:r>
-              <a:rPr lang="en-US" altLang="zh-CN" dirty="0"/>
-              <a:t> IETF @ Vancouver</a:t>
+              <a:t>IETF IPPM Interim – April 2020</a:t>
             </a:r>
           </a:p>
         </p:txBody>
@@ -10155,15 +12750,7 @@
             </a:pPr>
             <a:r>
               <a:rPr lang="en-US" altLang="zh-CN" dirty="0"/>
-              <a:t>107</a:t>
-            </a:r>
-            <a:r>
-              <a:rPr lang="en-US" altLang="zh-CN" baseline="30000" dirty="0"/>
-              <a:t>th</a:t>
-            </a:r>
-            <a:r>
-              <a:rPr lang="en-US" altLang="zh-CN" dirty="0"/>
-              <a:t> IETF @ Vancouver</a:t>
+              <a:t>IETF IPPM Interim – April 2020</a:t>
             </a:r>
           </a:p>
         </p:txBody>
@@ -10561,15 +13148,7 @@
             </a:pPr>
             <a:r>
               <a:rPr lang="en-US" altLang="zh-CN" dirty="0"/>
-              <a:t>107</a:t>
-            </a:r>
-            <a:r>
-              <a:rPr lang="en-US" altLang="zh-CN" baseline="30000" dirty="0"/>
-              <a:t>th</a:t>
-            </a:r>
-            <a:r>
-              <a:rPr lang="en-US" altLang="zh-CN" dirty="0"/>
-              <a:t> IETF @ Vancouver</a:t>
+              <a:t>IETF IPPM Interim – April 2020</a:t>
             </a:r>
           </a:p>
         </p:txBody>

--- a/draft-gandhi-spring-stamp-srpm-00.pptx
+++ b/draft-gandhi-spring-stamp-srpm-00.pptx
@@ -5,10 +5,10 @@
     <p:sldMasterId id="2147483648" r:id="rId1"/>
   </p:sldMasterIdLst>
   <p:notesMasterIdLst>
-    <p:notesMasterId r:id="rId17"/>
+    <p:notesMasterId r:id="rId23"/>
   </p:notesMasterIdLst>
   <p:handoutMasterIdLst>
-    <p:handoutMasterId r:id="rId18"/>
+    <p:handoutMasterId r:id="rId24"/>
   </p:handoutMasterIdLst>
   <p:sldIdLst>
     <p:sldId id="1661" r:id="rId2"/>
@@ -23,9 +23,15 @@
     <p:sldId id="321" r:id="rId11"/>
     <p:sldId id="1670" r:id="rId12"/>
     <p:sldId id="1671" r:id="rId13"/>
-    <p:sldId id="1655" r:id="rId14"/>
-    <p:sldId id="1649" r:id="rId15"/>
-    <p:sldId id="1654" r:id="rId16"/>
+    <p:sldId id="1672" r:id="rId14"/>
+    <p:sldId id="1652" r:id="rId15"/>
+    <p:sldId id="1657" r:id="rId16"/>
+    <p:sldId id="322" r:id="rId17"/>
+    <p:sldId id="320" r:id="rId18"/>
+    <p:sldId id="1658" r:id="rId19"/>
+    <p:sldId id="1655" r:id="rId20"/>
+    <p:sldId id="1649" r:id="rId21"/>
+    <p:sldId id="1654" r:id="rId22"/>
   </p:sldIdLst>
   <p:sldSz cx="9144000" cy="5143500" type="screen16x9"/>
   <p:notesSz cx="6858000" cy="9144000"/>
@@ -946,7 +952,187 @@
               <a:pPr>
                 <a:defRPr/>
               </a:pPr>
-              <a:t>15</a:t>
+              <a:t>18</a:t>
+            </a:fld>
+            <a:endParaRPr lang="en-US" altLang="zh-CN"/>
+          </a:p>
+        </p:txBody>
+      </p:sp>
+    </p:spTree>
+    <p:extLst>
+      <p:ext uri="{BB962C8B-B14F-4D97-AF65-F5344CB8AC3E}">
+        <p14:creationId xmlns:p14="http://schemas.microsoft.com/office/powerpoint/2010/main" val="3887132760"/>
+      </p:ext>
+    </p:extLst>
+  </p:cSld>
+  <p:clrMapOvr>
+    <a:masterClrMapping/>
+  </p:clrMapOvr>
+</p:notes>
+</file>
+
+<file path=ppt/notesSlides/notesSlide11.xml><?xml version="1.0" encoding="utf-8"?>
+<p:notes xmlns:a="http://schemas.openxmlformats.org/drawingml/2006/main" xmlns:r="http://schemas.openxmlformats.org/officeDocument/2006/relationships" xmlns:p="http://schemas.openxmlformats.org/presentationml/2006/main">
+  <p:cSld>
+    <p:spTree>
+      <p:nvGrpSpPr>
+        <p:cNvPr id="1" name=""/>
+        <p:cNvGrpSpPr/>
+        <p:nvPr/>
+      </p:nvGrpSpPr>
+      <p:grpSpPr>
+        <a:xfrm>
+          <a:off x="0" y="0"/>
+          <a:ext cx="0" cy="0"/>
+          <a:chOff x="0" y="0"/>
+          <a:chExt cx="0" cy="0"/>
+        </a:xfrm>
+      </p:grpSpPr>
+      <p:sp>
+        <p:nvSpPr>
+          <p:cNvPr id="2" name="Slide Image Placeholder 1"/>
+          <p:cNvSpPr>
+            <a:spLocks noGrp="1" noRot="1" noChangeAspect="1"/>
+          </p:cNvSpPr>
+          <p:nvPr>
+            <p:ph type="sldImg"/>
+          </p:nvPr>
+        </p:nvSpPr>
+        <p:spPr/>
+      </p:sp>
+      <p:sp>
+        <p:nvSpPr>
+          <p:cNvPr id="3" name="Notes Placeholder 2"/>
+          <p:cNvSpPr>
+            <a:spLocks noGrp="1"/>
+          </p:cNvSpPr>
+          <p:nvPr>
+            <p:ph type="body" idx="1"/>
+          </p:nvPr>
+        </p:nvSpPr>
+        <p:spPr/>
+        <p:txBody>
+          <a:bodyPr/>
+          <a:lstStyle/>
+          <a:p>
+            <a:endParaRPr lang="en-CA" dirty="0"/>
+          </a:p>
+        </p:txBody>
+      </p:sp>
+      <p:sp>
+        <p:nvSpPr>
+          <p:cNvPr id="4" name="Slide Number Placeholder 3"/>
+          <p:cNvSpPr>
+            <a:spLocks noGrp="1"/>
+          </p:cNvSpPr>
+          <p:nvPr>
+            <p:ph type="sldNum" sz="quarter" idx="10"/>
+          </p:nvPr>
+        </p:nvSpPr>
+        <p:spPr/>
+        <p:txBody>
+          <a:bodyPr/>
+          <a:lstStyle/>
+          <a:p>
+            <a:pPr>
+              <a:defRPr/>
+            </a:pPr>
+            <a:fld id="{100938BD-FD70-4535-B0C2-13FC38CDF1BE}" type="slidenum">
+              <a:rPr lang="en-US" altLang="zh-CN" smtClean="0"/>
+              <a:pPr>
+                <a:defRPr/>
+              </a:pPr>
+              <a:t>19</a:t>
+            </a:fld>
+            <a:endParaRPr lang="en-US" altLang="zh-CN"/>
+          </a:p>
+        </p:txBody>
+      </p:sp>
+    </p:spTree>
+    <p:extLst>
+      <p:ext uri="{BB962C8B-B14F-4D97-AF65-F5344CB8AC3E}">
+        <p14:creationId xmlns:p14="http://schemas.microsoft.com/office/powerpoint/2010/main" val="127127535"/>
+      </p:ext>
+    </p:extLst>
+  </p:cSld>
+  <p:clrMapOvr>
+    <a:masterClrMapping/>
+  </p:clrMapOvr>
+</p:notes>
+</file>
+
+<file path=ppt/notesSlides/notesSlide12.xml><?xml version="1.0" encoding="utf-8"?>
+<p:notes xmlns:a="http://schemas.openxmlformats.org/drawingml/2006/main" xmlns:r="http://schemas.openxmlformats.org/officeDocument/2006/relationships" xmlns:p="http://schemas.openxmlformats.org/presentationml/2006/main">
+  <p:cSld>
+    <p:spTree>
+      <p:nvGrpSpPr>
+        <p:cNvPr id="1" name=""/>
+        <p:cNvGrpSpPr/>
+        <p:nvPr/>
+      </p:nvGrpSpPr>
+      <p:grpSpPr>
+        <a:xfrm>
+          <a:off x="0" y="0"/>
+          <a:ext cx="0" cy="0"/>
+          <a:chOff x="0" y="0"/>
+          <a:chExt cx="0" cy="0"/>
+        </a:xfrm>
+      </p:grpSpPr>
+      <p:sp>
+        <p:nvSpPr>
+          <p:cNvPr id="2" name="Slide Image Placeholder 1"/>
+          <p:cNvSpPr>
+            <a:spLocks noGrp="1" noRot="1" noChangeAspect="1"/>
+          </p:cNvSpPr>
+          <p:nvPr>
+            <p:ph type="sldImg"/>
+          </p:nvPr>
+        </p:nvSpPr>
+        <p:spPr/>
+      </p:sp>
+      <p:sp>
+        <p:nvSpPr>
+          <p:cNvPr id="3" name="Notes Placeholder 2"/>
+          <p:cNvSpPr>
+            <a:spLocks noGrp="1"/>
+          </p:cNvSpPr>
+          <p:nvPr>
+            <p:ph type="body" idx="1"/>
+          </p:nvPr>
+        </p:nvSpPr>
+        <p:spPr/>
+        <p:txBody>
+          <a:bodyPr/>
+          <a:lstStyle/>
+          <a:p>
+            <a:endParaRPr lang="en-US" dirty="0"/>
+          </a:p>
+        </p:txBody>
+      </p:sp>
+      <p:sp>
+        <p:nvSpPr>
+          <p:cNvPr id="4" name="Slide Number Placeholder 3"/>
+          <p:cNvSpPr>
+            <a:spLocks noGrp="1"/>
+          </p:cNvSpPr>
+          <p:nvPr>
+            <p:ph type="sldNum" sz="quarter" idx="10"/>
+          </p:nvPr>
+        </p:nvSpPr>
+        <p:spPr/>
+        <p:txBody>
+          <a:bodyPr/>
+          <a:lstStyle/>
+          <a:p>
+            <a:pPr>
+              <a:defRPr/>
+            </a:pPr>
+            <a:fld id="{100938BD-FD70-4535-B0C2-13FC38CDF1BE}" type="slidenum">
+              <a:rPr lang="en-US" altLang="zh-CN" smtClean="0"/>
+              <a:pPr>
+                <a:defRPr/>
+              </a:pPr>
+              <a:t>21</a:t>
             </a:fld>
             <a:endParaRPr lang="en-US" altLang="zh-CN"/>
           </a:p>
@@ -1675,7 +1861,7 @@
     </p:spTree>
     <p:extLst>
       <p:ext uri="{BB962C8B-B14F-4D97-AF65-F5344CB8AC3E}">
-        <p14:creationId xmlns:p14="http://schemas.microsoft.com/office/powerpoint/2010/main" val="127127535"/>
+        <p14:creationId xmlns:p14="http://schemas.microsoft.com/office/powerpoint/2010/main" val="149125505"/>
       </p:ext>
     </p:extLst>
   </p:cSld>
@@ -2561,7 +2747,7 @@
               </a14:hiddenLine>
             </a:ext>
             <a:ext uri="{FAA26D3D-D897-4be2-8F04-BA451C77F1D7}">
-              <ma14:placeholderFlag xmlns:ma14="http://schemas.microsoft.com/office/mac/drawingml/2011/main" xmlns="" val="1"/>
+              <ma14:placeholderFlag xmlns="" xmlns:ma14="http://schemas.microsoft.com/office/mac/drawingml/2011/main" val="1"/>
             </a:ext>
           </a:extLst>
         </p:spPr>
@@ -8806,7 +8992,7 @@
     </p:spTree>
     <p:extLst>
       <p:ext uri="{BB962C8B-B14F-4D97-AF65-F5344CB8AC3E}">
-        <p14:creationId xmlns:p14="http://schemas.microsoft.com/office/powerpoint/2010/main" val="1607707434"/>
+        <p14:creationId xmlns:p14="http://schemas.microsoft.com/office/powerpoint/2010/main" val="680408491"/>
       </p:ext>
     </p:extLst>
   </p:cSld>
@@ -8835,6 +9021,2398 @@
       </p:grpSpPr>
       <p:sp>
         <p:nvSpPr>
+          <p:cNvPr id="2" name="Title 1">
+            <a:extLst>
+              <a:ext uri="{FF2B5EF4-FFF2-40B4-BE49-F238E27FC236}">
+                <a16:creationId xmlns:a16="http://schemas.microsoft.com/office/drawing/2014/main" id="{9A6F4236-AC14-394A-A36C-F2BD8CED3237}"/>
+              </a:ext>
+            </a:extLst>
+          </p:cNvPr>
+          <p:cNvSpPr>
+            <a:spLocks noGrp="1"/>
+          </p:cNvSpPr>
+          <p:nvPr>
+            <p:ph type="title"/>
+          </p:nvPr>
+        </p:nvSpPr>
+        <p:spPr>
+          <a:xfrm>
+            <a:off x="457200" y="-19050"/>
+            <a:ext cx="8229600" cy="857250"/>
+          </a:xfrm>
+        </p:spPr>
+        <p:txBody>
+          <a:bodyPr/>
+          <a:lstStyle/>
+          <a:p>
+            <a:r>
+              <a:rPr lang="en-US" sz="3600" dirty="0">
+                <a:solidFill>
+                  <a:srgbClr val="0070C0"/>
+                </a:solidFill>
+                <a:latin typeface="Calibri Light" panose="020F0302020204030204" pitchFamily="34" charset="0"/>
+                <a:cs typeface="Calibri Light" panose="020F0302020204030204" pitchFamily="34" charset="0"/>
+              </a:rPr>
+              <a:t>Example Provisioning Model</a:t>
+            </a:r>
+          </a:p>
+        </p:txBody>
+      </p:sp>
+      <p:sp>
+        <p:nvSpPr>
+          <p:cNvPr id="4" name="Footer Placeholder 3">
+            <a:extLst>
+              <a:ext uri="{FF2B5EF4-FFF2-40B4-BE49-F238E27FC236}">
+                <a16:creationId xmlns:a16="http://schemas.microsoft.com/office/drawing/2014/main" id="{643D160E-CC3C-EB46-A6F1-43B8E2996F46}"/>
+              </a:ext>
+            </a:extLst>
+          </p:cNvPr>
+          <p:cNvSpPr>
+            <a:spLocks noGrp="1"/>
+          </p:cNvSpPr>
+          <p:nvPr>
+            <p:ph type="ftr" sz="quarter" idx="11"/>
+          </p:nvPr>
+        </p:nvSpPr>
+        <p:spPr>
+          <a:xfrm>
+            <a:off x="3124200" y="4805362"/>
+            <a:ext cx="2895600" cy="357188"/>
+          </a:xfrm>
+        </p:spPr>
+        <p:txBody>
+          <a:bodyPr/>
+          <a:lstStyle/>
+          <a:p>
+            <a:pPr>
+              <a:defRPr/>
+            </a:pPr>
+            <a:r>
+              <a:rPr lang="en-US" altLang="zh-CN" dirty="0"/>
+              <a:t>IETF IPPM Interim – April 2020</a:t>
+            </a:r>
+          </a:p>
+        </p:txBody>
+      </p:sp>
+      <p:sp>
+        <p:nvSpPr>
+          <p:cNvPr id="5" name="Slide Number Placeholder 4">
+            <a:extLst>
+              <a:ext uri="{FF2B5EF4-FFF2-40B4-BE49-F238E27FC236}">
+                <a16:creationId xmlns:a16="http://schemas.microsoft.com/office/drawing/2014/main" id="{A8B868AE-B105-7547-A646-14FCDF91C2DD}"/>
+              </a:ext>
+            </a:extLst>
+          </p:cNvPr>
+          <p:cNvSpPr>
+            <a:spLocks noGrp="1"/>
+          </p:cNvSpPr>
+          <p:nvPr>
+            <p:ph type="sldNum" sz="quarter" idx="12"/>
+          </p:nvPr>
+        </p:nvSpPr>
+        <p:spPr/>
+        <p:txBody>
+          <a:bodyPr/>
+          <a:lstStyle/>
+          <a:p>
+            <a:pPr>
+              <a:defRPr/>
+            </a:pPr>
+            <a:fld id="{BD6E0F59-1DD8-40FC-9C92-B6295CBA6CCA}" type="slidenum">
+              <a:rPr lang="en-US" altLang="zh-CN" smtClean="0"/>
+              <a:pPr>
+                <a:defRPr/>
+              </a:pPr>
+              <a:t>14</a:t>
+            </a:fld>
+            <a:endParaRPr lang="en-US" altLang="zh-CN"/>
+          </a:p>
+        </p:txBody>
+      </p:sp>
+      <p:sp>
+        <p:nvSpPr>
+          <p:cNvPr id="7" name="Rectangle 6">
+            <a:extLst>
+              <a:ext uri="{FF2B5EF4-FFF2-40B4-BE49-F238E27FC236}">
+                <a16:creationId xmlns:a16="http://schemas.microsoft.com/office/drawing/2014/main" id="{AA6E66CA-28BC-2C4A-BC04-4600D8FEBF3B}"/>
+              </a:ext>
+            </a:extLst>
+          </p:cNvPr>
+          <p:cNvSpPr/>
+          <p:nvPr/>
+        </p:nvSpPr>
+        <p:spPr>
+          <a:xfrm>
+            <a:off x="1066800" y="983711"/>
+            <a:ext cx="7010400" cy="3416320"/>
+          </a:xfrm>
+          <a:prstGeom prst="rect">
+            <a:avLst/>
+          </a:prstGeom>
+          <a:solidFill>
+            <a:schemeClr val="accent6">
+              <a:lumMod val="20000"/>
+              <a:lumOff val="80000"/>
+            </a:schemeClr>
+          </a:solidFill>
+        </p:spPr>
+        <p:txBody>
+          <a:bodyPr wrap="square">
+            <a:spAutoFit/>
+          </a:bodyPr>
+          <a:lstStyle/>
+          <a:p>
+            <a:r>
+              <a:rPr lang="en-CA" sz="1200" dirty="0">
+                <a:latin typeface="Courier" pitchFamily="2" charset="0"/>
+              </a:rPr>
+              <a:t>                             +------------+</a:t>
+            </a:r>
+          </a:p>
+          <a:p>
+            <a:r>
+              <a:rPr lang="en-CA" sz="1200" dirty="0">
+                <a:latin typeface="Courier" pitchFamily="2" charset="0"/>
+              </a:rPr>
+              <a:t>                             | Controller |</a:t>
+            </a:r>
+          </a:p>
+          <a:p>
+            <a:r>
+              <a:rPr lang="en-CA" sz="1200" dirty="0">
+                <a:latin typeface="Courier" pitchFamily="2" charset="0"/>
+              </a:rPr>
+              <a:t>                             +------------+</a:t>
+            </a:r>
+          </a:p>
+          <a:p>
+            <a:r>
+              <a:rPr lang="en-CA" sz="1200" dirty="0">
+                <a:latin typeface="Courier" pitchFamily="2" charset="0"/>
+              </a:rPr>
+              <a:t>  Destination UDP Port            /  \         Destination UDP port</a:t>
+            </a:r>
+          </a:p>
+          <a:p>
+            <a:r>
+              <a:rPr lang="en-CA" sz="1200" dirty="0">
+                <a:latin typeface="Courier" pitchFamily="2" charset="0"/>
+              </a:rPr>
+              <a:t>  Measurement Protocol           /    \        Measurement Protocol</a:t>
+            </a:r>
+          </a:p>
+          <a:p>
+            <a:r>
+              <a:rPr lang="en-CA" sz="1200" dirty="0">
+                <a:latin typeface="Courier" pitchFamily="2" charset="0"/>
+              </a:rPr>
+              <a:t>  Measurement Type              /      \       Measurement Type</a:t>
+            </a:r>
+          </a:p>
+          <a:p>
+            <a:r>
+              <a:rPr lang="en-CA" sz="1200" dirty="0">
+                <a:latin typeface="Courier" pitchFamily="2" charset="0"/>
+              </a:rPr>
+              <a:t>     Delay/Loss                /        \        Delay/Loss</a:t>
+            </a:r>
+          </a:p>
+          <a:p>
+            <a:r>
+              <a:rPr lang="en-CA" sz="1200" dirty="0">
+                <a:latin typeface="Courier" pitchFamily="2" charset="0"/>
+              </a:rPr>
+              <a:t>  Authentication Mode &amp; Key   /          \     Authentication Mode &amp; Key</a:t>
+            </a:r>
+          </a:p>
+          <a:p>
+            <a:r>
+              <a:rPr lang="en-CA" sz="1200" dirty="0">
+                <a:latin typeface="Courier" pitchFamily="2" charset="0"/>
+              </a:rPr>
+              <a:t>  Timestamp Format           /            \    Loss Measurement Mode</a:t>
+            </a:r>
+          </a:p>
+          <a:p>
+            <a:r>
+              <a:rPr lang="en-CA" sz="1200" dirty="0">
+                <a:latin typeface="Courier" pitchFamily="2" charset="0"/>
+              </a:rPr>
+              <a:t>  Delay Measurement Mode    /              \ </a:t>
+            </a:r>
+          </a:p>
+          <a:p>
+            <a:r>
+              <a:rPr lang="en-CA" sz="1200" dirty="0">
+                <a:latin typeface="Courier" pitchFamily="2" charset="0"/>
+              </a:rPr>
+              <a:t>  Loss Measurement Mode    /                \</a:t>
+            </a:r>
+          </a:p>
+          <a:p>
+            <a:r>
+              <a:rPr lang="en-CA" sz="1200" dirty="0">
+                <a:latin typeface="Courier" pitchFamily="2" charset="0"/>
+              </a:rPr>
+              <a:t>                          v                  v</a:t>
+            </a:r>
+          </a:p>
+          <a:p>
+            <a:r>
+              <a:rPr lang="en-CA" sz="1200" dirty="0">
+                <a:latin typeface="Courier" pitchFamily="2" charset="0"/>
+              </a:rPr>
+              <a:t>                     +-------+            +-------+</a:t>
+            </a:r>
+          </a:p>
+          <a:p>
+            <a:r>
+              <a:rPr lang="en-CA" sz="1200" dirty="0">
+                <a:latin typeface="Courier" pitchFamily="2" charset="0"/>
+              </a:rPr>
+              <a:t>                     |       |            |       |</a:t>
+            </a:r>
+          </a:p>
+          <a:p>
+            <a:r>
+              <a:rPr lang="en-CA" sz="1200" dirty="0">
+                <a:latin typeface="Courier" pitchFamily="2" charset="0"/>
+              </a:rPr>
+              <a:t>                     |   R1  |------------|   R5  |</a:t>
+            </a:r>
+          </a:p>
+          <a:p>
+            <a:r>
+              <a:rPr lang="en-CA" sz="1200" dirty="0">
+                <a:latin typeface="Courier" pitchFamily="2" charset="0"/>
+              </a:rPr>
+              <a:t>                     |       |            |       |</a:t>
+            </a:r>
+          </a:p>
+          <a:p>
+            <a:r>
+              <a:rPr lang="en-CA" sz="1200" dirty="0">
+                <a:latin typeface="Courier" pitchFamily="2" charset="0"/>
+              </a:rPr>
+              <a:t>                     +-------+            +-------+</a:t>
+            </a:r>
+          </a:p>
+          <a:p>
+            <a:r>
+              <a:rPr lang="en-CA" sz="1200" dirty="0">
+                <a:latin typeface="Courier" pitchFamily="2" charset="0"/>
+              </a:rPr>
+              <a:t>                      Sender              Reflector</a:t>
+            </a:r>
+          </a:p>
+        </p:txBody>
+      </p:sp>
+    </p:spTree>
+    <p:extLst>
+      <p:ext uri="{BB962C8B-B14F-4D97-AF65-F5344CB8AC3E}">
+        <p14:creationId xmlns:p14="http://schemas.microsoft.com/office/powerpoint/2010/main" val="674982456"/>
+      </p:ext>
+    </p:extLst>
+  </p:cSld>
+  <p:clrMapOvr>
+    <a:masterClrMapping/>
+  </p:clrMapOvr>
+</p:sld>
+</file>
+
+<file path=ppt/slides/slide15.xml><?xml version="1.0" encoding="utf-8"?>
+<p:sld xmlns:a="http://schemas.openxmlformats.org/drawingml/2006/main" xmlns:r="http://schemas.openxmlformats.org/officeDocument/2006/relationships" xmlns:p="http://schemas.openxmlformats.org/presentationml/2006/main">
+  <p:cSld>
+    <p:spTree>
+      <p:nvGrpSpPr>
+        <p:cNvPr id="1" name=""/>
+        <p:cNvGrpSpPr/>
+        <p:nvPr/>
+      </p:nvGrpSpPr>
+      <p:grpSpPr>
+        <a:xfrm>
+          <a:off x="0" y="0"/>
+          <a:ext cx="0" cy="0"/>
+          <a:chOff x="0" y="0"/>
+          <a:chExt cx="0" cy="0"/>
+        </a:xfrm>
+      </p:grpSpPr>
+      <p:sp>
+        <p:nvSpPr>
+          <p:cNvPr id="2" name="Title 1"/>
+          <p:cNvSpPr>
+            <a:spLocks noGrp="1"/>
+          </p:cNvSpPr>
+          <p:nvPr>
+            <p:ph type="title"/>
+          </p:nvPr>
+        </p:nvSpPr>
+        <p:spPr>
+          <a:xfrm>
+            <a:off x="304800" y="0"/>
+            <a:ext cx="8686800" cy="857250"/>
+          </a:xfrm>
+        </p:spPr>
+        <p:txBody>
+          <a:bodyPr/>
+          <a:lstStyle/>
+          <a:p>
+            <a:r>
+              <a:rPr lang="en-US" sz="3600" dirty="0">
+                <a:solidFill>
+                  <a:srgbClr val="0070C0"/>
+                </a:solidFill>
+                <a:latin typeface="Calibri Light" panose="020F0302020204030204" pitchFamily="34" charset="0"/>
+                <a:cs typeface="Calibri Light" panose="020F0302020204030204" pitchFamily="34" charset="0"/>
+              </a:rPr>
+              <a:t>Probe Query for Links</a:t>
+            </a:r>
+          </a:p>
+        </p:txBody>
+      </p:sp>
+      <p:sp>
+        <p:nvSpPr>
+          <p:cNvPr id="4" name="Footer Placeholder 3"/>
+          <p:cNvSpPr>
+            <a:spLocks noGrp="1"/>
+          </p:cNvSpPr>
+          <p:nvPr>
+            <p:ph type="ftr" sz="quarter" idx="11"/>
+          </p:nvPr>
+        </p:nvSpPr>
+        <p:spPr>
+          <a:xfrm>
+            <a:off x="3124200" y="4786312"/>
+            <a:ext cx="2895600" cy="357188"/>
+          </a:xfrm>
+        </p:spPr>
+        <p:txBody>
+          <a:bodyPr/>
+          <a:lstStyle/>
+          <a:p>
+            <a:pPr>
+              <a:defRPr/>
+            </a:pPr>
+            <a:r>
+              <a:rPr lang="en-US" altLang="zh-CN" dirty="0"/>
+              <a:t>IETF IPPM Interim – April 2020</a:t>
+            </a:r>
+          </a:p>
+        </p:txBody>
+      </p:sp>
+      <p:sp>
+        <p:nvSpPr>
+          <p:cNvPr id="7" name="Content Placeholder 2"/>
+          <p:cNvSpPr>
+            <a:spLocks noGrp="1"/>
+          </p:cNvSpPr>
+          <p:nvPr>
+            <p:ph idx="1"/>
+          </p:nvPr>
+        </p:nvSpPr>
+        <p:spPr>
+          <a:xfrm>
+            <a:off x="685800" y="766665"/>
+            <a:ext cx="8077200" cy="857250"/>
+          </a:xfrm>
+        </p:spPr>
+        <p:txBody>
+          <a:bodyPr/>
+          <a:lstStyle/>
+          <a:p>
+            <a:r>
+              <a:rPr lang="en-US" sz="1400" dirty="0"/>
+              <a:t>User-configured destination UDP </a:t>
+            </a:r>
+            <a:r>
+              <a:rPr lang="en-US" sz="1400" b="1" dirty="0"/>
+              <a:t>port1</a:t>
+            </a:r>
+            <a:r>
+              <a:rPr lang="en-US" sz="1400" dirty="0"/>
+              <a:t> is used for DM probe messages in unauthenticated mode and </a:t>
+            </a:r>
+            <a:r>
+              <a:rPr lang="en-US" sz="1400" b="1" dirty="0"/>
+              <a:t>port2</a:t>
+            </a:r>
+            <a:r>
+              <a:rPr lang="en-US" sz="1400" dirty="0"/>
+              <a:t> is used for LM probe messages in unauthenticated mode.</a:t>
+            </a:r>
+          </a:p>
+          <a:p>
+            <a:pPr marL="0" indent="0">
+              <a:buNone/>
+            </a:pPr>
+            <a:endParaRPr lang="en-US" sz="1400" dirty="0"/>
+          </a:p>
+        </p:txBody>
+      </p:sp>
+      <p:sp>
+        <p:nvSpPr>
+          <p:cNvPr id="5" name="Rectangle 4"/>
+          <p:cNvSpPr/>
+          <p:nvPr/>
+        </p:nvSpPr>
+        <p:spPr>
+          <a:xfrm>
+            <a:off x="1971675" y="1623915"/>
+            <a:ext cx="5200650" cy="2862322"/>
+          </a:xfrm>
+          <a:prstGeom prst="rect">
+            <a:avLst/>
+          </a:prstGeom>
+          <a:solidFill>
+            <a:schemeClr val="accent6">
+              <a:lumMod val="20000"/>
+              <a:lumOff val="80000"/>
+            </a:schemeClr>
+          </a:solidFill>
+        </p:spPr>
+        <p:txBody>
+          <a:bodyPr wrap="square">
+            <a:spAutoFit/>
+          </a:bodyPr>
+          <a:lstStyle/>
+          <a:p>
+            <a:pPr>
+              <a:spcAft>
+                <a:spcPts val="0"/>
+              </a:spcAft>
+            </a:pPr>
+            <a:r>
+              <a:rPr lang="en-US" sz="1000" dirty="0">
+                <a:latin typeface="Courier" pitchFamily="2" charset="0"/>
+                <a:ea typeface="Courier" charset="0"/>
+                <a:cs typeface="Courier" charset="0"/>
+              </a:rPr>
+              <a:t>+---------------------------------------------------------------+</a:t>
+            </a:r>
+          </a:p>
+          <a:p>
+            <a:pPr>
+              <a:spcAft>
+                <a:spcPts val="0"/>
+              </a:spcAft>
+            </a:pPr>
+            <a:r>
+              <a:rPr lang="en-US" sz="1000" dirty="0">
+                <a:latin typeface="Courier" pitchFamily="2" charset="0"/>
+                <a:ea typeface="Courier" charset="0"/>
+                <a:cs typeface="Courier" charset="0"/>
+              </a:rPr>
+              <a:t>| IP Header                                                     |</a:t>
+            </a:r>
+          </a:p>
+          <a:p>
+            <a:pPr>
+              <a:spcAft>
+                <a:spcPts val="0"/>
+              </a:spcAft>
+            </a:pPr>
+            <a:r>
+              <a:rPr lang="en-US" sz="1000" dirty="0">
+                <a:latin typeface="Courier" pitchFamily="2" charset="0"/>
+                <a:ea typeface="Courier" charset="0"/>
+                <a:cs typeface="Courier" charset="0"/>
+              </a:rPr>
+              <a:t>.  Source IP Address = Sender IPv4 or IPv6 Address              .</a:t>
+            </a:r>
+          </a:p>
+          <a:p>
+            <a:pPr>
+              <a:spcAft>
+                <a:spcPts val="0"/>
+              </a:spcAft>
+            </a:pPr>
+            <a:r>
+              <a:rPr lang="en-US" sz="1000" dirty="0">
+                <a:latin typeface="Courier" pitchFamily="2" charset="0"/>
+                <a:ea typeface="Courier" charset="0"/>
+                <a:cs typeface="Courier" charset="0"/>
+              </a:rPr>
+              <a:t>.  Destination IP Address = Reflector IPv4 or IPv6 Address      .</a:t>
+            </a:r>
+          </a:p>
+          <a:p>
+            <a:pPr>
+              <a:spcAft>
+                <a:spcPts val="0"/>
+              </a:spcAft>
+            </a:pPr>
+            <a:r>
+              <a:rPr lang="en-US" sz="1000" dirty="0">
+                <a:latin typeface="Courier" pitchFamily="2" charset="0"/>
+                <a:ea typeface="Courier" charset="0"/>
+                <a:cs typeface="Courier" charset="0"/>
+              </a:rPr>
+              <a:t>.  Protocol = UDP                                               .</a:t>
+            </a:r>
+          </a:p>
+          <a:p>
+            <a:pPr>
+              <a:spcAft>
+                <a:spcPts val="0"/>
+              </a:spcAft>
+            </a:pPr>
+            <a:r>
+              <a:rPr lang="en-US" sz="1000" dirty="0">
+                <a:latin typeface="Courier" pitchFamily="2" charset="0"/>
+                <a:ea typeface="Courier" charset="0"/>
+                <a:cs typeface="Courier" charset="0"/>
+              </a:rPr>
+              <a:t>.                                                               .</a:t>
+            </a:r>
+          </a:p>
+          <a:p>
+            <a:pPr>
+              <a:spcAft>
+                <a:spcPts val="0"/>
+              </a:spcAft>
+            </a:pPr>
+            <a:r>
+              <a:rPr lang="en-US" sz="1000" dirty="0">
+                <a:latin typeface="Courier" pitchFamily="2" charset="0"/>
+                <a:ea typeface="Courier" charset="0"/>
+                <a:cs typeface="Courier" charset="0"/>
+              </a:rPr>
+              <a:t>+---------------------------------------------------------------+</a:t>
+            </a:r>
+          </a:p>
+          <a:p>
+            <a:pPr>
+              <a:spcAft>
+                <a:spcPts val="0"/>
+              </a:spcAft>
+            </a:pPr>
+            <a:r>
+              <a:rPr lang="en-US" sz="1000" dirty="0">
+                <a:latin typeface="Courier" pitchFamily="2" charset="0"/>
+                <a:ea typeface="Courier" charset="0"/>
+                <a:cs typeface="Courier" charset="0"/>
+              </a:rPr>
+              <a:t>| UDP Header                                                    |</a:t>
+            </a:r>
+          </a:p>
+          <a:p>
+            <a:pPr>
+              <a:spcAft>
+                <a:spcPts val="0"/>
+              </a:spcAft>
+            </a:pPr>
+            <a:r>
+              <a:rPr lang="en-US" sz="1000" dirty="0">
+                <a:latin typeface="Courier" pitchFamily="2" charset="0"/>
+                <a:ea typeface="Courier" charset="0"/>
+                <a:cs typeface="Courier" charset="0"/>
+              </a:rPr>
+              <a:t>.  Source Port = As chosen by Sender                            .</a:t>
+            </a:r>
+          </a:p>
+          <a:p>
+            <a:pPr>
+              <a:spcAft>
+                <a:spcPts val="0"/>
+              </a:spcAft>
+            </a:pPr>
+            <a:r>
+              <a:rPr lang="en-US" sz="1000" dirty="0">
+                <a:latin typeface="Courier" pitchFamily="2" charset="0"/>
+                <a:ea typeface="Courier" charset="0"/>
+                <a:cs typeface="Courier" charset="0"/>
+              </a:rPr>
+              <a:t>.  Destination Port = </a:t>
+            </a:r>
+            <a:r>
+              <a:rPr lang="en-US" sz="1000" dirty="0">
+                <a:solidFill>
+                  <a:srgbClr val="0070C0"/>
+                </a:solidFill>
+                <a:latin typeface="Courier" pitchFamily="2" charset="0"/>
+                <a:ea typeface="Courier" charset="0"/>
+                <a:cs typeface="Courier" charset="0"/>
+              </a:rPr>
+              <a:t>User-configured Port for Delay Measurement</a:t>
+            </a:r>
+            <a:r>
+              <a:rPr lang="en-US" sz="1000" dirty="0">
+                <a:latin typeface="Courier" pitchFamily="2" charset="0"/>
+                <a:ea typeface="Courier" charset="0"/>
+                <a:cs typeface="Courier" charset="0"/>
+              </a:rPr>
+              <a:t>.</a:t>
+            </a:r>
+          </a:p>
+          <a:p>
+            <a:pPr>
+              <a:spcAft>
+                <a:spcPts val="0"/>
+              </a:spcAft>
+            </a:pPr>
+            <a:r>
+              <a:rPr lang="en-US" sz="1000" dirty="0">
+                <a:latin typeface="Courier" pitchFamily="2" charset="0"/>
+                <a:ea typeface="Courier" charset="0"/>
+                <a:cs typeface="Courier" charset="0"/>
+              </a:rPr>
+              <a:t>.                                                               .</a:t>
+            </a:r>
+          </a:p>
+          <a:p>
+            <a:pPr>
+              <a:spcAft>
+                <a:spcPts val="0"/>
+              </a:spcAft>
+            </a:pPr>
+            <a:r>
+              <a:rPr lang="en-US" sz="1000" dirty="0">
+                <a:latin typeface="Courier" pitchFamily="2" charset="0"/>
+                <a:ea typeface="Courier" charset="0"/>
+                <a:cs typeface="Courier" charset="0"/>
+              </a:rPr>
+              <a:t>+---------------------------------------------------------------+</a:t>
+            </a:r>
+          </a:p>
+          <a:p>
+            <a:pPr>
+              <a:spcAft>
+                <a:spcPts val="0"/>
+              </a:spcAft>
+            </a:pPr>
+            <a:r>
+              <a:rPr lang="en-US" sz="1000" dirty="0">
+                <a:latin typeface="Courier" pitchFamily="2" charset="0"/>
+                <a:ea typeface="Courier" charset="0"/>
+                <a:cs typeface="Courier" charset="0"/>
+              </a:rPr>
+              <a:t>| Payload = DM Message |                                        |</a:t>
+            </a:r>
+          </a:p>
+          <a:p>
+            <a:pPr>
+              <a:spcAft>
+                <a:spcPts val="0"/>
+              </a:spcAft>
+            </a:pPr>
+            <a:r>
+              <a:rPr lang="en-US" sz="1000" dirty="0">
+                <a:latin typeface="Courier" pitchFamily="2" charset="0"/>
+                <a:ea typeface="Courier" charset="0"/>
+                <a:cs typeface="Courier" charset="0"/>
+              </a:rPr>
+              <a:t>. Payload = LM Message                                          .</a:t>
+            </a:r>
+          </a:p>
+          <a:p>
+            <a:pPr>
+              <a:spcAft>
+                <a:spcPts val="0"/>
+              </a:spcAft>
+            </a:pPr>
+            <a:r>
+              <a:rPr lang="en-US" sz="1000" dirty="0">
+                <a:latin typeface="Courier" pitchFamily="2" charset="0"/>
+                <a:ea typeface="Courier" charset="0"/>
+                <a:cs typeface="Courier" charset="0"/>
+              </a:rPr>
+              <a:t>.                                                               .</a:t>
+            </a:r>
+          </a:p>
+          <a:p>
+            <a:pPr>
+              <a:spcAft>
+                <a:spcPts val="0"/>
+              </a:spcAft>
+            </a:pPr>
+            <a:r>
+              <a:rPr lang="en-US" sz="1000" dirty="0">
+                <a:latin typeface="Courier" pitchFamily="2" charset="0"/>
+                <a:ea typeface="Courier" charset="0"/>
+                <a:cs typeface="Courier" charset="0"/>
+              </a:rPr>
+              <a:t>+---------------------------------------------------------------+</a:t>
+            </a:r>
+          </a:p>
+          <a:p>
+            <a:pPr>
+              <a:spcAft>
+                <a:spcPts val="0"/>
+              </a:spcAft>
+            </a:pPr>
+            <a:endParaRPr lang="en-US" sz="1000" dirty="0">
+              <a:latin typeface="Courier" pitchFamily="2" charset="0"/>
+              <a:ea typeface="Courier" charset="0"/>
+              <a:cs typeface="Courier" charset="0"/>
+            </a:endParaRPr>
+          </a:p>
+          <a:p>
+            <a:pPr>
+              <a:spcAft>
+                <a:spcPts val="0"/>
+              </a:spcAft>
+            </a:pPr>
+            <a:r>
+              <a:rPr lang="en-CA" sz="1000" dirty="0">
+                <a:latin typeface="Courier" pitchFamily="2" charset="0"/>
+                <a:ea typeface="Courier" charset="0"/>
+                <a:cs typeface="Courier" charset="0"/>
+              </a:rPr>
+              <a:t>                   Figure: Probe Query Message</a:t>
+            </a:r>
+            <a:endParaRPr lang="en-US" sz="1000" dirty="0">
+              <a:latin typeface="Courier" pitchFamily="2" charset="0"/>
+              <a:ea typeface="Courier" charset="0"/>
+              <a:cs typeface="Courier" charset="0"/>
+            </a:endParaRPr>
+          </a:p>
+        </p:txBody>
+      </p:sp>
+      <p:sp>
+        <p:nvSpPr>
+          <p:cNvPr id="3" name="Slide Number Placeholder 2"/>
+          <p:cNvSpPr>
+            <a:spLocks noGrp="1"/>
+          </p:cNvSpPr>
+          <p:nvPr>
+            <p:ph type="sldNum" sz="quarter" idx="12"/>
+          </p:nvPr>
+        </p:nvSpPr>
+        <p:spPr/>
+        <p:txBody>
+          <a:bodyPr/>
+          <a:lstStyle/>
+          <a:p>
+            <a:pPr>
+              <a:defRPr/>
+            </a:pPr>
+            <a:fld id="{BD6E0F59-1DD8-40FC-9C92-B6295CBA6CCA}" type="slidenum">
+              <a:rPr lang="en-US" altLang="zh-CN" smtClean="0"/>
+              <a:pPr>
+                <a:defRPr/>
+              </a:pPr>
+              <a:t>15</a:t>
+            </a:fld>
+            <a:endParaRPr lang="en-US" altLang="zh-CN"/>
+          </a:p>
+        </p:txBody>
+      </p:sp>
+    </p:spTree>
+    <p:extLst>
+      <p:ext uri="{BB962C8B-B14F-4D97-AF65-F5344CB8AC3E}">
+        <p14:creationId xmlns:p14="http://schemas.microsoft.com/office/powerpoint/2010/main" val="407687400"/>
+      </p:ext>
+    </p:extLst>
+  </p:cSld>
+  <p:clrMapOvr>
+    <a:masterClrMapping/>
+  </p:clrMapOvr>
+</p:sld>
+</file>
+
+<file path=ppt/slides/slide16.xml><?xml version="1.0" encoding="utf-8"?>
+<p:sld xmlns:a="http://schemas.openxmlformats.org/drawingml/2006/main" xmlns:r="http://schemas.openxmlformats.org/officeDocument/2006/relationships" xmlns:p="http://schemas.openxmlformats.org/presentationml/2006/main">
+  <p:cSld>
+    <p:spTree>
+      <p:nvGrpSpPr>
+        <p:cNvPr id="1" name=""/>
+        <p:cNvGrpSpPr/>
+        <p:nvPr/>
+      </p:nvGrpSpPr>
+      <p:grpSpPr>
+        <a:xfrm>
+          <a:off x="0" y="0"/>
+          <a:ext cx="0" cy="0"/>
+          <a:chOff x="0" y="0"/>
+          <a:chExt cx="0" cy="0"/>
+        </a:xfrm>
+      </p:grpSpPr>
+      <p:sp>
+        <p:nvSpPr>
+          <p:cNvPr id="2" name="Title 1"/>
+          <p:cNvSpPr>
+            <a:spLocks noGrp="1"/>
+          </p:cNvSpPr>
+          <p:nvPr>
+            <p:ph type="title"/>
+          </p:nvPr>
+        </p:nvSpPr>
+        <p:spPr>
+          <a:xfrm>
+            <a:off x="152400" y="202211"/>
+            <a:ext cx="3962400" cy="845539"/>
+          </a:xfrm>
+        </p:spPr>
+        <p:txBody>
+          <a:bodyPr/>
+          <a:lstStyle/>
+          <a:p>
+            <a:pPr algn="l"/>
+            <a:r>
+              <a:rPr lang="en-US" sz="3400" dirty="0">
+                <a:solidFill>
+                  <a:srgbClr val="0070C0"/>
+                </a:solidFill>
+                <a:latin typeface="Calibri Light" panose="020F0302020204030204" pitchFamily="34" charset="0"/>
+                <a:cs typeface="Calibri Light" panose="020F0302020204030204" pitchFamily="34" charset="0"/>
+              </a:rPr>
+              <a:t>Probe Query for SR-MPLS and SRv6 Policy</a:t>
+            </a:r>
+          </a:p>
+        </p:txBody>
+      </p:sp>
+      <p:sp>
+        <p:nvSpPr>
+          <p:cNvPr id="4" name="Footer Placeholder 3"/>
+          <p:cNvSpPr>
+            <a:spLocks noGrp="1"/>
+          </p:cNvSpPr>
+          <p:nvPr>
+            <p:ph type="ftr" sz="quarter" idx="11"/>
+          </p:nvPr>
+        </p:nvSpPr>
+        <p:spPr>
+          <a:xfrm>
+            <a:off x="3124200" y="4796631"/>
+            <a:ext cx="2895600" cy="357188"/>
+          </a:xfrm>
+        </p:spPr>
+        <p:txBody>
+          <a:bodyPr/>
+          <a:lstStyle/>
+          <a:p>
+            <a:pPr>
+              <a:defRPr/>
+            </a:pPr>
+            <a:r>
+              <a:rPr lang="en-US" altLang="zh-CN" dirty="0"/>
+              <a:t>IETF IPPM Interim – April 2020</a:t>
+            </a:r>
+          </a:p>
+        </p:txBody>
+      </p:sp>
+      <p:sp>
+        <p:nvSpPr>
+          <p:cNvPr id="5" name="Rectangle 4"/>
+          <p:cNvSpPr/>
+          <p:nvPr/>
+        </p:nvSpPr>
+        <p:spPr>
+          <a:xfrm>
+            <a:off x="4191000" y="243334"/>
+            <a:ext cx="4724400" cy="4247317"/>
+          </a:xfrm>
+          <a:prstGeom prst="rect">
+            <a:avLst/>
+          </a:prstGeom>
+          <a:solidFill>
+            <a:schemeClr val="accent6">
+              <a:lumMod val="20000"/>
+              <a:lumOff val="80000"/>
+            </a:schemeClr>
+          </a:solidFill>
+        </p:spPr>
+        <p:txBody>
+          <a:bodyPr wrap="square">
+            <a:spAutoFit/>
+          </a:bodyPr>
+          <a:lstStyle/>
+          <a:p>
+            <a:r>
+              <a:rPr lang="en-US" sz="900" dirty="0">
+                <a:latin typeface="Courier" charset="0"/>
+                <a:ea typeface="Courier" charset="0"/>
+                <a:cs typeface="Courier" charset="0"/>
+              </a:rPr>
+              <a:t>0                   1                   2                   3</a:t>
+            </a:r>
+          </a:p>
+          <a:p>
+            <a:r>
+              <a:rPr lang="en-US" sz="900" dirty="0">
+                <a:latin typeface="Courier" charset="0"/>
+                <a:ea typeface="Courier" charset="0"/>
+                <a:cs typeface="Courier" charset="0"/>
+              </a:rPr>
+              <a:t>0 1 2 3 4 5 6 7 8 9 0 1 2 3 4 5 6 7 8 9 0 1 2 3 4 5 6 7 8 9 0 1</a:t>
+            </a:r>
+          </a:p>
+          <a:p>
+            <a:r>
+              <a:rPr lang="en-US" sz="900" dirty="0">
+                <a:latin typeface="Courier" charset="0"/>
+                <a:ea typeface="Courier" charset="0"/>
+                <a:cs typeface="Courier" charset="0"/>
+              </a:rPr>
+              <a:t>+-+-+-+-+-+-+-+-+-+-+-+-+-+-+-+-+-+-+-+-+-+-+-+-+-+-+-+-+-+-+-+-+</a:t>
+            </a:r>
+          </a:p>
+          <a:p>
+            <a:r>
+              <a:rPr lang="en-US" sz="900" dirty="0">
+                <a:latin typeface="Courier" charset="0"/>
+                <a:ea typeface="Courier" charset="0"/>
+                <a:cs typeface="Courier" charset="0"/>
+              </a:rPr>
+              <a:t>|              Segment(1)               | TC  |S|      TTL      |</a:t>
+            </a:r>
+          </a:p>
+          <a:p>
+            <a:r>
+              <a:rPr lang="en-US" sz="900" dirty="0">
+                <a:latin typeface="Courier" charset="0"/>
+                <a:ea typeface="Courier" charset="0"/>
+                <a:cs typeface="Courier" charset="0"/>
+              </a:rPr>
+              <a:t>+-+-+-+-+-+-+-+-+-+-+-+-+-+-+-+-+-+-+-+-+-+-+-+-+-+-+-+-+-+-+-+-+</a:t>
+            </a:r>
+          </a:p>
+          <a:p>
+            <a:r>
+              <a:rPr lang="en-US" sz="900" dirty="0">
+                <a:latin typeface="Courier" charset="0"/>
+                <a:ea typeface="Courier" charset="0"/>
+                <a:cs typeface="Courier" charset="0"/>
+              </a:rPr>
+              <a:t>.                                                               .</a:t>
+            </a:r>
+          </a:p>
+          <a:p>
+            <a:r>
+              <a:rPr lang="en-US" sz="900" dirty="0">
+                <a:latin typeface="Courier" charset="0"/>
+                <a:ea typeface="Courier" charset="0"/>
+                <a:cs typeface="Courier" charset="0"/>
+              </a:rPr>
+              <a:t>.                                                               .</a:t>
+            </a:r>
+          </a:p>
+          <a:p>
+            <a:r>
+              <a:rPr lang="en-US" sz="900" dirty="0">
+                <a:latin typeface="Courier" charset="0"/>
+                <a:ea typeface="Courier" charset="0"/>
+                <a:cs typeface="Courier" charset="0"/>
+              </a:rPr>
+              <a:t>.                                                               .</a:t>
+            </a:r>
+          </a:p>
+          <a:p>
+            <a:r>
+              <a:rPr lang="en-US" sz="900" dirty="0">
+                <a:latin typeface="Courier" charset="0"/>
+                <a:ea typeface="Courier" charset="0"/>
+                <a:cs typeface="Courier" charset="0"/>
+              </a:rPr>
+              <a:t>+-+-+-+-+-+-+-+-+-+-+-+-+-+-+-+-+-+-+-+-+-+-+-+-+-+-+-+-+-+-+-+-+</a:t>
+            </a:r>
+          </a:p>
+          <a:p>
+            <a:r>
+              <a:rPr lang="en-US" sz="900" dirty="0">
+                <a:latin typeface="Courier" charset="0"/>
+                <a:ea typeface="Courier" charset="0"/>
+                <a:cs typeface="Courier" charset="0"/>
+              </a:rPr>
+              <a:t>|              Segment(n)               | TC  |S|      TTL      |</a:t>
+            </a:r>
+          </a:p>
+          <a:p>
+            <a:r>
+              <a:rPr lang="en-US" sz="900" dirty="0">
+                <a:latin typeface="Courier" charset="0"/>
+                <a:ea typeface="Courier" charset="0"/>
+                <a:cs typeface="Courier" charset="0"/>
+              </a:rPr>
+              <a:t>+-+-+-+-+-+-+-+-+-+-+-+-+-+-+-+-+-+-+-+-+-+-+-+-+-+-+-+-+-+-+-+-+</a:t>
+            </a:r>
+          </a:p>
+          <a:p>
+            <a:r>
+              <a:rPr lang="en-US" sz="900" dirty="0">
+                <a:latin typeface="Courier" charset="0"/>
+                <a:ea typeface="Courier" charset="0"/>
+                <a:cs typeface="Courier" charset="0"/>
+              </a:rPr>
+              <a:t>|   Message for DM or LM                                        |</a:t>
+            </a:r>
+          </a:p>
+          <a:p>
+            <a:r>
+              <a:rPr lang="en-US" sz="900" dirty="0">
+                <a:latin typeface="Courier" charset="0"/>
+                <a:ea typeface="Courier" charset="0"/>
+                <a:cs typeface="Courier" charset="0"/>
+              </a:rPr>
+              <a:t>.                                                               .</a:t>
+            </a:r>
+          </a:p>
+          <a:p>
+            <a:r>
+              <a:rPr lang="en-US" sz="900" dirty="0">
+                <a:latin typeface="Courier" charset="0"/>
+                <a:ea typeface="Courier" charset="0"/>
+                <a:cs typeface="Courier" charset="0"/>
+              </a:rPr>
+              <a:t>+---------------------------------------------------------------+</a:t>
+            </a:r>
+          </a:p>
+          <a:p>
+            <a:r>
+              <a:rPr lang="en-US" sz="900" dirty="0">
+                <a:latin typeface="Courier" charset="0"/>
+                <a:ea typeface="Courier" charset="0"/>
+                <a:cs typeface="Courier" charset="0"/>
+              </a:rPr>
+              <a:t> </a:t>
+            </a:r>
+          </a:p>
+          <a:p>
+            <a:r>
+              <a:rPr lang="en-US" sz="900" dirty="0">
+                <a:latin typeface="Courier" charset="0"/>
+                <a:ea typeface="Courier" charset="0"/>
+                <a:cs typeface="Courier" charset="0"/>
+              </a:rPr>
+              <a:t>         Figure: Probe Query Message for SR-MPLS Policy</a:t>
+            </a:r>
+          </a:p>
+          <a:p>
+            <a:r>
+              <a:rPr lang="en-US" sz="900" dirty="0">
+                <a:latin typeface="Courier" charset="0"/>
+                <a:ea typeface="Courier" charset="0"/>
+                <a:cs typeface="Courier" charset="0"/>
+              </a:rPr>
+              <a:t> </a:t>
+            </a:r>
+          </a:p>
+          <a:p>
+            <a:r>
+              <a:rPr lang="en-US" sz="900" dirty="0">
+                <a:latin typeface="Courier" charset="0"/>
+                <a:ea typeface="Courier" charset="0"/>
+                <a:cs typeface="Courier" charset="0"/>
+              </a:rPr>
+              <a:t> </a:t>
+            </a:r>
+          </a:p>
+          <a:p>
+            <a:r>
+              <a:rPr lang="en-US" sz="900" dirty="0">
+                <a:latin typeface="Courier" charset="0"/>
+                <a:ea typeface="Courier" charset="0"/>
+                <a:cs typeface="Courier" charset="0"/>
+              </a:rPr>
+              <a:t>0                   1                   2                   3</a:t>
+            </a:r>
+          </a:p>
+          <a:p>
+            <a:r>
+              <a:rPr lang="en-US" sz="900" dirty="0">
+                <a:latin typeface="Courier" charset="0"/>
+                <a:ea typeface="Courier" charset="0"/>
+                <a:cs typeface="Courier" charset="0"/>
+              </a:rPr>
+              <a:t>0 1 2 3 4 5 6 7 8 9 0 1 2 3 4 5 6 7 8 9 0 1 2 3 4 5 6 7 8 9 0 1</a:t>
+            </a:r>
+          </a:p>
+          <a:p>
+            <a:r>
+              <a:rPr lang="en-US" sz="900" dirty="0">
+                <a:latin typeface="Courier" charset="0"/>
+                <a:ea typeface="Courier" charset="0"/>
+                <a:cs typeface="Courier" charset="0"/>
+              </a:rPr>
+              <a:t>+-+-+-+-+-+-+-+-+-+-+-+-+-+-+-+-+-+-+-+-+-+-+-+-+-+-+-+-+-+-+-+-+</a:t>
+            </a:r>
+          </a:p>
+          <a:p>
+            <a:r>
+              <a:rPr lang="en-US" sz="900" dirty="0">
+                <a:latin typeface="Courier" charset="0"/>
+                <a:ea typeface="Courier" charset="0"/>
+                <a:cs typeface="Courier" charset="0"/>
+              </a:rPr>
+              <a:t>|                           SRH                                 |</a:t>
+            </a:r>
+          </a:p>
+          <a:p>
+            <a:r>
+              <a:rPr lang="en-US" sz="900" dirty="0">
+                <a:latin typeface="Courier" charset="0"/>
+                <a:ea typeface="Courier" charset="0"/>
+                <a:cs typeface="Courier" charset="0"/>
+              </a:rPr>
+              <a:t>.                                                               .</a:t>
+            </a:r>
+          </a:p>
+          <a:p>
+            <a:r>
+              <a:rPr lang="en-US" sz="900" dirty="0">
+                <a:latin typeface="Courier" charset="0"/>
+                <a:ea typeface="Courier" charset="0"/>
+                <a:cs typeface="Courier" charset="0"/>
+              </a:rPr>
+              <a:t>+-+-+-+-+-+-+-+-+-+-+-+-+-+-+-+-+-+-+-+-+-+-+-+-+-+-+-+-+-+-+-+-+</a:t>
+            </a:r>
+          </a:p>
+          <a:p>
+            <a:r>
+              <a:rPr lang="en-US" sz="900" dirty="0">
+                <a:latin typeface="Courier" charset="0"/>
+                <a:ea typeface="Courier" charset="0"/>
+                <a:cs typeface="Courier" charset="0"/>
+              </a:rPr>
+              <a:t>|   Message for DM or LM                                        |</a:t>
+            </a:r>
+          </a:p>
+          <a:p>
+            <a:r>
+              <a:rPr lang="en-US" sz="900" dirty="0">
+                <a:latin typeface="Courier" charset="0"/>
+                <a:ea typeface="Courier" charset="0"/>
+                <a:cs typeface="Courier" charset="0"/>
+              </a:rPr>
+              <a:t>.   (Using IPv6 Addresses)                                      .</a:t>
+            </a:r>
+          </a:p>
+          <a:p>
+            <a:r>
+              <a:rPr lang="en-US" sz="900" dirty="0">
+                <a:latin typeface="Courier" charset="0"/>
+                <a:ea typeface="Courier" charset="0"/>
+                <a:cs typeface="Courier" charset="0"/>
+              </a:rPr>
+              <a:t>.                                                               .</a:t>
+            </a:r>
+          </a:p>
+          <a:p>
+            <a:r>
+              <a:rPr lang="en-US" sz="900" dirty="0">
+                <a:latin typeface="Courier" charset="0"/>
+                <a:ea typeface="Courier" charset="0"/>
+                <a:cs typeface="Courier" charset="0"/>
+              </a:rPr>
+              <a:t>+---------------------------------------------------------------+</a:t>
+            </a:r>
+          </a:p>
+          <a:p>
+            <a:r>
+              <a:rPr lang="en-US" sz="900" dirty="0">
+                <a:latin typeface="Courier" charset="0"/>
+                <a:ea typeface="Courier" charset="0"/>
+                <a:cs typeface="Courier" charset="0"/>
+              </a:rPr>
+              <a:t> </a:t>
+            </a:r>
+          </a:p>
+          <a:p>
+            <a:r>
+              <a:rPr lang="en-US" sz="900" dirty="0">
+                <a:latin typeface="Courier" charset="0"/>
+                <a:ea typeface="Courier" charset="0"/>
+                <a:cs typeface="Courier" charset="0"/>
+              </a:rPr>
+              <a:t>          Figure: Probe Query Message for SRv6 Policy</a:t>
+            </a:r>
+          </a:p>
+        </p:txBody>
+      </p:sp>
+      <p:sp>
+        <p:nvSpPr>
+          <p:cNvPr id="6" name="Content Placeholder 2"/>
+          <p:cNvSpPr txBox="1">
+            <a:spLocks/>
+          </p:cNvSpPr>
+          <p:nvPr/>
+        </p:nvSpPr>
+        <p:spPr bwMode="auto">
+          <a:xfrm>
+            <a:off x="228600" y="1352550"/>
+            <a:ext cx="3962400" cy="2641926"/>
+          </a:xfrm>
+          <a:prstGeom prst="rect">
+            <a:avLst/>
+          </a:prstGeom>
+          <a:noFill/>
+          <a:ln w="9525">
+            <a:noFill/>
+            <a:miter lim="800000"/>
+            <a:headEnd/>
+            <a:tailEnd/>
+          </a:ln>
+        </p:spPr>
+        <p:txBody>
+          <a:bodyPr vert="horz" wrap="square" lIns="91440" tIns="45720" rIns="91440" bIns="45720" numCol="1" anchor="t" anchorCtr="0" compatLnSpc="1">
+            <a:prstTxWarp prst="textNoShape">
+              <a:avLst/>
+            </a:prstTxWarp>
+          </a:bodyPr>
+          <a:lstStyle>
+            <a:lvl1pPr marL="342900" indent="-342900" algn="l" rtl="0" eaLnBrk="0" fontAlgn="base" hangingPunct="0">
+              <a:spcBef>
+                <a:spcPct val="20000"/>
+              </a:spcBef>
+              <a:spcAft>
+                <a:spcPct val="0"/>
+              </a:spcAft>
+              <a:buChar char="•"/>
+              <a:defRPr sz="3200">
+                <a:solidFill>
+                  <a:schemeClr val="tx1"/>
+                </a:solidFill>
+                <a:latin typeface="Calibri" charset="0"/>
+                <a:ea typeface="Calibri" charset="0"/>
+                <a:cs typeface="Calibri" charset="0"/>
+              </a:defRPr>
+            </a:lvl1pPr>
+            <a:lvl2pPr marL="742950" indent="-285750" algn="l" rtl="0" eaLnBrk="0" fontAlgn="base" hangingPunct="0">
+              <a:spcBef>
+                <a:spcPct val="20000"/>
+              </a:spcBef>
+              <a:spcAft>
+                <a:spcPct val="0"/>
+              </a:spcAft>
+              <a:buChar char="–"/>
+              <a:defRPr sz="2800">
+                <a:solidFill>
+                  <a:schemeClr val="tx1"/>
+                </a:solidFill>
+                <a:latin typeface="Calibri" charset="0"/>
+                <a:ea typeface="Calibri" charset="0"/>
+                <a:cs typeface="Calibri" charset="0"/>
+              </a:defRPr>
+            </a:lvl2pPr>
+            <a:lvl3pPr marL="1143000" indent="-228600" algn="l" rtl="0" eaLnBrk="0" fontAlgn="base" hangingPunct="0">
+              <a:spcBef>
+                <a:spcPct val="20000"/>
+              </a:spcBef>
+              <a:spcAft>
+                <a:spcPct val="0"/>
+              </a:spcAft>
+              <a:buChar char="•"/>
+              <a:defRPr sz="2400">
+                <a:solidFill>
+                  <a:schemeClr val="tx1"/>
+                </a:solidFill>
+                <a:latin typeface="Calibri" charset="0"/>
+                <a:ea typeface="Calibri" charset="0"/>
+                <a:cs typeface="Calibri" charset="0"/>
+              </a:defRPr>
+            </a:lvl3pPr>
+            <a:lvl4pPr marL="1600200" indent="-228600" algn="l" rtl="0" eaLnBrk="0" fontAlgn="base" hangingPunct="0">
+              <a:spcBef>
+                <a:spcPct val="20000"/>
+              </a:spcBef>
+              <a:spcAft>
+                <a:spcPct val="0"/>
+              </a:spcAft>
+              <a:buChar char="–"/>
+              <a:defRPr sz="2000">
+                <a:solidFill>
+                  <a:schemeClr val="tx1"/>
+                </a:solidFill>
+                <a:latin typeface="Calibri" charset="0"/>
+                <a:ea typeface="Calibri" charset="0"/>
+                <a:cs typeface="Calibri" charset="0"/>
+              </a:defRPr>
+            </a:lvl4pPr>
+            <a:lvl5pPr marL="2057400" indent="-228600" algn="l" rtl="0" eaLnBrk="0" fontAlgn="base" hangingPunct="0">
+              <a:spcBef>
+                <a:spcPct val="20000"/>
+              </a:spcBef>
+              <a:spcAft>
+                <a:spcPct val="0"/>
+              </a:spcAft>
+              <a:buChar char="»"/>
+              <a:defRPr sz="2000">
+                <a:solidFill>
+                  <a:schemeClr val="tx1"/>
+                </a:solidFill>
+                <a:latin typeface="Calibri" charset="0"/>
+                <a:ea typeface="Calibri" charset="0"/>
+                <a:cs typeface="Calibri" charset="0"/>
+              </a:defRPr>
+            </a:lvl5pPr>
+            <a:lvl6pPr marL="2514600" indent="-228600" algn="l" rtl="0" fontAlgn="base">
+              <a:spcBef>
+                <a:spcPct val="20000"/>
+              </a:spcBef>
+              <a:spcAft>
+                <a:spcPct val="0"/>
+              </a:spcAft>
+              <a:buChar char="»"/>
+              <a:defRPr sz="2000">
+                <a:solidFill>
+                  <a:schemeClr val="tx1"/>
+                </a:solidFill>
+                <a:latin typeface="+mn-lt"/>
+                <a:ea typeface="+mn-ea"/>
+              </a:defRPr>
+            </a:lvl6pPr>
+            <a:lvl7pPr marL="2971800" indent="-228600" algn="l" rtl="0" fontAlgn="base">
+              <a:spcBef>
+                <a:spcPct val="20000"/>
+              </a:spcBef>
+              <a:spcAft>
+                <a:spcPct val="0"/>
+              </a:spcAft>
+              <a:buChar char="»"/>
+              <a:defRPr sz="2000">
+                <a:solidFill>
+                  <a:schemeClr val="tx1"/>
+                </a:solidFill>
+                <a:latin typeface="+mn-lt"/>
+                <a:ea typeface="+mn-ea"/>
+              </a:defRPr>
+            </a:lvl7pPr>
+            <a:lvl8pPr marL="3429000" indent="-228600" algn="l" rtl="0" fontAlgn="base">
+              <a:spcBef>
+                <a:spcPct val="20000"/>
+              </a:spcBef>
+              <a:spcAft>
+                <a:spcPct val="0"/>
+              </a:spcAft>
+              <a:buChar char="»"/>
+              <a:defRPr sz="2000">
+                <a:solidFill>
+                  <a:schemeClr val="tx1"/>
+                </a:solidFill>
+                <a:latin typeface="+mn-lt"/>
+                <a:ea typeface="+mn-ea"/>
+              </a:defRPr>
+            </a:lvl8pPr>
+            <a:lvl9pPr marL="3886200" indent="-228600" algn="l" rtl="0" fontAlgn="base">
+              <a:spcBef>
+                <a:spcPct val="20000"/>
+              </a:spcBef>
+              <a:spcAft>
+                <a:spcPct val="0"/>
+              </a:spcAft>
+              <a:buChar char="»"/>
+              <a:defRPr sz="2000">
+                <a:solidFill>
+                  <a:schemeClr val="tx1"/>
+                </a:solidFill>
+                <a:latin typeface="+mn-lt"/>
+                <a:ea typeface="+mn-ea"/>
+              </a:defRPr>
+            </a:lvl9pPr>
+          </a:lstStyle>
+          <a:p>
+            <a:pPr marL="0" indent="0">
+              <a:buNone/>
+            </a:pPr>
+            <a:r>
+              <a:rPr lang="en-US" sz="1600" dirty="0"/>
+              <a:t>For </a:t>
+            </a:r>
+            <a:r>
+              <a:rPr lang="en-US" sz="1600" b="1" dirty="0"/>
+              <a:t>end-to-end </a:t>
+            </a:r>
+            <a:r>
+              <a:rPr lang="en-US" sz="1600" dirty="0"/>
+              <a:t>performance delay/loss measurement of SR Policy, the probe query messages are sent on the SR Policy path with:</a:t>
+            </a:r>
+          </a:p>
+          <a:p>
+            <a:pPr>
+              <a:buFont typeface="+mj-lt"/>
+              <a:buAutoNum type="arabicPeriod"/>
+            </a:pPr>
+            <a:r>
+              <a:rPr lang="en-US" sz="1600" dirty="0"/>
+              <a:t>MPLS label stack for SR-MPLS Policies</a:t>
+            </a:r>
+          </a:p>
+          <a:p>
+            <a:pPr>
+              <a:buFont typeface="+mj-lt"/>
+              <a:buAutoNum type="arabicPeriod"/>
+            </a:pPr>
+            <a:r>
+              <a:rPr lang="en-US" sz="1600" dirty="0"/>
+              <a:t>SRv6 SRH [</a:t>
+            </a:r>
+            <a:r>
+              <a:rPr lang="en-CA" sz="1600" dirty="0"/>
+              <a:t>RFC 8754</a:t>
+            </a:r>
+            <a:r>
+              <a:rPr lang="en-US" sz="1600" dirty="0"/>
+              <a:t>] with SID list for SRv6 Policies </a:t>
+            </a:r>
+          </a:p>
+        </p:txBody>
+      </p:sp>
+      <p:sp>
+        <p:nvSpPr>
+          <p:cNvPr id="3" name="Slide Number Placeholder 2"/>
+          <p:cNvSpPr>
+            <a:spLocks noGrp="1"/>
+          </p:cNvSpPr>
+          <p:nvPr>
+            <p:ph type="sldNum" sz="quarter" idx="12"/>
+          </p:nvPr>
+        </p:nvSpPr>
+        <p:spPr/>
+        <p:txBody>
+          <a:bodyPr/>
+          <a:lstStyle/>
+          <a:p>
+            <a:pPr>
+              <a:defRPr/>
+            </a:pPr>
+            <a:fld id="{BD6E0F59-1DD8-40FC-9C92-B6295CBA6CCA}" type="slidenum">
+              <a:rPr lang="en-US" altLang="zh-CN" smtClean="0"/>
+              <a:pPr>
+                <a:defRPr/>
+              </a:pPr>
+              <a:t>16</a:t>
+            </a:fld>
+            <a:endParaRPr lang="en-US" altLang="zh-CN"/>
+          </a:p>
+        </p:txBody>
+      </p:sp>
+      <p:cxnSp>
+        <p:nvCxnSpPr>
+          <p:cNvPr id="8" name="Straight Connector 7">
+            <a:extLst>
+              <a:ext uri="{FF2B5EF4-FFF2-40B4-BE49-F238E27FC236}">
+                <a16:creationId xmlns:a16="http://schemas.microsoft.com/office/drawing/2014/main" id="{7A63617F-26D6-E64C-98B9-346A9686E76B}"/>
+              </a:ext>
+            </a:extLst>
+          </p:cNvPr>
+          <p:cNvCxnSpPr/>
+          <p:nvPr/>
+        </p:nvCxnSpPr>
+        <p:spPr>
+          <a:xfrm>
+            <a:off x="4191000" y="2571750"/>
+            <a:ext cx="4724400" cy="0"/>
+          </a:xfrm>
+          <a:prstGeom prst="line">
+            <a:avLst/>
+          </a:prstGeom>
+          <a:ln w="19050">
+            <a:solidFill>
+              <a:schemeClr val="tx1">
+                <a:lumMod val="50000"/>
+                <a:lumOff val="50000"/>
+              </a:schemeClr>
+            </a:solidFill>
+          </a:ln>
+        </p:spPr>
+        <p:style>
+          <a:lnRef idx="1">
+            <a:schemeClr val="accent1"/>
+          </a:lnRef>
+          <a:fillRef idx="0">
+            <a:schemeClr val="accent1"/>
+          </a:fillRef>
+          <a:effectRef idx="0">
+            <a:schemeClr val="accent1"/>
+          </a:effectRef>
+          <a:fontRef idx="minor">
+            <a:schemeClr val="tx1"/>
+          </a:fontRef>
+        </p:style>
+      </p:cxnSp>
+    </p:spTree>
+    <p:extLst>
+      <p:ext uri="{BB962C8B-B14F-4D97-AF65-F5344CB8AC3E}">
+        <p14:creationId xmlns:p14="http://schemas.microsoft.com/office/powerpoint/2010/main" val="2459644476"/>
+      </p:ext>
+    </p:extLst>
+  </p:cSld>
+  <p:clrMapOvr>
+    <a:masterClrMapping/>
+  </p:clrMapOvr>
+</p:sld>
+</file>
+
+<file path=ppt/slides/slide17.xml><?xml version="1.0" encoding="utf-8"?>
+<p:sld xmlns:a="http://schemas.openxmlformats.org/drawingml/2006/main" xmlns:r="http://schemas.openxmlformats.org/officeDocument/2006/relationships" xmlns:p="http://schemas.openxmlformats.org/presentationml/2006/main">
+  <p:cSld>
+    <p:spTree>
+      <p:nvGrpSpPr>
+        <p:cNvPr id="1" name=""/>
+        <p:cNvGrpSpPr/>
+        <p:nvPr/>
+      </p:nvGrpSpPr>
+      <p:grpSpPr>
+        <a:xfrm>
+          <a:off x="0" y="0"/>
+          <a:ext cx="0" cy="0"/>
+          <a:chOff x="0" y="0"/>
+          <a:chExt cx="0" cy="0"/>
+        </a:xfrm>
+      </p:grpSpPr>
+      <p:sp>
+        <p:nvSpPr>
+          <p:cNvPr id="2" name="Title 1"/>
+          <p:cNvSpPr>
+            <a:spLocks noGrp="1"/>
+          </p:cNvSpPr>
+          <p:nvPr>
+            <p:ph type="title"/>
+          </p:nvPr>
+        </p:nvSpPr>
+        <p:spPr>
+          <a:xfrm>
+            <a:off x="457200" y="0"/>
+            <a:ext cx="8229600" cy="857250"/>
+          </a:xfrm>
+        </p:spPr>
+        <p:txBody>
+          <a:bodyPr/>
+          <a:lstStyle/>
+          <a:p>
+            <a:r>
+              <a:rPr lang="en-US" sz="3600" dirty="0">
+                <a:solidFill>
+                  <a:srgbClr val="0070C0"/>
+                </a:solidFill>
+                <a:latin typeface="Calibri Light" panose="020F0302020204030204" pitchFamily="34" charset="0"/>
+                <a:cs typeface="Calibri Light" panose="020F0302020204030204" pitchFamily="34" charset="0"/>
+              </a:rPr>
+              <a:t>Probe Response Message</a:t>
+            </a:r>
+          </a:p>
+        </p:txBody>
+      </p:sp>
+      <p:sp>
+        <p:nvSpPr>
+          <p:cNvPr id="3" name="Content Placeholder 2"/>
+          <p:cNvSpPr>
+            <a:spLocks noGrp="1"/>
+          </p:cNvSpPr>
+          <p:nvPr>
+            <p:ph idx="1"/>
+          </p:nvPr>
+        </p:nvSpPr>
+        <p:spPr>
+          <a:xfrm>
+            <a:off x="647700" y="742950"/>
+            <a:ext cx="7848600" cy="775363"/>
+          </a:xfrm>
+        </p:spPr>
+        <p:txBody>
+          <a:bodyPr/>
+          <a:lstStyle/>
+          <a:p>
+            <a:r>
+              <a:rPr lang="en-US" sz="2000" dirty="0"/>
+              <a:t>The probe response message is sent using the IP/UDP information from the probe query message. </a:t>
+            </a:r>
+          </a:p>
+        </p:txBody>
+      </p:sp>
+      <p:sp>
+        <p:nvSpPr>
+          <p:cNvPr id="4" name="Footer Placeholder 3"/>
+          <p:cNvSpPr>
+            <a:spLocks noGrp="1"/>
+          </p:cNvSpPr>
+          <p:nvPr>
+            <p:ph type="ftr" sz="quarter" idx="11"/>
+          </p:nvPr>
+        </p:nvSpPr>
+        <p:spPr>
+          <a:xfrm>
+            <a:off x="3124200" y="4786312"/>
+            <a:ext cx="2895600" cy="357188"/>
+          </a:xfrm>
+        </p:spPr>
+        <p:txBody>
+          <a:bodyPr/>
+          <a:lstStyle/>
+          <a:p>
+            <a:pPr>
+              <a:defRPr/>
+            </a:pPr>
+            <a:r>
+              <a:rPr lang="en-US" altLang="zh-CN" dirty="0"/>
+              <a:t>IETF IPPM Interim – April 2020</a:t>
+            </a:r>
+          </a:p>
+        </p:txBody>
+      </p:sp>
+      <p:sp>
+        <p:nvSpPr>
+          <p:cNvPr id="5" name="Rectangle 4"/>
+          <p:cNvSpPr/>
+          <p:nvPr/>
+        </p:nvSpPr>
+        <p:spPr>
+          <a:xfrm>
+            <a:off x="1524000" y="1632681"/>
+            <a:ext cx="5562600" cy="2862322"/>
+          </a:xfrm>
+          <a:prstGeom prst="rect">
+            <a:avLst/>
+          </a:prstGeom>
+          <a:solidFill>
+            <a:schemeClr val="accent6">
+              <a:lumMod val="20000"/>
+              <a:lumOff val="80000"/>
+            </a:schemeClr>
+          </a:solidFill>
+        </p:spPr>
+        <p:txBody>
+          <a:bodyPr wrap="square">
+            <a:spAutoFit/>
+          </a:bodyPr>
+          <a:lstStyle/>
+          <a:p>
+            <a:r>
+              <a:rPr lang="en-CA" sz="1000" dirty="0">
+                <a:latin typeface="Courier" pitchFamily="2" charset="0"/>
+                <a:cs typeface="Courier New" panose="02070309020205020404" pitchFamily="49" charset="0"/>
+              </a:rPr>
+              <a:t>    +---------------------------------------------------------------+</a:t>
+            </a:r>
+          </a:p>
+          <a:p>
+            <a:r>
+              <a:rPr lang="en-CA" sz="1000" dirty="0">
+                <a:latin typeface="Courier" pitchFamily="2" charset="0"/>
+                <a:cs typeface="Courier New" panose="02070309020205020404" pitchFamily="49" charset="0"/>
+              </a:rPr>
+              <a:t>    | IP Header                                                     |</a:t>
+            </a:r>
+          </a:p>
+          <a:p>
+            <a:r>
+              <a:rPr lang="en-CA" sz="1000" dirty="0">
+                <a:latin typeface="Courier" pitchFamily="2" charset="0"/>
+                <a:cs typeface="Courier New" panose="02070309020205020404" pitchFamily="49" charset="0"/>
+              </a:rPr>
+              <a:t>    .  Source IP Address = Reflector IPv4 or IPv6 Address           .</a:t>
+            </a:r>
+          </a:p>
+          <a:p>
+            <a:r>
+              <a:rPr lang="en-CA" sz="1000" dirty="0">
+                <a:latin typeface="Courier" pitchFamily="2" charset="0"/>
+                <a:cs typeface="Courier New" panose="02070309020205020404" pitchFamily="49" charset="0"/>
+              </a:rPr>
+              <a:t>    .  Destination IP Address = Source IP Address from Query        .</a:t>
+            </a:r>
+          </a:p>
+          <a:p>
+            <a:r>
+              <a:rPr lang="en-CA" sz="1000" dirty="0">
+                <a:latin typeface="Courier" pitchFamily="2" charset="0"/>
+                <a:cs typeface="Courier New" panose="02070309020205020404" pitchFamily="49" charset="0"/>
+              </a:rPr>
+              <a:t>    .  Protocol = UDP                                               .</a:t>
+            </a:r>
+          </a:p>
+          <a:p>
+            <a:r>
+              <a:rPr lang="en-CA" sz="1000" dirty="0">
+                <a:latin typeface="Courier" pitchFamily="2" charset="0"/>
+                <a:cs typeface="Courier New" panose="02070309020205020404" pitchFamily="49" charset="0"/>
+              </a:rPr>
+              <a:t>    .                                                               .</a:t>
+            </a:r>
+          </a:p>
+          <a:p>
+            <a:r>
+              <a:rPr lang="en-CA" sz="1000" dirty="0">
+                <a:latin typeface="Courier" pitchFamily="2" charset="0"/>
+                <a:cs typeface="Courier New" panose="02070309020205020404" pitchFamily="49" charset="0"/>
+              </a:rPr>
+              <a:t>    +---------------------------------------------------------------+</a:t>
+            </a:r>
+          </a:p>
+          <a:p>
+            <a:r>
+              <a:rPr lang="en-CA" sz="1000" dirty="0">
+                <a:latin typeface="Courier" pitchFamily="2" charset="0"/>
+                <a:cs typeface="Courier New" panose="02070309020205020404" pitchFamily="49" charset="0"/>
+              </a:rPr>
+              <a:t>    | UDP Header                                                    |</a:t>
+            </a:r>
+          </a:p>
+          <a:p>
+            <a:r>
+              <a:rPr lang="en-CA" sz="1000" dirty="0">
+                <a:latin typeface="Courier" pitchFamily="2" charset="0"/>
+                <a:cs typeface="Courier New" panose="02070309020205020404" pitchFamily="49" charset="0"/>
+              </a:rPr>
+              <a:t>    .  Source Port = As chosen by Reflector                         .</a:t>
+            </a:r>
+          </a:p>
+          <a:p>
+            <a:r>
+              <a:rPr lang="en-CA" sz="1000" dirty="0">
+                <a:latin typeface="Courier" pitchFamily="2" charset="0"/>
+                <a:cs typeface="Courier New" panose="02070309020205020404" pitchFamily="49" charset="0"/>
+              </a:rPr>
+              <a:t>    .  Destination Port = Source Port from Query                    .</a:t>
+            </a:r>
+          </a:p>
+          <a:p>
+            <a:r>
+              <a:rPr lang="en-CA" sz="1000" dirty="0">
+                <a:latin typeface="Courier" pitchFamily="2" charset="0"/>
+                <a:cs typeface="Courier New" panose="02070309020205020404" pitchFamily="49" charset="0"/>
+              </a:rPr>
+              <a:t>    .                                                               .</a:t>
+            </a:r>
+          </a:p>
+          <a:p>
+            <a:r>
+              <a:rPr lang="en-CA" sz="1000" dirty="0">
+                <a:latin typeface="Courier" pitchFamily="2" charset="0"/>
+                <a:cs typeface="Courier New" panose="02070309020205020404" pitchFamily="49" charset="0"/>
+              </a:rPr>
+              <a:t>    +---------------------------------------------------------------+</a:t>
+            </a:r>
+          </a:p>
+          <a:p>
+            <a:r>
+              <a:rPr lang="en-CA" sz="1000" dirty="0">
+                <a:latin typeface="Courier" pitchFamily="2" charset="0"/>
+                <a:cs typeface="Courier New" panose="02070309020205020404" pitchFamily="49" charset="0"/>
+              </a:rPr>
+              <a:t>    | DM Payload  |                                                 |</a:t>
+            </a:r>
+          </a:p>
+          <a:p>
+            <a:r>
+              <a:rPr lang="en-CA" sz="1000" dirty="0">
+                <a:latin typeface="Courier" pitchFamily="2" charset="0"/>
+                <a:cs typeface="Courier New" panose="02070309020205020404" pitchFamily="49" charset="0"/>
+              </a:rPr>
+              <a:t>    . LM Payload                                                    .</a:t>
+            </a:r>
+          </a:p>
+          <a:p>
+            <a:r>
+              <a:rPr lang="en-CA" sz="1000" dirty="0">
+                <a:latin typeface="Courier" pitchFamily="2" charset="0"/>
+                <a:cs typeface="Courier New" panose="02070309020205020404" pitchFamily="49" charset="0"/>
+              </a:rPr>
+              <a:t>    .                                                               .</a:t>
+            </a:r>
+          </a:p>
+          <a:p>
+            <a:r>
+              <a:rPr lang="en-CA" sz="1000" dirty="0">
+                <a:latin typeface="Courier" pitchFamily="2" charset="0"/>
+                <a:cs typeface="Courier New" panose="02070309020205020404" pitchFamily="49" charset="0"/>
+              </a:rPr>
+              <a:t>    +---------------------------------------------------------------+</a:t>
+            </a:r>
+          </a:p>
+          <a:p>
+            <a:r>
+              <a:rPr lang="en-CA" sz="1000" dirty="0">
+                <a:latin typeface="Courier" pitchFamily="2" charset="0"/>
+                <a:cs typeface="Courier New" panose="02070309020205020404" pitchFamily="49" charset="0"/>
+              </a:rPr>
+              <a:t> </a:t>
+            </a:r>
+          </a:p>
+          <a:p>
+            <a:r>
+              <a:rPr lang="en-CA" sz="1000" dirty="0">
+                <a:latin typeface="Courier" pitchFamily="2" charset="0"/>
+                <a:cs typeface="Courier New" panose="02070309020205020404" pitchFamily="49" charset="0"/>
+              </a:rPr>
+              <a:t>                       Figure: Probe Response Message</a:t>
+            </a:r>
+            <a:endParaRPr lang="en-US" sz="1000" dirty="0">
+              <a:latin typeface="Courier" pitchFamily="2" charset="0"/>
+              <a:ea typeface="Courier" charset="0"/>
+              <a:cs typeface="Courier New" panose="02070309020205020404" pitchFamily="49" charset="0"/>
+            </a:endParaRPr>
+          </a:p>
+        </p:txBody>
+      </p:sp>
+      <p:sp>
+        <p:nvSpPr>
+          <p:cNvPr id="6" name="Slide Number Placeholder 5"/>
+          <p:cNvSpPr>
+            <a:spLocks noGrp="1"/>
+          </p:cNvSpPr>
+          <p:nvPr>
+            <p:ph type="sldNum" sz="quarter" idx="12"/>
+          </p:nvPr>
+        </p:nvSpPr>
+        <p:spPr/>
+        <p:txBody>
+          <a:bodyPr/>
+          <a:lstStyle/>
+          <a:p>
+            <a:pPr>
+              <a:defRPr/>
+            </a:pPr>
+            <a:fld id="{BD6E0F59-1DD8-40FC-9C92-B6295CBA6CCA}" type="slidenum">
+              <a:rPr lang="en-US" altLang="zh-CN" smtClean="0"/>
+              <a:pPr>
+                <a:defRPr/>
+              </a:pPr>
+              <a:t>17</a:t>
+            </a:fld>
+            <a:endParaRPr lang="en-US" altLang="zh-CN"/>
+          </a:p>
+        </p:txBody>
+      </p:sp>
+    </p:spTree>
+    <p:extLst>
+      <p:ext uri="{BB962C8B-B14F-4D97-AF65-F5344CB8AC3E}">
+        <p14:creationId xmlns:p14="http://schemas.microsoft.com/office/powerpoint/2010/main" val="1694318788"/>
+      </p:ext>
+    </p:extLst>
+  </p:cSld>
+  <p:clrMapOvr>
+    <a:masterClrMapping/>
+  </p:clrMapOvr>
+</p:sld>
+</file>
+
+<file path=ppt/slides/slide18.xml><?xml version="1.0" encoding="utf-8"?>
+<p:sld xmlns:a="http://schemas.openxmlformats.org/drawingml/2006/main" xmlns:r="http://schemas.openxmlformats.org/officeDocument/2006/relationships" xmlns:p="http://schemas.openxmlformats.org/presentationml/2006/main">
+  <p:cSld>
+    <p:spTree>
+      <p:nvGrpSpPr>
+        <p:cNvPr id="1" name=""/>
+        <p:cNvGrpSpPr/>
+        <p:nvPr/>
+      </p:nvGrpSpPr>
+      <p:grpSpPr>
+        <a:xfrm>
+          <a:off x="0" y="0"/>
+          <a:ext cx="0" cy="0"/>
+          <a:chOff x="0" y="0"/>
+          <a:chExt cx="0" cy="0"/>
+        </a:xfrm>
+      </p:grpSpPr>
+      <p:sp>
+        <p:nvSpPr>
+          <p:cNvPr id="2" name="Title 1"/>
+          <p:cNvSpPr>
+            <a:spLocks noGrp="1"/>
+          </p:cNvSpPr>
+          <p:nvPr>
+            <p:ph type="title"/>
+          </p:nvPr>
+        </p:nvSpPr>
+        <p:spPr>
+          <a:xfrm>
+            <a:off x="457200" y="0"/>
+            <a:ext cx="8229600" cy="857250"/>
+          </a:xfrm>
+        </p:spPr>
+        <p:txBody>
+          <a:bodyPr/>
+          <a:lstStyle/>
+          <a:p>
+            <a:r>
+              <a:rPr lang="en-US" sz="3600" dirty="0">
+                <a:solidFill>
+                  <a:srgbClr val="0070C0"/>
+                </a:solidFill>
+                <a:latin typeface="Calibri Light" panose="020F0302020204030204" pitchFamily="34" charset="0"/>
+                <a:cs typeface="Calibri Light" panose="020F0302020204030204" pitchFamily="34" charset="0"/>
+              </a:rPr>
+              <a:t>ECMP Support for SR Policy</a:t>
+            </a:r>
+          </a:p>
+        </p:txBody>
+      </p:sp>
+      <p:sp>
+        <p:nvSpPr>
+          <p:cNvPr id="3" name="Content Placeholder 2"/>
+          <p:cNvSpPr>
+            <a:spLocks noGrp="1"/>
+          </p:cNvSpPr>
+          <p:nvPr>
+            <p:ph idx="1"/>
+          </p:nvPr>
+        </p:nvSpPr>
+        <p:spPr>
+          <a:xfrm>
+            <a:off x="419100" y="912201"/>
+            <a:ext cx="8305800" cy="3259750"/>
+          </a:xfrm>
+        </p:spPr>
+        <p:txBody>
+          <a:bodyPr/>
+          <a:lstStyle/>
+          <a:p>
+            <a:pPr>
+              <a:lnSpc>
+                <a:spcPts val="2280"/>
+              </a:lnSpc>
+              <a:spcBef>
+                <a:spcPts val="0"/>
+              </a:spcBef>
+            </a:pPr>
+            <a:r>
+              <a:rPr lang="en-US" sz="1800" dirty="0"/>
+              <a:t>SR Policy can have ECMP between the ingress and transit nodes, between transit nodes and between transit and egress nodes.</a:t>
+            </a:r>
+          </a:p>
+          <a:p>
+            <a:pPr>
+              <a:lnSpc>
+                <a:spcPts val="2280"/>
+              </a:lnSpc>
+              <a:spcBef>
+                <a:spcPts val="0"/>
+              </a:spcBef>
+            </a:pPr>
+            <a:r>
+              <a:rPr lang="en-US" sz="1800" dirty="0"/>
+              <a:t>Sending PM probe queries that can take advantage of the hashing function in forwarding plane.</a:t>
+            </a:r>
+          </a:p>
+          <a:p>
+            <a:pPr>
+              <a:lnSpc>
+                <a:spcPts val="2280"/>
+              </a:lnSpc>
+              <a:spcBef>
+                <a:spcPts val="0"/>
+              </a:spcBef>
+            </a:pPr>
+            <a:r>
+              <a:rPr lang="en-US" sz="1800" dirty="0"/>
+              <a:t>Existing forwarding mechanisms are applicable to PM probe messages:</a:t>
+            </a:r>
+          </a:p>
+          <a:p>
+            <a:pPr lvl="1">
+              <a:lnSpc>
+                <a:spcPts val="2280"/>
+              </a:lnSpc>
+              <a:spcBef>
+                <a:spcPts val="0"/>
+              </a:spcBef>
+            </a:pPr>
+            <a:r>
+              <a:rPr lang="en-US" sz="1800" dirty="0"/>
+              <a:t>For IPv4 and IPv6</a:t>
+            </a:r>
+          </a:p>
+          <a:p>
+            <a:pPr lvl="2">
+              <a:lnSpc>
+                <a:spcPts val="2280"/>
+              </a:lnSpc>
+              <a:spcBef>
+                <a:spcPts val="0"/>
+              </a:spcBef>
+            </a:pPr>
+            <a:r>
+              <a:rPr lang="en-US" sz="1800" dirty="0"/>
+              <a:t>Destination addresses in IP header (e.g. 127/8 for IPv4 and FFFF:7F00/104 for IPv6)</a:t>
+            </a:r>
+          </a:p>
+          <a:p>
+            <a:pPr lvl="2">
+              <a:lnSpc>
+                <a:spcPts val="2280"/>
+              </a:lnSpc>
+              <a:spcBef>
+                <a:spcPts val="0"/>
+              </a:spcBef>
+            </a:pPr>
+            <a:r>
+              <a:rPr lang="en-US" sz="1800" dirty="0"/>
+              <a:t>Flow label in IPv6 header</a:t>
+            </a:r>
+          </a:p>
+        </p:txBody>
+      </p:sp>
+      <p:sp>
+        <p:nvSpPr>
+          <p:cNvPr id="4" name="Footer Placeholder 3"/>
+          <p:cNvSpPr>
+            <a:spLocks noGrp="1"/>
+          </p:cNvSpPr>
+          <p:nvPr>
+            <p:ph type="ftr" sz="quarter" idx="11"/>
+          </p:nvPr>
+        </p:nvSpPr>
+        <p:spPr>
+          <a:xfrm>
+            <a:off x="3124200" y="4781550"/>
+            <a:ext cx="2895600" cy="357188"/>
+          </a:xfrm>
+        </p:spPr>
+        <p:txBody>
+          <a:bodyPr/>
+          <a:lstStyle/>
+          <a:p>
+            <a:pPr>
+              <a:defRPr/>
+            </a:pPr>
+            <a:r>
+              <a:rPr lang="en-US" altLang="zh-CN" dirty="0"/>
+              <a:t>IETF IPPM Interim – April 2020</a:t>
+            </a:r>
+          </a:p>
+        </p:txBody>
+      </p:sp>
+      <p:sp>
+        <p:nvSpPr>
+          <p:cNvPr id="5" name="Slide Number Placeholder 4"/>
+          <p:cNvSpPr>
+            <a:spLocks noGrp="1"/>
+          </p:cNvSpPr>
+          <p:nvPr>
+            <p:ph type="sldNum" sz="quarter" idx="12"/>
+          </p:nvPr>
+        </p:nvSpPr>
+        <p:spPr/>
+        <p:txBody>
+          <a:bodyPr/>
+          <a:lstStyle/>
+          <a:p>
+            <a:pPr>
+              <a:defRPr/>
+            </a:pPr>
+            <a:fld id="{BD6E0F59-1DD8-40FC-9C92-B6295CBA6CCA}" type="slidenum">
+              <a:rPr lang="en-US" altLang="zh-CN" smtClean="0"/>
+              <a:pPr>
+                <a:defRPr/>
+              </a:pPr>
+              <a:t>18</a:t>
+            </a:fld>
+            <a:endParaRPr lang="en-US" altLang="zh-CN"/>
+          </a:p>
+        </p:txBody>
+      </p:sp>
+    </p:spTree>
+    <p:extLst>
+      <p:ext uri="{BB962C8B-B14F-4D97-AF65-F5344CB8AC3E}">
+        <p14:creationId xmlns:p14="http://schemas.microsoft.com/office/powerpoint/2010/main" val="1470821304"/>
+      </p:ext>
+    </p:extLst>
+  </p:cSld>
+  <p:clrMapOvr>
+    <a:masterClrMapping/>
+  </p:clrMapOvr>
+</p:sld>
+</file>
+
+<file path=ppt/slides/slide19.xml><?xml version="1.0" encoding="utf-8"?>
+<p:sld xmlns:a="http://schemas.openxmlformats.org/drawingml/2006/main" xmlns:r="http://schemas.openxmlformats.org/officeDocument/2006/relationships" xmlns:p="http://schemas.openxmlformats.org/presentationml/2006/main">
+  <p:cSld>
+    <p:spTree>
+      <p:nvGrpSpPr>
+        <p:cNvPr id="1" name=""/>
+        <p:cNvGrpSpPr/>
+        <p:nvPr/>
+      </p:nvGrpSpPr>
+      <p:grpSpPr>
+        <a:xfrm>
+          <a:off x="0" y="0"/>
+          <a:ext cx="0" cy="0"/>
+          <a:chOff x="0" y="0"/>
+          <a:chExt cx="0" cy="0"/>
+        </a:xfrm>
+      </p:grpSpPr>
+      <p:sp>
+        <p:nvSpPr>
+          <p:cNvPr id="6" name="Footer Placeholder 3"/>
+          <p:cNvSpPr>
+            <a:spLocks noGrp="1"/>
+          </p:cNvSpPr>
+          <p:nvPr>
+            <p:ph type="ftr" sz="quarter" idx="11"/>
+          </p:nvPr>
+        </p:nvSpPr>
+        <p:spPr>
+          <a:xfrm>
+            <a:off x="3124200" y="4786312"/>
+            <a:ext cx="2895600" cy="357188"/>
+          </a:xfrm>
+        </p:spPr>
+        <p:txBody>
+          <a:bodyPr/>
+          <a:lstStyle/>
+          <a:p>
+            <a:pPr>
+              <a:defRPr/>
+            </a:pPr>
+            <a:r>
+              <a:rPr lang="en-US" altLang="zh-CN" dirty="0"/>
+              <a:t>IETF IPPM Interim – April 2020</a:t>
+            </a:r>
+          </a:p>
+        </p:txBody>
+      </p:sp>
+      <p:sp>
+        <p:nvSpPr>
+          <p:cNvPr id="3" name="Slide Number Placeholder 2"/>
+          <p:cNvSpPr>
+            <a:spLocks noGrp="1"/>
+          </p:cNvSpPr>
+          <p:nvPr>
+            <p:ph type="sldNum" sz="quarter" idx="12"/>
+          </p:nvPr>
+        </p:nvSpPr>
+        <p:spPr/>
+        <p:txBody>
+          <a:bodyPr/>
+          <a:lstStyle/>
+          <a:p>
+            <a:pPr>
+              <a:defRPr/>
+            </a:pPr>
+            <a:fld id="{D5EE1D1A-EEC2-4D53-94A7-85D62C853479}" type="slidenum">
+              <a:rPr lang="en-US" altLang="zh-CN" smtClean="0"/>
+              <a:pPr>
+                <a:defRPr/>
+              </a:pPr>
+              <a:t>19</a:t>
+            </a:fld>
+            <a:endParaRPr lang="en-US" altLang="zh-CN"/>
+          </a:p>
+        </p:txBody>
+      </p:sp>
+      <p:sp>
+        <p:nvSpPr>
+          <p:cNvPr id="8" name="Title 7">
+            <a:extLst>
+              <a:ext uri="{FF2B5EF4-FFF2-40B4-BE49-F238E27FC236}">
+                <a16:creationId xmlns:a16="http://schemas.microsoft.com/office/drawing/2014/main" id="{EAE0D9DC-8575-A84F-A04B-3BD8C30794A3}"/>
+              </a:ext>
+            </a:extLst>
+          </p:cNvPr>
+          <p:cNvSpPr>
+            <a:spLocks noGrp="1"/>
+          </p:cNvSpPr>
+          <p:nvPr>
+            <p:ph type="ctrTitle"/>
+          </p:nvPr>
+        </p:nvSpPr>
+        <p:spPr/>
+        <p:txBody>
+          <a:bodyPr/>
+          <a:lstStyle/>
+          <a:p>
+            <a:r>
+              <a:rPr lang="en-US" dirty="0"/>
+              <a:t>Backup</a:t>
+            </a:r>
+          </a:p>
+        </p:txBody>
+      </p:sp>
+    </p:spTree>
+    <p:extLst>
+      <p:ext uri="{BB962C8B-B14F-4D97-AF65-F5344CB8AC3E}">
+        <p14:creationId xmlns:p14="http://schemas.microsoft.com/office/powerpoint/2010/main" val="1607707434"/>
+      </p:ext>
+    </p:extLst>
+  </p:cSld>
+  <p:clrMapOvr>
+    <a:masterClrMapping/>
+  </p:clrMapOvr>
+</p:sld>
+</file>
+
+<file path=ppt/slides/slide2.xml><?xml version="1.0" encoding="utf-8"?>
+<p:sld xmlns:a="http://schemas.openxmlformats.org/drawingml/2006/main" xmlns:r="http://schemas.openxmlformats.org/officeDocument/2006/relationships" xmlns:p="http://schemas.openxmlformats.org/presentationml/2006/main">
+  <p:cSld>
+    <p:spTree>
+      <p:nvGrpSpPr>
+        <p:cNvPr id="1" name=""/>
+        <p:cNvGrpSpPr/>
+        <p:nvPr/>
+      </p:nvGrpSpPr>
+      <p:grpSpPr>
+        <a:xfrm>
+          <a:off x="0" y="0"/>
+          <a:ext cx="0" cy="0"/>
+          <a:chOff x="0" y="0"/>
+          <a:chExt cx="0" cy="0"/>
+        </a:xfrm>
+      </p:grpSpPr>
+      <p:sp>
+        <p:nvSpPr>
+          <p:cNvPr id="2" name="Title 1"/>
+          <p:cNvSpPr>
+            <a:spLocks noGrp="1"/>
+          </p:cNvSpPr>
+          <p:nvPr>
+            <p:ph type="title"/>
+          </p:nvPr>
+        </p:nvSpPr>
+        <p:spPr>
+          <a:xfrm>
+            <a:off x="457200" y="0"/>
+            <a:ext cx="8229600" cy="857250"/>
+          </a:xfrm>
+        </p:spPr>
+        <p:txBody>
+          <a:bodyPr/>
+          <a:lstStyle/>
+          <a:p>
+            <a:r>
+              <a:rPr lang="en-US" sz="3600" dirty="0">
+                <a:solidFill>
+                  <a:srgbClr val="0070C0"/>
+                </a:solidFill>
+                <a:latin typeface="Calibri Light" panose="020F0302020204030204" pitchFamily="34" charset="0"/>
+                <a:cs typeface="Calibri Light" panose="020F0302020204030204" pitchFamily="34" charset="0"/>
+              </a:rPr>
+              <a:t>Agenda</a:t>
+            </a:r>
+          </a:p>
+        </p:txBody>
+      </p:sp>
+      <p:sp>
+        <p:nvSpPr>
+          <p:cNvPr id="3" name="Content Placeholder 2"/>
+          <p:cNvSpPr>
+            <a:spLocks noGrp="1"/>
+          </p:cNvSpPr>
+          <p:nvPr>
+            <p:ph idx="1"/>
+          </p:nvPr>
+        </p:nvSpPr>
+        <p:spPr>
+          <a:xfrm>
+            <a:off x="609599" y="971550"/>
+            <a:ext cx="8113059" cy="3124200"/>
+          </a:xfrm>
+        </p:spPr>
+        <p:txBody>
+          <a:bodyPr/>
+          <a:lstStyle/>
+          <a:p>
+            <a:r>
+              <a:rPr lang="en-US" sz="2400" dirty="0"/>
+              <a:t>Requirements and Scope</a:t>
+            </a:r>
+          </a:p>
+          <a:p>
+            <a:r>
+              <a:rPr lang="en-US" sz="2400" dirty="0"/>
+              <a:t>History of the Draft</a:t>
+            </a:r>
+          </a:p>
+          <a:p>
+            <a:r>
+              <a:rPr lang="en-US" sz="2400" dirty="0"/>
+              <a:t>Updates Since IETF-106</a:t>
+            </a:r>
+          </a:p>
+          <a:p>
+            <a:r>
+              <a:rPr lang="en-US" sz="2400" dirty="0"/>
+              <a:t>Summary</a:t>
+            </a:r>
+          </a:p>
+          <a:p>
+            <a:r>
+              <a:rPr lang="en-US" sz="2400" dirty="0"/>
+              <a:t>Next Steps</a:t>
+            </a:r>
+          </a:p>
+        </p:txBody>
+      </p:sp>
+      <p:sp>
+        <p:nvSpPr>
+          <p:cNvPr id="4" name="Footer Placeholder 3"/>
+          <p:cNvSpPr>
+            <a:spLocks noGrp="1"/>
+          </p:cNvSpPr>
+          <p:nvPr>
+            <p:ph type="ftr" sz="quarter" idx="11"/>
+          </p:nvPr>
+        </p:nvSpPr>
+        <p:spPr>
+          <a:xfrm>
+            <a:off x="3124200" y="4786312"/>
+            <a:ext cx="2895600" cy="357188"/>
+          </a:xfrm>
+        </p:spPr>
+        <p:txBody>
+          <a:bodyPr/>
+          <a:lstStyle/>
+          <a:p>
+            <a:pPr>
+              <a:defRPr/>
+            </a:pPr>
+            <a:r>
+              <a:rPr lang="en-US" altLang="zh-CN" dirty="0"/>
+              <a:t>IETF IPPM Interim – April 2020</a:t>
+            </a:r>
+          </a:p>
+        </p:txBody>
+      </p:sp>
+      <p:sp>
+        <p:nvSpPr>
+          <p:cNvPr id="5" name="Slide Number Placeholder 4"/>
+          <p:cNvSpPr>
+            <a:spLocks noGrp="1"/>
+          </p:cNvSpPr>
+          <p:nvPr>
+            <p:ph type="sldNum" sz="quarter" idx="12"/>
+          </p:nvPr>
+        </p:nvSpPr>
+        <p:spPr/>
+        <p:txBody>
+          <a:bodyPr/>
+          <a:lstStyle/>
+          <a:p>
+            <a:pPr>
+              <a:defRPr/>
+            </a:pPr>
+            <a:fld id="{BD6E0F59-1DD8-40FC-9C92-B6295CBA6CCA}" type="slidenum">
+              <a:rPr lang="en-US" altLang="zh-CN" smtClean="0"/>
+              <a:pPr>
+                <a:defRPr/>
+              </a:pPr>
+              <a:t>2</a:t>
+            </a:fld>
+            <a:endParaRPr lang="en-US" altLang="zh-CN"/>
+          </a:p>
+        </p:txBody>
+      </p:sp>
+    </p:spTree>
+    <p:extLst>
+      <p:ext uri="{BB962C8B-B14F-4D97-AF65-F5344CB8AC3E}">
+        <p14:creationId xmlns:p14="http://schemas.microsoft.com/office/powerpoint/2010/main" val="3204099515"/>
+      </p:ext>
+    </p:extLst>
+  </p:cSld>
+  <p:clrMapOvr>
+    <a:masterClrMapping/>
+  </p:clrMapOvr>
+</p:sld>
+</file>
+
+<file path=ppt/slides/slide20.xml><?xml version="1.0" encoding="utf-8"?>
+<p:sld xmlns:a="http://schemas.openxmlformats.org/drawingml/2006/main" xmlns:r="http://schemas.openxmlformats.org/officeDocument/2006/relationships" xmlns:p="http://schemas.openxmlformats.org/presentationml/2006/main">
+  <p:cSld>
+    <p:spTree>
+      <p:nvGrpSpPr>
+        <p:cNvPr id="1" name=""/>
+        <p:cNvGrpSpPr/>
+        <p:nvPr/>
+      </p:nvGrpSpPr>
+      <p:grpSpPr>
+        <a:xfrm>
+          <a:off x="0" y="0"/>
+          <a:ext cx="0" cy="0"/>
+          <a:chOff x="0" y="0"/>
+          <a:chExt cx="0" cy="0"/>
+        </a:xfrm>
+      </p:grpSpPr>
+      <p:sp>
+        <p:nvSpPr>
           <p:cNvPr id="3" name="Title 2"/>
           <p:cNvSpPr>
             <a:spLocks noGrp="1"/>
@@ -10484,7 +13062,7 @@
               <a:pPr algn="r">
                 <a:defRPr/>
               </a:pPr>
-              <a:t>14</a:t>
+              <a:t>20</a:t>
             </a:fld>
             <a:endParaRPr lang="en-US" altLang="zh-CN" sz="1400" dirty="0">
               <a:latin typeface="Calibri" panose="020F0502020204030204" pitchFamily="34" charset="0"/>
@@ -10552,7 +13130,7 @@
 </p:sld>
 </file>
 
-<file path=ppt/slides/slide15.xml><?xml version="1.0" encoding="utf-8"?>
+<file path=ppt/slides/slide21.xml><?xml version="1.0" encoding="utf-8"?>
 <p:sld xmlns:a="http://schemas.openxmlformats.org/drawingml/2006/main" xmlns:r="http://schemas.openxmlformats.org/officeDocument/2006/relationships" xmlns:p="http://schemas.openxmlformats.org/presentationml/2006/main">
   <p:cSld>
     <p:spTree>
@@ -10811,7 +13389,7 @@
               <a:pPr>
                 <a:defRPr/>
               </a:pPr>
-              <a:t>15</a:t>
+              <a:t>21</a:t>
             </a:fld>
             <a:endParaRPr lang="en-US" altLang="zh-CN" dirty="0"/>
           </a:p>
@@ -10821,179 +13399,6 @@
     <p:extLst>
       <p:ext uri="{BB962C8B-B14F-4D97-AF65-F5344CB8AC3E}">
         <p14:creationId xmlns:p14="http://schemas.microsoft.com/office/powerpoint/2010/main" val="668811118"/>
-      </p:ext>
-    </p:extLst>
-  </p:cSld>
-  <p:clrMapOvr>
-    <a:masterClrMapping/>
-  </p:clrMapOvr>
-</p:sld>
-</file>
-
-<file path=ppt/slides/slide2.xml><?xml version="1.0" encoding="utf-8"?>
-<p:sld xmlns:a="http://schemas.openxmlformats.org/drawingml/2006/main" xmlns:r="http://schemas.openxmlformats.org/officeDocument/2006/relationships" xmlns:p="http://schemas.openxmlformats.org/presentationml/2006/main">
-  <p:cSld>
-    <p:spTree>
-      <p:nvGrpSpPr>
-        <p:cNvPr id="1" name=""/>
-        <p:cNvGrpSpPr/>
-        <p:nvPr/>
-      </p:nvGrpSpPr>
-      <p:grpSpPr>
-        <a:xfrm>
-          <a:off x="0" y="0"/>
-          <a:ext cx="0" cy="0"/>
-          <a:chOff x="0" y="0"/>
-          <a:chExt cx="0" cy="0"/>
-        </a:xfrm>
-      </p:grpSpPr>
-      <p:sp>
-        <p:nvSpPr>
-          <p:cNvPr id="2" name="Title 1"/>
-          <p:cNvSpPr>
-            <a:spLocks noGrp="1"/>
-          </p:cNvSpPr>
-          <p:nvPr>
-            <p:ph type="title"/>
-          </p:nvPr>
-        </p:nvSpPr>
-        <p:spPr>
-          <a:xfrm>
-            <a:off x="457200" y="0"/>
-            <a:ext cx="8229600" cy="857250"/>
-          </a:xfrm>
-        </p:spPr>
-        <p:txBody>
-          <a:bodyPr/>
-          <a:lstStyle/>
-          <a:p>
-            <a:r>
-              <a:rPr lang="en-US" sz="3600" dirty="0">
-                <a:solidFill>
-                  <a:srgbClr val="0070C0"/>
-                </a:solidFill>
-                <a:latin typeface="Calibri Light" panose="020F0302020204030204" pitchFamily="34" charset="0"/>
-                <a:cs typeface="Calibri Light" panose="020F0302020204030204" pitchFamily="34" charset="0"/>
-              </a:rPr>
-              <a:t>Agenda</a:t>
-            </a:r>
-          </a:p>
-        </p:txBody>
-      </p:sp>
-      <p:sp>
-        <p:nvSpPr>
-          <p:cNvPr id="3" name="Content Placeholder 2"/>
-          <p:cNvSpPr>
-            <a:spLocks noGrp="1"/>
-          </p:cNvSpPr>
-          <p:nvPr>
-            <p:ph idx="1"/>
-          </p:nvPr>
-        </p:nvSpPr>
-        <p:spPr>
-          <a:xfrm>
-            <a:off x="609599" y="971550"/>
-            <a:ext cx="8113059" cy="3124200"/>
-          </a:xfrm>
-        </p:spPr>
-        <p:txBody>
-          <a:bodyPr/>
-          <a:lstStyle/>
-          <a:p>
-            <a:r>
-              <a:rPr lang="en-US" sz="2400" dirty="0"/>
-              <a:t>Requirements and Scope</a:t>
-            </a:r>
-          </a:p>
-          <a:p>
-            <a:r>
-              <a:rPr lang="en-US" sz="2400" dirty="0"/>
-              <a:t>History of the Draft</a:t>
-            </a:r>
-          </a:p>
-          <a:p>
-            <a:r>
-              <a:rPr lang="en-US" sz="2400" dirty="0"/>
-              <a:t>Updates Since IETF-106</a:t>
-            </a:r>
-          </a:p>
-          <a:p>
-            <a:r>
-              <a:rPr lang="en-US" sz="2400" dirty="0"/>
-              <a:t>Summary</a:t>
-            </a:r>
-          </a:p>
-          <a:p>
-            <a:r>
-              <a:rPr lang="en-US" sz="2400" dirty="0"/>
-              <a:t>Next Steps</a:t>
-            </a:r>
-          </a:p>
-        </p:txBody>
-      </p:sp>
-      <p:sp>
-        <p:nvSpPr>
-          <p:cNvPr id="4" name="Footer Placeholder 3"/>
-          <p:cNvSpPr>
-            <a:spLocks noGrp="1"/>
-          </p:cNvSpPr>
-          <p:nvPr>
-            <p:ph type="ftr" sz="quarter" idx="11"/>
-          </p:nvPr>
-        </p:nvSpPr>
-        <p:spPr>
-          <a:xfrm>
-            <a:off x="3124200" y="4786312"/>
-            <a:ext cx="2895600" cy="357188"/>
-          </a:xfrm>
-        </p:spPr>
-        <p:txBody>
-          <a:bodyPr/>
-          <a:lstStyle/>
-          <a:p>
-            <a:pPr>
-              <a:defRPr/>
-            </a:pPr>
-            <a:r>
-              <a:rPr lang="en-US" altLang="zh-CN" dirty="0"/>
-              <a:t>IETF IPPM Interim – April 2020</a:t>
-            </a:r>
-          </a:p>
-        </p:txBody>
-      </p:sp>
-      <p:sp>
-        <p:nvSpPr>
-          <p:cNvPr id="5" name="Slide Number Placeholder 4"/>
-          <p:cNvSpPr>
-            <a:spLocks noGrp="1"/>
-          </p:cNvSpPr>
-          <p:nvPr>
-            <p:ph type="sldNum" sz="quarter" idx="12"/>
-          </p:nvPr>
-        </p:nvSpPr>
-        <p:spPr/>
-        <p:txBody>
-          <a:bodyPr/>
-          <a:lstStyle/>
-          <a:p>
-            <a:pPr>
-              <a:defRPr/>
-            </a:pPr>
-            <a:fld id="{BD6E0F59-1DD8-40FC-9C92-B6295CBA6CCA}" type="slidenum">
-              <a:rPr lang="en-US" altLang="zh-CN" smtClean="0"/>
-              <a:pPr>
-                <a:defRPr/>
-              </a:pPr>
-              <a:t>2</a:t>
-            </a:fld>
-            <a:endParaRPr lang="en-US" altLang="zh-CN"/>
-          </a:p>
-        </p:txBody>
-      </p:sp>
-    </p:spTree>
-    <p:extLst>
-      <p:ext uri="{BB962C8B-B14F-4D97-AF65-F5344CB8AC3E}">
-        <p14:creationId xmlns:p14="http://schemas.microsoft.com/office/powerpoint/2010/main" val="3204099515"/>
       </p:ext>
     </p:extLst>
   </p:cSld>
@@ -11354,7 +13759,7 @@
         <p:spPr>
           <a:xfrm>
             <a:off x="457200" y="831574"/>
-            <a:ext cx="8229600" cy="3416576"/>
+            <a:ext cx="8229600" cy="3645176"/>
           </a:xfrm>
         </p:spPr>
         <p:txBody>
@@ -11472,7 +13877,7 @@
             <a:pPr lvl="1"/>
             <a:r>
               <a:rPr lang="en-US" sz="1100" dirty="0"/>
-              <a:t>Moved STAMP support to – </a:t>
+              <a:t>Moved STAMP support to </a:t>
             </a:r>
             <a:r>
               <a:rPr lang="en-US" sz="1100" i="1" dirty="0"/>
@@ -11484,7 +13889,34 @@
             </a:r>
             <a:r>
               <a:rPr lang="en-US" sz="1100" i="1" dirty="0"/>
-              <a:t>--spring-stamp-srpm-00</a:t>
+              <a:t>--spring-</a:t>
+            </a:r>
+            <a:r>
+              <a:rPr lang="en-US" sz="1100" b="1" i="1" dirty="0"/>
+              <a:t>stamp</a:t>
+            </a:r>
+            <a:r>
+              <a:rPr lang="en-US" sz="1100" i="1" dirty="0"/>
+              <a:t>-srpm-00</a:t>
+            </a:r>
+          </a:p>
+          <a:p>
+            <a:pPr lvl="1"/>
+            <a:r>
+              <a:rPr lang="en-US" sz="1100" dirty="0"/>
+              <a:t>Scope TWAMP Light support as informational in </a:t>
+            </a:r>
+            <a:r>
+              <a:rPr lang="en-US" sz="1100" i="1" dirty="0"/>
+              <a:t>draft-gandhi-spring-</a:t>
+            </a:r>
+            <a:r>
+              <a:rPr lang="en-US" sz="1100" b="1" i="1" dirty="0"/>
+              <a:t>twamp</a:t>
+            </a:r>
+            <a:r>
+              <a:rPr lang="en-US" sz="1100" i="1" dirty="0"/>
+              <a:t>-srpm-08 </a:t>
             </a:r>
           </a:p>
         </p:txBody>
@@ -11828,7 +14260,7 @@
         </p:nvSpPr>
         <p:spPr>
           <a:xfrm>
-            <a:off x="294861" y="0"/>
+            <a:off x="261523" y="-83105"/>
             <a:ext cx="8686800" cy="857250"/>
           </a:xfrm>
         </p:spPr>
@@ -11934,7 +14366,7 @@
         </p:nvSpPr>
         <p:spPr>
           <a:xfrm>
-            <a:off x="4229100" y="940148"/>
+            <a:off x="4114800" y="871537"/>
             <a:ext cx="4648200" cy="3539430"/>
           </a:xfrm>
           <a:prstGeom prst="rect">
@@ -12208,8 +14640,8 @@
         </p:nvSpPr>
         <p:spPr>
           <a:xfrm>
-            <a:off x="235744" y="1094036"/>
-            <a:ext cx="3733800" cy="3231654"/>
+            <a:off x="195677" y="676752"/>
+            <a:ext cx="3945317" cy="3970318"/>
           </a:xfrm>
           <a:prstGeom prst="rect">
             <a:avLst/>
@@ -12222,7 +14654,7 @@
           <a:lstStyle/>
           <a:p>
             <a:r>
-              <a:rPr lang="en-US" sz="1200" b="1" dirty="0">
+              <a:rPr lang="en-US" sz="1400" b="1" dirty="0">
                 <a:solidFill>
                   <a:schemeClr val="tx2"/>
                 </a:solidFill>
@@ -12233,7 +14665,7 @@
             </a:r>
           </a:p>
           <a:p>
-            <a:endParaRPr lang="en-US" sz="1200" dirty="0">
+            <a:endParaRPr lang="en-US" sz="1400" dirty="0">
               <a:solidFill>
                 <a:schemeClr val="tx2"/>
               </a:solidFill>
@@ -12243,7 +14675,7 @@
           </a:p>
           <a:p>
             <a:r>
-              <a:rPr lang="en-US" sz="1200" dirty="0">
+              <a:rPr lang="en-US" sz="1400" dirty="0">
                 <a:solidFill>
                   <a:schemeClr val="tx2"/>
                 </a:solidFill>
@@ -12255,7 +14687,7 @@
           </a:p>
           <a:p>
             <a:r>
-              <a:rPr lang="en-US" sz="1200" dirty="0">
+              <a:rPr lang="en-US" sz="1400" dirty="0">
                 <a:solidFill>
                   <a:schemeClr val="tx2"/>
                 </a:solidFill>
@@ -12266,7 +14698,7 @@
             </a:r>
           </a:p>
           <a:p>
-            <a:endParaRPr lang="en-US" sz="1200" dirty="0">
+            <a:endParaRPr lang="en-US" sz="1400" dirty="0">
               <a:solidFill>
                 <a:schemeClr val="tx2"/>
               </a:solidFill>
@@ -12276,7 +14708,7 @@
           </a:p>
           <a:p>
             <a:r>
-              <a:rPr lang="en-US" sz="1200" dirty="0">
+              <a:rPr lang="en-US" sz="1400" dirty="0">
                 <a:solidFill>
                   <a:schemeClr val="tx2"/>
                 </a:solidFill>
@@ -12288,19 +14720,19 @@
           </a:p>
           <a:p>
             <a:r>
-              <a:rPr lang="en-US" sz="1200" dirty="0">
+              <a:rPr lang="en-US" sz="1400" dirty="0">
                 <a:solidFill>
                   <a:schemeClr val="tx2"/>
                 </a:solidFill>
                 <a:latin typeface="Calibri" panose="020F0502020204030204" pitchFamily="34" charset="0"/>
                 <a:cs typeface="Calibri" panose="020F0502020204030204" pitchFamily="34" charset="0"/>
               </a:rPr>
-              <a:t>Indicates that this query has been sent over a bidirectional path and the probe response is required over the same path in the reverse direction. </a:t>
-            </a:r>
-          </a:p>
-          <a:p>
-            <a:r>
-              <a:rPr lang="en-US" sz="1200" dirty="0">
+              <a:t>Indicates that this query has been sent over a bidirectional path and the probe response is required over the same path in reverse direction. </a:t>
+            </a:r>
+          </a:p>
+          <a:p>
+            <a:r>
+              <a:rPr lang="en-US" sz="1400" dirty="0">
                 <a:solidFill>
                   <a:schemeClr val="tx2"/>
                 </a:solidFill>
@@ -12311,7 +14743,7 @@
             </a:r>
           </a:p>
           <a:p>
-            <a:endParaRPr lang="en-US" sz="1200" dirty="0">
+            <a:endParaRPr lang="en-US" sz="1400" dirty="0">
               <a:solidFill>
                 <a:schemeClr val="tx2"/>
               </a:solidFill>
@@ -12321,7 +14753,7 @@
           </a:p>
           <a:p>
             <a:r>
-              <a:rPr lang="en-US" sz="1200" b="1" dirty="0">
+              <a:rPr lang="en-US" sz="1400" b="1" dirty="0">
                 <a:solidFill>
                   <a:schemeClr val="tx2"/>
                 </a:solidFill>
@@ -12332,7 +14764,7 @@
             </a:r>
           </a:p>
           <a:p>
-            <a:endParaRPr lang="en-US" sz="1200" dirty="0">
+            <a:endParaRPr lang="en-US" sz="1400" dirty="0">
               <a:solidFill>
                 <a:schemeClr val="tx2"/>
               </a:solidFill>
@@ -12342,7 +14774,7 @@
           </a:p>
           <a:p>
             <a:r>
-              <a:rPr lang="en-US" sz="1200" dirty="0">
+              <a:rPr lang="en-US" sz="1400" dirty="0">
                 <a:solidFill>
                   <a:schemeClr val="tx2"/>
                 </a:solidFill>
@@ -12354,7 +14786,7 @@
           </a:p>
           <a:p>
             <a:r>
-              <a:rPr lang="en-US" sz="1200" dirty="0">
+              <a:rPr lang="en-US" sz="1400" dirty="0">
                 <a:solidFill>
                   <a:schemeClr val="tx2"/>
                 </a:solidFill>
@@ -12366,14 +14798,14 @@
           </a:p>
           <a:p>
             <a:r>
-              <a:rPr lang="en-US" sz="1200" dirty="0">
+              <a:rPr lang="en-US" sz="1400" dirty="0">
                 <a:solidFill>
                   <a:schemeClr val="tx2"/>
                 </a:solidFill>
                 <a:latin typeface="Calibri" panose="020F0502020204030204" pitchFamily="34" charset="0"/>
                 <a:cs typeface="Calibri" panose="020F0502020204030204" pitchFamily="34" charset="0"/>
               </a:rPr>
-              <a:t>0xN: Additional Error will be defined in future</a:t>
+              <a:t>0xN: Additional Error will be defined in future.</a:t>
             </a:r>
           </a:p>
         </p:txBody>
@@ -12394,7 +14826,7 @@
         </p:nvCxnSpPr>
         <p:spPr>
           <a:xfrm>
-            <a:off x="4229100" y="2647950"/>
+            <a:off x="4114800" y="2579339"/>
             <a:ext cx="4648200" cy="0"/>
           </a:xfrm>
           <a:prstGeom prst="line">

--- a/draft-gandhi-spring-stamp-srpm-00.pptx
+++ b/draft-gandhi-spring-stamp-srpm-00.pptx
@@ -2747,7 +2747,7 @@
               </a14:hiddenLine>
             </a:ext>
             <a:ext uri="{FAA26D3D-D897-4be2-8F04-BA451C77F1D7}">
-              <ma14:placeholderFlag xmlns="" xmlns:ma14="http://schemas.microsoft.com/office/mac/drawingml/2011/main" val="1"/>
+              <ma14:placeholderFlag xmlns:ma14="http://schemas.microsoft.com/office/mac/drawingml/2011/main" xmlns="" val="1"/>
             </a:ext>
           </a:extLst>
         </p:spPr>
@@ -9633,7 +9633,7 @@
                 <a:ea typeface="Courier" charset="0"/>
                 <a:cs typeface="Courier" charset="0"/>
               </a:rPr>
-              <a:t>User-configured Port for Delay Measurement</a:t>
+              <a:t>User-configured Port                      </a:t>
             </a:r>
             <a:r>
               <a:rPr lang="en-US" sz="1000" dirty="0">

--- a/draft-gandhi-spring-stamp-srpm-00.pptx
+++ b/draft-gandhi-spring-stamp-srpm-00.pptx
@@ -9686,7 +9686,7 @@
                 <a:ea typeface="Courier" charset="0"/>
                 <a:cs typeface="Courier" charset="0"/>
               </a:rPr>
-              <a:t>| Payload = DM Message |                                        |</a:t>
+              <a:t>| Payload = DM Message for Query |                              |</a:t>
             </a:r>
           </a:p>
           <a:p>
@@ -9701,7 +9701,7 @@
                 <a:ea typeface="Courier" charset="0"/>
                 <a:cs typeface="Courier" charset="0"/>
               </a:rPr>
-              <a:t>. Payload = LM Message                                          .</a:t>
+              <a:t>. Payload = LM Message for Query                                .</a:t>
             </a:r>
           </a:p>
           <a:p>
@@ -9899,8 +9899,8 @@
         </p:nvSpPr>
         <p:spPr>
           <a:xfrm>
-            <a:off x="4191000" y="243334"/>
-            <a:ext cx="4724400" cy="4247317"/>
+            <a:off x="4169569" y="263426"/>
+            <a:ext cx="4724400" cy="2308324"/>
           </a:xfrm>
           <a:prstGeom prst="rect">
             <a:avLst/>
@@ -10034,7 +10034,7 @@
                 <a:ea typeface="Courier" charset="0"/>
                 <a:cs typeface="Courier" charset="0"/>
               </a:rPr>
-              <a:t>|   Message for DM or LM                                        |</a:t>
+              <a:t>|   Message for DM or LM Query                                  |</a:t>
             </a:r>
           </a:p>
           <a:p>
@@ -10075,146 +10075,6 @@
                 <a:cs typeface="Courier" charset="0"/>
               </a:rPr>
               <a:t>         Figure: Probe Query Message for SR-MPLS Policy</a:t>
-            </a:r>
-          </a:p>
-          <a:p>
-            <a:r>
-              <a:rPr lang="en-US" sz="900" dirty="0">
-                <a:latin typeface="Courier" charset="0"/>
-                <a:ea typeface="Courier" charset="0"/>
-                <a:cs typeface="Courier" charset="0"/>
-              </a:rPr>
-              <a:t> </a:t>
-            </a:r>
-          </a:p>
-          <a:p>
-            <a:r>
-              <a:rPr lang="en-US" sz="900" dirty="0">
-                <a:latin typeface="Courier" charset="0"/>
-                <a:ea typeface="Courier" charset="0"/>
-                <a:cs typeface="Courier" charset="0"/>
-              </a:rPr>
-              <a:t> </a:t>
-            </a:r>
-          </a:p>
-          <a:p>
-            <a:r>
-              <a:rPr lang="en-US" sz="900" dirty="0">
-                <a:latin typeface="Courier" charset="0"/>
-                <a:ea typeface="Courier" charset="0"/>
-                <a:cs typeface="Courier" charset="0"/>
-              </a:rPr>
-              <a:t>0                   1                   2                   3</a:t>
-            </a:r>
-          </a:p>
-          <a:p>
-            <a:r>
-              <a:rPr lang="en-US" sz="900" dirty="0">
-                <a:latin typeface="Courier" charset="0"/>
-                <a:ea typeface="Courier" charset="0"/>
-                <a:cs typeface="Courier" charset="0"/>
-              </a:rPr>
-              <a:t>0 1 2 3 4 5 6 7 8 9 0 1 2 3 4 5 6 7 8 9 0 1 2 3 4 5 6 7 8 9 0 1</a:t>
-            </a:r>
-          </a:p>
-          <a:p>
-            <a:r>
-              <a:rPr lang="en-US" sz="900" dirty="0">
-                <a:latin typeface="Courier" charset="0"/>
-                <a:ea typeface="Courier" charset="0"/>
-                <a:cs typeface="Courier" charset="0"/>
-              </a:rPr>
-              <a:t>+-+-+-+-+-+-+-+-+-+-+-+-+-+-+-+-+-+-+-+-+-+-+-+-+-+-+-+-+-+-+-+-+</a:t>
-            </a:r>
-          </a:p>
-          <a:p>
-            <a:r>
-              <a:rPr lang="en-US" sz="900" dirty="0">
-                <a:latin typeface="Courier" charset="0"/>
-                <a:ea typeface="Courier" charset="0"/>
-                <a:cs typeface="Courier" charset="0"/>
-              </a:rPr>
-              <a:t>|                           SRH                                 |</a:t>
-            </a:r>
-          </a:p>
-          <a:p>
-            <a:r>
-              <a:rPr lang="en-US" sz="900" dirty="0">
-                <a:latin typeface="Courier" charset="0"/>
-                <a:ea typeface="Courier" charset="0"/>
-                <a:cs typeface="Courier" charset="0"/>
-              </a:rPr>
-              <a:t>.                                                               .</a:t>
-            </a:r>
-          </a:p>
-          <a:p>
-            <a:r>
-              <a:rPr lang="en-US" sz="900" dirty="0">
-                <a:latin typeface="Courier" charset="0"/>
-                <a:ea typeface="Courier" charset="0"/>
-                <a:cs typeface="Courier" charset="0"/>
-              </a:rPr>
-              <a:t>+-+-+-+-+-+-+-+-+-+-+-+-+-+-+-+-+-+-+-+-+-+-+-+-+-+-+-+-+-+-+-+-+</a:t>
-            </a:r>
-          </a:p>
-          <a:p>
-            <a:r>
-              <a:rPr lang="en-US" sz="900" dirty="0">
-                <a:latin typeface="Courier" charset="0"/>
-                <a:ea typeface="Courier" charset="0"/>
-                <a:cs typeface="Courier" charset="0"/>
-              </a:rPr>
-              <a:t>|   Message for DM or LM                                        |</a:t>
-            </a:r>
-          </a:p>
-          <a:p>
-            <a:r>
-              <a:rPr lang="en-US" sz="900" dirty="0">
-                <a:latin typeface="Courier" charset="0"/>
-                <a:ea typeface="Courier" charset="0"/>
-                <a:cs typeface="Courier" charset="0"/>
-              </a:rPr>
-              <a:t>.   (Using IPv6 Addresses)                                      .</a:t>
-            </a:r>
-          </a:p>
-          <a:p>
-            <a:r>
-              <a:rPr lang="en-US" sz="900" dirty="0">
-                <a:latin typeface="Courier" charset="0"/>
-                <a:ea typeface="Courier" charset="0"/>
-                <a:cs typeface="Courier" charset="0"/>
-              </a:rPr>
-              <a:t>.                                                               .</a:t>
-            </a:r>
-          </a:p>
-          <a:p>
-            <a:r>
-              <a:rPr lang="en-US" sz="900" dirty="0">
-                <a:latin typeface="Courier" charset="0"/>
-                <a:ea typeface="Courier" charset="0"/>
-                <a:cs typeface="Courier" charset="0"/>
-              </a:rPr>
-              <a:t>+---------------------------------------------------------------+</a:t>
-            </a:r>
-          </a:p>
-          <a:p>
-            <a:r>
-              <a:rPr lang="en-US" sz="900" dirty="0">
-                <a:latin typeface="Courier" charset="0"/>
-                <a:ea typeface="Courier" charset="0"/>
-                <a:cs typeface="Courier" charset="0"/>
-              </a:rPr>
-              <a:t> </a:t>
-            </a:r>
-          </a:p>
-          <a:p>
-            <a:r>
-              <a:rPr lang="en-US" sz="900" dirty="0">
-                <a:latin typeface="Courier" charset="0"/>
-                <a:ea typeface="Courier" charset="0"/>
-                <a:cs typeface="Courier" charset="0"/>
-              </a:rPr>
-              <a:t>          Figure: Probe Query Message for SRv6 Policy</a:t>
             </a:r>
           </a:p>
         </p:txBody>
@@ -10476,50 +10336,160 @@
           </a:p>
         </p:txBody>
       </p:sp>
-      <p:cxnSp>
-        <p:nvCxnSpPr>
-          <p:cNvPr id="8" name="Straight Connector 7">
+      <p:sp>
+        <p:nvSpPr>
+          <p:cNvPr id="9" name="Rectangle 8">
             <a:extLst>
               <a:ext uri="{FF2B5EF4-FFF2-40B4-BE49-F238E27FC236}">
-                <a16:creationId xmlns:a16="http://schemas.microsoft.com/office/drawing/2014/main" id="{7A63617F-26D6-E64C-98B9-346A9686E76B}"/>
+                <a16:creationId xmlns:a16="http://schemas.microsoft.com/office/drawing/2014/main" id="{160F96A1-646E-FF46-8FB4-8962B822EE32}"/>
               </a:ext>
             </a:extLst>
           </p:cNvPr>
-          <p:cNvCxnSpPr/>
+          <p:cNvSpPr/>
           <p:nvPr/>
-        </p:nvCxnSpPr>
+        </p:nvSpPr>
         <p:spPr>
           <a:xfrm>
-            <a:off x="4191000" y="2571750"/>
-            <a:ext cx="4724400" cy="0"/>
+            <a:off x="4169569" y="2782872"/>
+            <a:ext cx="4724400" cy="1754326"/>
           </a:xfrm>
-          <a:prstGeom prst="line">
+          <a:prstGeom prst="rect">
             <a:avLst/>
           </a:prstGeom>
-          <a:ln w="19050">
-            <a:solidFill>
-              <a:schemeClr val="tx1">
-                <a:lumMod val="50000"/>
-                <a:lumOff val="50000"/>
-              </a:schemeClr>
-            </a:solidFill>
-          </a:ln>
+          <a:solidFill>
+            <a:schemeClr val="accent6">
+              <a:lumMod val="20000"/>
+              <a:lumOff val="80000"/>
+            </a:schemeClr>
+          </a:solidFill>
         </p:spPr>
-        <p:style>
-          <a:lnRef idx="1">
-            <a:schemeClr val="accent1"/>
-          </a:lnRef>
-          <a:fillRef idx="0">
-            <a:schemeClr val="accent1"/>
-          </a:fillRef>
-          <a:effectRef idx="0">
-            <a:schemeClr val="accent1"/>
-          </a:effectRef>
-          <a:fontRef idx="minor">
-            <a:schemeClr val="tx1"/>
-          </a:fontRef>
-        </p:style>
-      </p:cxnSp>
+        <p:txBody>
+          <a:bodyPr wrap="square">
+            <a:spAutoFit/>
+          </a:bodyPr>
+          <a:lstStyle/>
+          <a:p>
+            <a:r>
+              <a:rPr lang="en-US" sz="900" dirty="0">
+                <a:latin typeface="Courier" charset="0"/>
+                <a:ea typeface="Courier" charset="0"/>
+                <a:cs typeface="Courier" charset="0"/>
+              </a:rPr>
+              <a:t>0                   1                   2                   3</a:t>
+            </a:r>
+          </a:p>
+          <a:p>
+            <a:r>
+              <a:rPr lang="en-US" sz="900" dirty="0">
+                <a:latin typeface="Courier" charset="0"/>
+                <a:ea typeface="Courier" charset="0"/>
+                <a:cs typeface="Courier" charset="0"/>
+              </a:rPr>
+              <a:t>0 1 2 3 4 5 6 7 8 9 0 1 2 3 4 5 6 7 8 9 0 1 2 3 4 5 6 7 8 9 0 1</a:t>
+            </a:r>
+          </a:p>
+          <a:p>
+            <a:r>
+              <a:rPr lang="en-US" sz="900" dirty="0">
+                <a:latin typeface="Courier" charset="0"/>
+                <a:ea typeface="Courier" charset="0"/>
+                <a:cs typeface="Courier" charset="0"/>
+              </a:rPr>
+              <a:t>+-+-+-+-+-+-+-+-+-+-+-+-+-+-+-+-+-+-+-+-+-+-+-+-+-+-+-+-+-+-+-+-+</a:t>
+            </a:r>
+          </a:p>
+          <a:p>
+            <a:r>
+              <a:rPr lang="en-US" sz="900" dirty="0">
+                <a:latin typeface="Courier" charset="0"/>
+                <a:ea typeface="Courier" charset="0"/>
+                <a:cs typeface="Courier" charset="0"/>
+              </a:rPr>
+              <a:t>|                           SRH                                 |</a:t>
+            </a:r>
+          </a:p>
+          <a:p>
+            <a:r>
+              <a:rPr lang="en-US" sz="900" dirty="0">
+                <a:latin typeface="Courier" charset="0"/>
+                <a:ea typeface="Courier" charset="0"/>
+                <a:cs typeface="Courier" charset="0"/>
+              </a:rPr>
+              <a:t>.                                                               .</a:t>
+            </a:r>
+          </a:p>
+          <a:p>
+            <a:r>
+              <a:rPr lang="en-US" sz="900" dirty="0">
+                <a:latin typeface="Courier" charset="0"/>
+                <a:ea typeface="Courier" charset="0"/>
+                <a:cs typeface="Courier" charset="0"/>
+              </a:rPr>
+              <a:t>+-+-+-+-+-+-+-+-+-+-+-+-+-+-+-+-+-+-+-+-+-+-+-+-+-+-+-+-+-+-+-+-+</a:t>
+            </a:r>
+          </a:p>
+          <a:p>
+            <a:r>
+              <a:rPr lang="en-US" sz="900" dirty="0">
+                <a:latin typeface="Courier" charset="0"/>
+                <a:ea typeface="Courier" charset="0"/>
+                <a:cs typeface="Courier" charset="0"/>
+              </a:rPr>
+              <a:t>|   Message for DM or LM Query                                  |</a:t>
+            </a:r>
+          </a:p>
+          <a:p>
+            <a:r>
+              <a:rPr lang="en-US" sz="900" dirty="0">
+                <a:latin typeface="Courier" charset="0"/>
+                <a:ea typeface="Courier" charset="0"/>
+                <a:cs typeface="Courier" charset="0"/>
+              </a:rPr>
+              <a:t>.   (Using IPv6 Addresses)                                      .</a:t>
+            </a:r>
+          </a:p>
+          <a:p>
+            <a:r>
+              <a:rPr lang="en-US" sz="900" dirty="0">
+                <a:latin typeface="Courier" charset="0"/>
+                <a:ea typeface="Courier" charset="0"/>
+                <a:cs typeface="Courier" charset="0"/>
+              </a:rPr>
+              <a:t>.                                                               .</a:t>
+            </a:r>
+          </a:p>
+          <a:p>
+            <a:r>
+              <a:rPr lang="en-US" sz="900" dirty="0">
+                <a:latin typeface="Courier" charset="0"/>
+                <a:ea typeface="Courier" charset="0"/>
+                <a:cs typeface="Courier" charset="0"/>
+              </a:rPr>
+              <a:t>+---------------------------------------------------------------+</a:t>
+            </a:r>
+          </a:p>
+          <a:p>
+            <a:r>
+              <a:rPr lang="en-US" sz="900" dirty="0">
+                <a:latin typeface="Courier" charset="0"/>
+                <a:ea typeface="Courier" charset="0"/>
+                <a:cs typeface="Courier" charset="0"/>
+              </a:rPr>
+              <a:t> </a:t>
+            </a:r>
+          </a:p>
+          <a:p>
+            <a:r>
+              <a:rPr lang="en-US" sz="900" dirty="0">
+                <a:latin typeface="Courier" charset="0"/>
+                <a:ea typeface="Courier" charset="0"/>
+                <a:cs typeface="Courier" charset="0"/>
+              </a:rPr>
+              <a:t>          Figure: Probe Query Message for SRv6 Policy</a:t>
+            </a:r>
+          </a:p>
+        </p:txBody>
+      </p:sp>
     </p:spTree>
     <p:extLst>
       <p:ext uri="{BB962C8B-B14F-4D97-AF65-F5344CB8AC3E}">
@@ -10648,7 +10618,7 @@
         </p:nvSpPr>
         <p:spPr>
           <a:xfrm>
-            <a:off x="1524000" y="1632681"/>
+            <a:off x="1676400" y="1618759"/>
             <a:ext cx="5562600" cy="2862322"/>
           </a:xfrm>
           <a:prstGeom prst="rect">
@@ -10780,7 +10750,7 @@
                 <a:latin typeface="Courier" pitchFamily="2" charset="0"/>
                 <a:cs typeface="Courier New" panose="02070309020205020404" pitchFamily="49" charset="0"/>
               </a:rPr>
-              <a:t>    | DM Payload  |                                                 |</a:t>
+              <a:t>    | DM Response Payload  |                                        |</a:t>
             </a:r>
           </a:p>
           <a:p>
@@ -10789,7 +10759,7 @@
                 <a:latin typeface="Courier" pitchFamily="2" charset="0"/>
                 <a:cs typeface="Courier New" panose="02070309020205020404" pitchFamily="49" charset="0"/>
               </a:rPr>
-              <a:t>    . LM Payload                                                    .</a:t>
+              <a:t>    . LM Response Payload                                           .</a:t>
             </a:r>
           </a:p>
           <a:p>
@@ -10999,7 +10969,7 @@
             </a:pPr>
             <a:r>
               <a:rPr lang="en-US" sz="1800" dirty="0"/>
-              <a:t>For IPv4 and IPv6</a:t>
+              <a:t>For IPv4</a:t>
             </a:r>
           </a:p>
           <a:p>
@@ -11013,7 +10983,35 @@
             </a:pPr>
             <a:r>
               <a:rPr lang="en-US" sz="1800" dirty="0"/>
-              <a:t>Destination addresses in IP header (e.g. 127/8 for IPv4 and FFFF:7F00/104 for IPv6)</a:t>
+              <a:t>Destination addresses in IP header (e.g. 127/8)</a:t>
+            </a:r>
+          </a:p>
+          <a:p>
+            <a:pPr lvl="1">
+              <a:lnSpc>
+                <a:spcPts val="2280"/>
+              </a:lnSpc>
+              <a:spcBef>
+                <a:spcPts val="0"/>
+              </a:spcBef>
+            </a:pPr>
+            <a:r>
+              <a:rPr lang="en-US" sz="1800" dirty="0"/>
+              <a:t>For IPv6</a:t>
+            </a:r>
+          </a:p>
+          <a:p>
+            <a:pPr lvl="2">
+              <a:lnSpc>
+                <a:spcPts val="2280"/>
+              </a:lnSpc>
+              <a:spcBef>
+                <a:spcPts val="0"/>
+              </a:spcBef>
+            </a:pPr>
+            <a:r>
+              <a:rPr lang="en-US" sz="1800" dirty="0"/>
+              <a:t>Destination addresses in IP header (e.g. FFFF:7F00/104)</a:t>
             </a:r>
           </a:p>
           <a:p>
@@ -14366,8 +14364,8 @@
         </p:nvSpPr>
         <p:spPr>
           <a:xfrm>
-            <a:off x="4114800" y="871537"/>
-            <a:ext cx="4648200" cy="3539430"/>
+            <a:off x="4300123" y="850105"/>
+            <a:ext cx="4648200" cy="1815882"/>
           </a:xfrm>
           <a:prstGeom prst="rect">
             <a:avLst/>
@@ -14493,136 +14491,8 @@
               <a:rPr lang="en-CA" sz="800" dirty="0">
                 <a:latin typeface="Courier" pitchFamily="2" charset="0"/>
               </a:rPr>
-              <a:t> </a:t>
-            </a:r>
-          </a:p>
-          <a:p>
-            <a:r>
-              <a:rPr lang="en-CA" sz="800" dirty="0">
-                <a:latin typeface="Courier" pitchFamily="2" charset="0"/>
-              </a:rPr>
-              <a:t> </a:t>
-            </a:r>
-          </a:p>
-          <a:p>
-            <a:r>
-              <a:rPr lang="en-CA" sz="800" dirty="0">
-                <a:latin typeface="Courier" pitchFamily="2" charset="0"/>
-              </a:rPr>
-              <a:t>    .                                                               .</a:t>
-            </a:r>
-          </a:p>
-          <a:p>
-            <a:r>
-              <a:rPr lang="en-CA" sz="800" dirty="0">
-                <a:latin typeface="Courier" pitchFamily="2" charset="0"/>
-              </a:rPr>
-              <a:t>    .                                                               .</a:t>
-            </a:r>
-          </a:p>
-          <a:p>
-            <a:r>
-              <a:rPr lang="en-CA" sz="800" dirty="0">
-                <a:latin typeface="Courier" pitchFamily="2" charset="0"/>
-              </a:rPr>
-              <a:t>    +-+-+-+-+-+-+-+-+-+-+-+-+-+-+-+-+-+-+-+-+-+-+-+-+-+-+-+-+-+-+-+-+</a:t>
-            </a:r>
-          </a:p>
-          <a:p>
-            <a:r>
-              <a:rPr lang="en-CA" sz="800" dirty="0">
-                <a:latin typeface="Courier" pitchFamily="2" charset="0"/>
-              </a:rPr>
-              <a:t>    | Session-Sender Error Estimate | MBZ           |Re Control Code|</a:t>
-            </a:r>
-          </a:p>
-          <a:p>
-            <a:r>
-              <a:rPr lang="en-CA" sz="800" dirty="0">
-                <a:latin typeface="Courier" pitchFamily="2" charset="0"/>
-              </a:rPr>
-              <a:t>    +-+-+-+-+-+-+-+-+-+-+-+-+-+-+-+-+-+-+-+-+-+-+-+-+-+-+-+-+-+-+-+-+</a:t>
-            </a:r>
-          </a:p>
-          <a:p>
-            <a:r>
-              <a:rPr lang="en-CA" sz="800" dirty="0">
-                <a:latin typeface="Courier" pitchFamily="2" charset="0"/>
-              </a:rPr>
-              <a:t>    |</a:t>
-            </a:r>
-            <a:r>
-              <a:rPr lang="en-CA" sz="800" dirty="0" err="1">
-                <a:latin typeface="Courier" pitchFamily="2" charset="0"/>
-              </a:rPr>
-              <a:t>Ses</a:t>
-            </a:r>
-            <a:r>
-              <a:rPr lang="en-CA" sz="800" dirty="0">
-                <a:latin typeface="Courier" pitchFamily="2" charset="0"/>
-              </a:rPr>
-              <a:t>-Sender TTL |                 MBZ                           |</a:t>
-            </a:r>
-          </a:p>
-          <a:p>
-            <a:r>
-              <a:rPr lang="en-CA" sz="800" dirty="0">
-                <a:latin typeface="Courier" pitchFamily="2" charset="0"/>
-              </a:rPr>
-              <a:t>    +-+-+-+-+-+-+-+-+-+-+-+-+-+-+-+-+-+-+-+-+-+-+-+-+-+-+-+-+-+-+-+-+</a:t>
-            </a:r>
-          </a:p>
-          <a:p>
-            <a:r>
-              <a:rPr lang="en-CA" sz="800" dirty="0">
-                <a:latin typeface="Courier" pitchFamily="2" charset="0"/>
-              </a:rPr>
-              <a:t>    .                                                               .</a:t>
-            </a:r>
-          </a:p>
-          <a:p>
-            <a:r>
-              <a:rPr lang="en-CA" sz="800" dirty="0">
-                <a:latin typeface="Courier" pitchFamily="2" charset="0"/>
-              </a:rPr>
-              <a:t>    .                                                               .</a:t>
-            </a:r>
-          </a:p>
-          <a:p>
-            <a:r>
-              <a:rPr lang="en-CA" sz="800" dirty="0">
-                <a:latin typeface="Courier" pitchFamily="2" charset="0"/>
-              </a:rPr>
-              <a:t> </a:t>
-            </a:r>
-          </a:p>
-          <a:p>
-            <a:r>
-              <a:rPr lang="en-CA" sz="800" dirty="0">
-                <a:latin typeface="Courier" pitchFamily="2" charset="0"/>
-              </a:rPr>
-              <a:t> </a:t>
-            </a:r>
-          </a:p>
-          <a:p>
-            <a:r>
-              <a:rPr lang="en-CA" sz="800" dirty="0">
-                <a:latin typeface="Courier" pitchFamily="2" charset="0"/>
-              </a:rPr>
-              <a:t>      Figure 6: Sender and Reflector Control Code in STAMP DM Message</a:t>
-            </a:r>
-          </a:p>
-          <a:p>
-            <a:r>
-              <a:rPr lang="en-CA" sz="800" dirty="0">
-                <a:latin typeface="Courier" pitchFamily="2" charset="0"/>
-              </a:rPr>
-              <a:t> </a:t>
-            </a:r>
-            <a:endParaRPr lang="en-US" sz="800" dirty="0">
-              <a:latin typeface="Courier" pitchFamily="2" charset="0"/>
-              <a:cs typeface="Courier New" panose="02070309020205020404" pitchFamily="49" charset="0"/>
-            </a:endParaRPr>
+              <a:t>            Figure 6: Sender Control Code in STAMP DM Message</a:t>
+            </a:r>
           </a:p>
         </p:txBody>
       </p:sp>
@@ -14810,52 +14680,160 @@
           </a:p>
         </p:txBody>
       </p:sp>
-      <p:cxnSp>
-        <p:nvCxnSpPr>
-          <p:cNvPr id="8" name="Straight Connector 7">
+      <p:sp>
+        <p:nvSpPr>
+          <p:cNvPr id="9" name="Rectangle 8">
             <a:extLst>
               <a:ext uri="{FF2B5EF4-FFF2-40B4-BE49-F238E27FC236}">
-                <a16:creationId xmlns:a16="http://schemas.microsoft.com/office/drawing/2014/main" id="{F1DD38BA-BD9C-FD4A-AB59-1423FBF70536}"/>
+                <a16:creationId xmlns:a16="http://schemas.microsoft.com/office/drawing/2014/main" id="{9C7371AF-F957-2941-AF40-6119D5511EDD}"/>
               </a:ext>
             </a:extLst>
           </p:cNvPr>
-          <p:cNvCxnSpPr>
-            <a:cxnSpLocks/>
-          </p:cNvCxnSpPr>
+          <p:cNvSpPr/>
           <p:nvPr/>
-        </p:nvCxnSpPr>
+        </p:nvSpPr>
         <p:spPr>
           <a:xfrm>
-            <a:off x="4114800" y="2579339"/>
-            <a:ext cx="4648200" cy="0"/>
+            <a:off x="4300123" y="2875123"/>
+            <a:ext cx="4648200" cy="1692771"/>
           </a:xfrm>
-          <a:prstGeom prst="line">
+          <a:prstGeom prst="rect">
             <a:avLst/>
           </a:prstGeom>
-          <a:ln w="19050">
-            <a:solidFill>
-              <a:schemeClr val="tx1">
-                <a:lumMod val="50000"/>
-                <a:lumOff val="50000"/>
-              </a:schemeClr>
-            </a:solidFill>
-          </a:ln>
+          <a:solidFill>
+            <a:schemeClr val="accent6">
+              <a:lumMod val="20000"/>
+              <a:lumOff val="80000"/>
+            </a:schemeClr>
+          </a:solidFill>
         </p:spPr>
-        <p:style>
-          <a:lnRef idx="1">
-            <a:schemeClr val="accent1"/>
-          </a:lnRef>
-          <a:fillRef idx="0">
-            <a:schemeClr val="accent1"/>
-          </a:fillRef>
-          <a:effectRef idx="0">
-            <a:schemeClr val="accent1"/>
-          </a:effectRef>
-          <a:fontRef idx="minor">
-            <a:schemeClr val="tx1"/>
-          </a:fontRef>
-        </p:style>
-      </p:cxnSp>
+        <p:txBody>
+          <a:bodyPr wrap="square">
+            <a:spAutoFit/>
+          </a:bodyPr>
+          <a:lstStyle/>
+          <a:p>
+            <a:r>
+              <a:rPr lang="en-CA" sz="800" dirty="0">
+                <a:latin typeface="Courier" pitchFamily="2" charset="0"/>
+              </a:rPr>
+              <a:t>    .                                                               .</a:t>
+            </a:r>
+          </a:p>
+          <a:p>
+            <a:r>
+              <a:rPr lang="en-CA" sz="800" dirty="0">
+                <a:latin typeface="Courier" pitchFamily="2" charset="0"/>
+              </a:rPr>
+              <a:t>    .                                                               .</a:t>
+            </a:r>
+          </a:p>
+          <a:p>
+            <a:r>
+              <a:rPr lang="en-CA" sz="800" dirty="0">
+                <a:latin typeface="Courier" pitchFamily="2" charset="0"/>
+              </a:rPr>
+              <a:t>    +-+-+-+-+-+-+-+-+-+-+-+-+-+-+-+-+-+-+-+-+-+-+-+-+-+-+-+-+-+-+-+-+</a:t>
+            </a:r>
+          </a:p>
+          <a:p>
+            <a:r>
+              <a:rPr lang="en-CA" sz="800" dirty="0">
+                <a:latin typeface="Courier" pitchFamily="2" charset="0"/>
+              </a:rPr>
+              <a:t>    | Session-Sender Error Estimate | MBZ           |Re Control Code|</a:t>
+            </a:r>
+          </a:p>
+          <a:p>
+            <a:r>
+              <a:rPr lang="en-CA" sz="800" dirty="0">
+                <a:latin typeface="Courier" pitchFamily="2" charset="0"/>
+              </a:rPr>
+              <a:t>    +-+-+-+-+-+-+-+-+-+-+-+-+-+-+-+-+-+-+-+-+-+-+-+-+-+-+-+-+-+-+-+-+</a:t>
+            </a:r>
+          </a:p>
+          <a:p>
+            <a:r>
+              <a:rPr lang="en-CA" sz="800" dirty="0">
+                <a:latin typeface="Courier" pitchFamily="2" charset="0"/>
+              </a:rPr>
+              <a:t>    |</a:t>
+            </a:r>
+            <a:r>
+              <a:rPr lang="en-CA" sz="800" dirty="0" err="1">
+                <a:latin typeface="Courier" pitchFamily="2" charset="0"/>
+              </a:rPr>
+              <a:t>Ses</a:t>
+            </a:r>
+            <a:r>
+              <a:rPr lang="en-CA" sz="800" dirty="0">
+                <a:latin typeface="Courier" pitchFamily="2" charset="0"/>
+              </a:rPr>
+              <a:t>-Sender TTL |                 MBZ                           |</a:t>
+            </a:r>
+          </a:p>
+          <a:p>
+            <a:r>
+              <a:rPr lang="en-CA" sz="800" dirty="0">
+                <a:latin typeface="Courier" pitchFamily="2" charset="0"/>
+              </a:rPr>
+              <a:t>    +-+-+-+-+-+-+-+-+-+-+-+-+-+-+-+-+-+-+-+-+-+-+-+-+-+-+-+-+-+-+-+-+</a:t>
+            </a:r>
+          </a:p>
+          <a:p>
+            <a:r>
+              <a:rPr lang="en-CA" sz="800" dirty="0">
+                <a:latin typeface="Courier" pitchFamily="2" charset="0"/>
+              </a:rPr>
+              <a:t>    .                                                               .</a:t>
+            </a:r>
+          </a:p>
+          <a:p>
+            <a:r>
+              <a:rPr lang="en-CA" sz="800" dirty="0">
+                <a:latin typeface="Courier" pitchFamily="2" charset="0"/>
+              </a:rPr>
+              <a:t>    .                                                               .</a:t>
+            </a:r>
+          </a:p>
+          <a:p>
+            <a:r>
+              <a:rPr lang="en-CA" sz="800" dirty="0">
+                <a:latin typeface="Courier" pitchFamily="2" charset="0"/>
+              </a:rPr>
+              <a:t> </a:t>
+            </a:r>
+          </a:p>
+          <a:p>
+            <a:r>
+              <a:rPr lang="en-CA" sz="800" dirty="0">
+                <a:latin typeface="Courier" pitchFamily="2" charset="0"/>
+              </a:rPr>
+              <a:t> </a:t>
+            </a:r>
+          </a:p>
+          <a:p>
+            <a:r>
+              <a:rPr lang="en-CA" sz="800" dirty="0">
+                <a:latin typeface="Courier" pitchFamily="2" charset="0"/>
+              </a:rPr>
+              <a:t>            Figure 6: Reflector Control Code in STAMP DM Message</a:t>
+            </a:r>
+          </a:p>
+          <a:p>
+            <a:r>
+              <a:rPr lang="en-CA" sz="800" dirty="0">
+                <a:latin typeface="Courier" pitchFamily="2" charset="0"/>
+              </a:rPr>
+              <a:t> </a:t>
+            </a:r>
+            <a:endParaRPr lang="en-US" sz="800" dirty="0">
+              <a:latin typeface="Courier" pitchFamily="2" charset="0"/>
+              <a:cs typeface="Courier New" panose="02070309020205020404" pitchFamily="49" charset="0"/>
+            </a:endParaRPr>
+          </a:p>
+        </p:txBody>
+      </p:sp>
     </p:spTree>
     <p:extLst>
       <p:ext uri="{BB962C8B-B14F-4D97-AF65-F5344CB8AC3E}">
@@ -15635,7 +15613,7 @@
         <p:spPr>
           <a:xfrm>
             <a:off x="4343400" y="837063"/>
-            <a:ext cx="4572000" cy="3646809"/>
+            <a:ext cx="4572000" cy="1323439"/>
           </a:xfrm>
           <a:prstGeom prst="rect">
             <a:avLst/>
@@ -15729,153 +15707,6 @@
               <a:t>                      Figure: Return Path TLV</a:t>
             </a:r>
           </a:p>
-          <a:p>
-            <a:endParaRPr lang="en-CA" sz="800" dirty="0">
-              <a:latin typeface="Courier" pitchFamily="2" charset="0"/>
-            </a:endParaRPr>
-          </a:p>
-          <a:p>
-            <a:endParaRPr lang="en-CA" sz="800" dirty="0">
-              <a:latin typeface="Courier" pitchFamily="2" charset="0"/>
-            </a:endParaRPr>
-          </a:p>
-          <a:p>
-            <a:r>
-              <a:rPr lang="en-CA" sz="800" dirty="0">
-                <a:latin typeface="Courier" pitchFamily="2" charset="0"/>
-              </a:rPr>
-              <a:t>    0                   1                   2                   3</a:t>
-            </a:r>
-          </a:p>
-          <a:p>
-            <a:r>
-              <a:rPr lang="en-CA" sz="800" dirty="0">
-                <a:latin typeface="Courier" pitchFamily="2" charset="0"/>
-              </a:rPr>
-              <a:t>    0 1 2 3 4 5 6 7 8 9 0 1 2 3 4 5 6 7 8 9 0 1 2 3 4 5 6 7 8 9 0 1</a:t>
-            </a:r>
-          </a:p>
-          <a:p>
-            <a:r>
-              <a:rPr lang="en-CA" sz="800" dirty="0">
-                <a:latin typeface="Courier" pitchFamily="2" charset="0"/>
-              </a:rPr>
-              <a:t>    +-+-+-+-+-+-+-+-+-+-+-+-+-+-+-+-+-+-+-+-+-+-+-+-+-+-+-+-+-+-+-+-+</a:t>
-            </a:r>
-          </a:p>
-          <a:p>
-            <a:r>
-              <a:rPr lang="en-CA" sz="800" dirty="0">
-                <a:latin typeface="Courier" pitchFamily="2" charset="0"/>
-              </a:rPr>
-              <a:t>    |     Type      |    Length     |      Reserved                 |</a:t>
-            </a:r>
-          </a:p>
-          <a:p>
-            <a:r>
-              <a:rPr lang="en-CA" sz="800" dirty="0">
-                <a:latin typeface="Courier" pitchFamily="2" charset="0"/>
-              </a:rPr>
-              <a:t>    +-+-+-+-+-+-+-+-+-+-+-+-+-+-+-+-+-+-+-+-+-+-+-+-+-+-+-+-+-+-+-+-+</a:t>
-            </a:r>
-          </a:p>
-          <a:p>
-            <a:r>
-              <a:rPr lang="en-CA" sz="800" dirty="0">
-                <a:latin typeface="Courier" pitchFamily="2" charset="0"/>
-              </a:rPr>
-              <a:t>    |                    Segment(1)                                 |</a:t>
-            </a:r>
-          </a:p>
-          <a:p>
-            <a:r>
-              <a:rPr lang="en-CA" sz="800" dirty="0">
-                <a:latin typeface="Courier" pitchFamily="2" charset="0"/>
-              </a:rPr>
-              <a:t>    .                                                               .</a:t>
-            </a:r>
-          </a:p>
-          <a:p>
-            <a:r>
-              <a:rPr lang="en-CA" sz="800" dirty="0">
-                <a:latin typeface="Courier" pitchFamily="2" charset="0"/>
-              </a:rPr>
-              <a:t>    +-+-+-+-+-+-+-+-+-+-+-+-+-+-+-+-+-+-+-+-+-+-+-+-+-+-+-+-+-+-+-+-+</a:t>
-            </a:r>
-          </a:p>
-          <a:p>
-            <a:r>
-              <a:rPr lang="en-CA" sz="800" dirty="0">
-                <a:latin typeface="Courier" pitchFamily="2" charset="0"/>
-              </a:rPr>
-              <a:t>    .                                                               .</a:t>
-            </a:r>
-          </a:p>
-          <a:p>
-            <a:r>
-              <a:rPr lang="en-CA" sz="800" dirty="0">
-                <a:latin typeface="Courier" pitchFamily="2" charset="0"/>
-              </a:rPr>
-              <a:t>    .                                                               .</a:t>
-            </a:r>
-          </a:p>
-          <a:p>
-            <a:r>
-              <a:rPr lang="en-CA" sz="800" dirty="0">
-                <a:latin typeface="Courier" pitchFamily="2" charset="0"/>
-              </a:rPr>
-              <a:t>    .                                                               .</a:t>
-            </a:r>
-          </a:p>
-          <a:p>
-            <a:r>
-              <a:rPr lang="en-CA" sz="800" dirty="0">
-                <a:latin typeface="Courier" pitchFamily="2" charset="0"/>
-              </a:rPr>
-              <a:t>    +-+-+-+-+-+-+-+-+-+-+-+-+-+-+-+-+-+-+-+-+-+-+-+-+-+-+-+-+-+-+-+-+</a:t>
-            </a:r>
-          </a:p>
-          <a:p>
-            <a:r>
-              <a:rPr lang="en-CA" sz="800" dirty="0">
-                <a:latin typeface="Courier" pitchFamily="2" charset="0"/>
-              </a:rPr>
-              <a:t>    |                    Segment(n)                                 |</a:t>
-            </a:r>
-          </a:p>
-          <a:p>
-            <a:r>
-              <a:rPr lang="en-CA" sz="800" dirty="0">
-                <a:latin typeface="Courier" pitchFamily="2" charset="0"/>
-              </a:rPr>
-              <a:t>    .                                                               .</a:t>
-            </a:r>
-          </a:p>
-          <a:p>
-            <a:r>
-              <a:rPr lang="en-CA" sz="800" dirty="0">
-                <a:latin typeface="Courier" pitchFamily="2" charset="0"/>
-              </a:rPr>
-              <a:t>    +-+-+-+-+-+-+-+-+-+-+-+-+-+-+-+-+-+-+-+-+-+-+-+-+-+-+-+-+-+-+-+-+</a:t>
-            </a:r>
-          </a:p>
-          <a:p>
-            <a:endParaRPr lang="en-CA" sz="800" dirty="0">
-              <a:latin typeface="Courier" pitchFamily="2" charset="0"/>
-            </a:endParaRPr>
-          </a:p>
-          <a:p>
-            <a:r>
-              <a:rPr lang="en-CA" sz="800" dirty="0">
-                <a:latin typeface="Courier" pitchFamily="2" charset="0"/>
-              </a:rPr>
-              <a:t>           Figure: Segment List Sub-TLV in Return Path TLV</a:t>
-            </a:r>
-            <a:endParaRPr lang="en-US" sz="800" dirty="0">
-              <a:latin typeface="Courier" pitchFamily="2" charset="0"/>
-              <a:cs typeface="Courier New" panose="02070309020205020404" pitchFamily="49" charset="0"/>
-            </a:endParaRPr>
-          </a:p>
         </p:txBody>
       </p:sp>
       <p:sp>
@@ -16059,45 +15890,177 @@
           </a:p>
         </p:txBody>
       </p:sp>
-      <p:cxnSp>
-        <p:nvCxnSpPr>
-          <p:cNvPr id="8" name="Straight Connector 7">
+      <p:sp>
+        <p:nvSpPr>
+          <p:cNvPr id="9" name="Rectangle 8">
             <a:extLst>
               <a:ext uri="{FF2B5EF4-FFF2-40B4-BE49-F238E27FC236}">
-                <a16:creationId xmlns:a16="http://schemas.microsoft.com/office/drawing/2014/main" id="{2F1CEA71-BC22-954C-B2C3-B1FE7C9F9F75}"/>
+                <a16:creationId xmlns:a16="http://schemas.microsoft.com/office/drawing/2014/main" id="{B04D7E52-9ADA-114D-877F-E1C7CA482275}"/>
               </a:ext>
             </a:extLst>
           </p:cNvPr>
-          <p:cNvCxnSpPr>
-            <a:cxnSpLocks/>
-          </p:cNvCxnSpPr>
+          <p:cNvSpPr/>
           <p:nvPr/>
-        </p:nvCxnSpPr>
+        </p:nvSpPr>
         <p:spPr>
           <a:xfrm>
-            <a:off x="4343400" y="2190750"/>
-            <a:ext cx="4572000" cy="0"/>
+            <a:off x="4343400" y="2385355"/>
+            <a:ext cx="4572000" cy="2185214"/>
           </a:xfrm>
-          <a:prstGeom prst="line">
+          <a:prstGeom prst="rect">
             <a:avLst/>
           </a:prstGeom>
-          <a:ln/>
+          <a:solidFill>
+            <a:schemeClr val="accent6">
+              <a:lumMod val="20000"/>
+              <a:lumOff val="80000"/>
+            </a:schemeClr>
+          </a:solidFill>
         </p:spPr>
-        <p:style>
-          <a:lnRef idx="1">
-            <a:schemeClr val="dk1"/>
-          </a:lnRef>
-          <a:fillRef idx="0">
-            <a:schemeClr val="dk1"/>
-          </a:fillRef>
-          <a:effectRef idx="0">
-            <a:schemeClr val="dk1"/>
-          </a:effectRef>
-          <a:fontRef idx="minor">
-            <a:schemeClr val="tx1"/>
-          </a:fontRef>
-        </p:style>
-      </p:cxnSp>
+        <p:txBody>
+          <a:bodyPr wrap="square">
+            <a:spAutoFit/>
+          </a:bodyPr>
+          <a:lstStyle/>
+          <a:p>
+            <a:r>
+              <a:rPr lang="en-CA" sz="800" dirty="0">
+                <a:latin typeface="Courier" pitchFamily="2" charset="0"/>
+              </a:rPr>
+              <a:t>    0                   1                   2                   3</a:t>
+            </a:r>
+          </a:p>
+          <a:p>
+            <a:r>
+              <a:rPr lang="en-CA" sz="800" dirty="0">
+                <a:latin typeface="Courier" pitchFamily="2" charset="0"/>
+              </a:rPr>
+              <a:t>    0 1 2 3 4 5 6 7 8 9 0 1 2 3 4 5 6 7 8 9 0 1 2 3 4 5 6 7 8 9 0 1</a:t>
+            </a:r>
+          </a:p>
+          <a:p>
+            <a:r>
+              <a:rPr lang="en-CA" sz="800" dirty="0">
+                <a:latin typeface="Courier" pitchFamily="2" charset="0"/>
+              </a:rPr>
+              <a:t>    +-+-+-+-+-+-+-+-+-+-+-+-+-+-+-+-+-+-+-+-+-+-+-+-+-+-+-+-+-+-+-+-+</a:t>
+            </a:r>
+          </a:p>
+          <a:p>
+            <a:r>
+              <a:rPr lang="en-CA" sz="800" dirty="0">
+                <a:latin typeface="Courier" pitchFamily="2" charset="0"/>
+              </a:rPr>
+              <a:t>    |     Type      |    Length     |      Reserved                 |</a:t>
+            </a:r>
+          </a:p>
+          <a:p>
+            <a:r>
+              <a:rPr lang="en-CA" sz="800" dirty="0">
+                <a:latin typeface="Courier" pitchFamily="2" charset="0"/>
+              </a:rPr>
+              <a:t>    +-+-+-+-+-+-+-+-+-+-+-+-+-+-+-+-+-+-+-+-+-+-+-+-+-+-+-+-+-+-+-+-+</a:t>
+            </a:r>
+          </a:p>
+          <a:p>
+            <a:r>
+              <a:rPr lang="en-CA" sz="800" dirty="0">
+                <a:latin typeface="Courier" pitchFamily="2" charset="0"/>
+              </a:rPr>
+              <a:t>    |                    Segment(1)                                 |</a:t>
+            </a:r>
+          </a:p>
+          <a:p>
+            <a:r>
+              <a:rPr lang="en-CA" sz="800" dirty="0">
+                <a:latin typeface="Courier" pitchFamily="2" charset="0"/>
+              </a:rPr>
+              <a:t>    .                                                               .</a:t>
+            </a:r>
+          </a:p>
+          <a:p>
+            <a:r>
+              <a:rPr lang="en-CA" sz="800" dirty="0">
+                <a:latin typeface="Courier" pitchFamily="2" charset="0"/>
+              </a:rPr>
+              <a:t>    +-+-+-+-+-+-+-+-+-+-+-+-+-+-+-+-+-+-+-+-+-+-+-+-+-+-+-+-+-+-+-+-+</a:t>
+            </a:r>
+          </a:p>
+          <a:p>
+            <a:r>
+              <a:rPr lang="en-CA" sz="800" dirty="0">
+                <a:latin typeface="Courier" pitchFamily="2" charset="0"/>
+              </a:rPr>
+              <a:t>    .                                                               .</a:t>
+            </a:r>
+          </a:p>
+          <a:p>
+            <a:r>
+              <a:rPr lang="en-CA" sz="800" dirty="0">
+                <a:latin typeface="Courier" pitchFamily="2" charset="0"/>
+              </a:rPr>
+              <a:t>    .                                                               .</a:t>
+            </a:r>
+          </a:p>
+          <a:p>
+            <a:r>
+              <a:rPr lang="en-CA" sz="800" dirty="0">
+                <a:latin typeface="Courier" pitchFamily="2" charset="0"/>
+              </a:rPr>
+              <a:t>    .                                                               .</a:t>
+            </a:r>
+          </a:p>
+          <a:p>
+            <a:r>
+              <a:rPr lang="en-CA" sz="800" dirty="0">
+                <a:latin typeface="Courier" pitchFamily="2" charset="0"/>
+              </a:rPr>
+              <a:t>    +-+-+-+-+-+-+-+-+-+-+-+-+-+-+-+-+-+-+-+-+-+-+-+-+-+-+-+-+-+-+-+-+</a:t>
+            </a:r>
+          </a:p>
+          <a:p>
+            <a:r>
+              <a:rPr lang="en-CA" sz="800" dirty="0">
+                <a:latin typeface="Courier" pitchFamily="2" charset="0"/>
+              </a:rPr>
+              <a:t>    |                    Segment(n)                                 |</a:t>
+            </a:r>
+          </a:p>
+          <a:p>
+            <a:r>
+              <a:rPr lang="en-CA" sz="800" dirty="0">
+                <a:latin typeface="Courier" pitchFamily="2" charset="0"/>
+              </a:rPr>
+              <a:t>    .                                                               .</a:t>
+            </a:r>
+          </a:p>
+          <a:p>
+            <a:r>
+              <a:rPr lang="en-CA" sz="800" dirty="0">
+                <a:latin typeface="Courier" pitchFamily="2" charset="0"/>
+              </a:rPr>
+              <a:t>    +-+-+-+-+-+-+-+-+-+-+-+-+-+-+-+-+-+-+-+-+-+-+-+-+-+-+-+-+-+-+-+-+</a:t>
+            </a:r>
+          </a:p>
+          <a:p>
+            <a:endParaRPr lang="en-CA" sz="800" dirty="0">
+              <a:latin typeface="Courier" pitchFamily="2" charset="0"/>
+            </a:endParaRPr>
+          </a:p>
+          <a:p>
+            <a:r>
+              <a:rPr lang="en-CA" sz="800" dirty="0">
+                <a:latin typeface="Courier" pitchFamily="2" charset="0"/>
+              </a:rPr>
+              <a:t>           Figure: Segment List Sub-TLV in Return Path TLV</a:t>
+            </a:r>
+            <a:endParaRPr lang="en-US" sz="800" dirty="0">
+              <a:latin typeface="Courier" pitchFamily="2" charset="0"/>
+              <a:cs typeface="Courier New" panose="02070309020205020404" pitchFamily="49" charset="0"/>
+            </a:endParaRPr>
+          </a:p>
+        </p:txBody>
+      </p:sp>
     </p:spTree>
     <p:extLst>
       <p:ext uri="{BB962C8B-B14F-4D97-AF65-F5344CB8AC3E}">

--- a/draft-gandhi-spring-stamp-srpm-00.pptx
+++ b/draft-gandhi-spring-stamp-srpm-00.pptx
@@ -2747,7 +2747,7 @@
               </a14:hiddenLine>
             </a:ext>
             <a:ext uri="{FAA26D3D-D897-4be2-8F04-BA451C77F1D7}">
-              <ma14:placeholderFlag xmlns:ma14="http://schemas.microsoft.com/office/mac/drawingml/2011/main" xmlns="" val="1"/>
+              <ma14:placeholderFlag xmlns="" xmlns:ma14="http://schemas.microsoft.com/office/mac/drawingml/2011/main" val="1"/>
             </a:ext>
           </a:extLst>
         </p:spPr>
@@ -5444,8 +5444,8 @@
         </p:nvSpPr>
         <p:spPr>
           <a:xfrm>
-            <a:off x="609600" y="2051579"/>
-            <a:ext cx="7696200" cy="578643"/>
+            <a:off x="609600" y="1929607"/>
+            <a:ext cx="7696200" cy="755649"/>
           </a:xfrm>
         </p:spPr>
         <p:txBody>
@@ -5453,8 +5453,22 @@
           <a:lstStyle/>
           <a:p>
             <a:r>
-              <a:rPr lang="en-US" sz="2400" i="1" dirty="0"/>
+              <a:rPr lang="en-US" sz="2000" i="1" dirty="0"/>
               <a:t>draft-gandhi-spring-stamp-srpm-00</a:t>
+            </a:r>
+          </a:p>
+          <a:p>
+            <a:r>
+              <a:rPr lang="en-US" sz="2000" i="1" dirty="0"/>
+              <a:t>(</a:t>
+            </a:r>
+            <a:r>
+              <a:rPr lang="en-US" sz="2000" dirty="0"/>
+              <a:t>previously </a:t>
+            </a:r>
+            <a:r>
+              <a:rPr lang="en-US" sz="2000" i="1" dirty="0"/>
+              <a:t>draft-gandhi-spring-twamp-srpm-07)</a:t>
             </a:r>
           </a:p>
         </p:txBody>
@@ -5469,7 +5483,7 @@
         </p:nvSpPr>
         <p:spPr bwMode="auto">
           <a:xfrm>
-            <a:off x="1828800" y="2791883"/>
+            <a:off x="1676400" y="2921793"/>
             <a:ext cx="6248400" cy="1478757"/>
           </a:xfrm>
           <a:prstGeom prst="rect">
@@ -13804,7 +13818,7 @@
             <a:pPr lvl="1"/>
             <a:r>
               <a:rPr lang="en-US" sz="1100" dirty="0"/>
-              <a:t>Presented revision-00 at IETF 104 Prague in SPRING WG</a:t>
+              <a:t>Presented version-00 at IETF 104 Prague in SPRING WG</a:t>
             </a:r>
           </a:p>
           <a:p>
@@ -13817,7 +13831,7 @@
             <a:pPr lvl="1"/>
             <a:r>
               <a:rPr lang="en-US" sz="1100" dirty="0"/>
-              <a:t>Presented revision-01 at IETF 105 Montreal in IPPM WG</a:t>
+              <a:t>Presented version-01 at IETF 105 Montreal in IPPM WG</a:t>
             </a:r>
           </a:p>
           <a:p>
@@ -13842,7 +13856,7 @@
             <a:pPr lvl="1"/>
             <a:r>
               <a:rPr lang="en-US" sz="1100" dirty="0"/>
-              <a:t>Revision-02 updates included a section on stand-alone LM messages</a:t>
+              <a:t>Version-02 updates included a section on stand-alone LM messages</a:t>
             </a:r>
           </a:p>
           <a:p>
@@ -13862,7 +13876,7 @@
             <a:pPr lvl="1"/>
             <a:r>
               <a:rPr lang="en-US" sz="1100" dirty="0"/>
-              <a:t>Presented revision-04 at IETF 106 Singapore in SPRING WG</a:t>
+              <a:t>Presented version-04 at IETF 106 Singapore in SPRING WG</a:t>
             </a:r>
           </a:p>
           <a:p>
@@ -14036,7 +14050,7 @@
                 <a:latin typeface="Calibri Light" panose="020F0302020204030204" pitchFamily="34" charset="0"/>
                 <a:cs typeface="Calibri Light" panose="020F0302020204030204" pitchFamily="34" charset="0"/>
               </a:rPr>
-              <a:t>Updates Since IETF-106 (Revision-04)</a:t>
+              <a:t>Updates Since IETF-106 (Version-04)</a:t>
             </a:r>
           </a:p>
         </p:txBody>
@@ -14491,7 +14505,7 @@
               <a:rPr lang="en-CA" sz="800" dirty="0">
                 <a:latin typeface="Courier" pitchFamily="2" charset="0"/>
               </a:rPr>
-              <a:t>            Figure 6: Sender Control Code in STAMP DM Message</a:t>
+              <a:t>            Figure: Sender Control Code in STAMP DM Message</a:t>
             </a:r>
           </a:p>
         </p:txBody>
@@ -14817,7 +14831,7 @@
               <a:rPr lang="en-CA" sz="800" dirty="0">
                 <a:latin typeface="Courier" pitchFamily="2" charset="0"/>
               </a:rPr>
-              <a:t>            Figure 6: Reflector Control Code in STAMP DM Message</a:t>
+              <a:t>            Figure: Reflector Control Code in STAMP DM Message</a:t>
             </a:r>
           </a:p>
           <a:p>

--- a/draft-gandhi-spring-stamp-srpm-00.pptx
+++ b/draft-gandhi-spring-stamp-srpm-00.pptx
@@ -7816,7 +7816,7 @@
                 </a:ln>
                 <a:solidFill>
                   <a:schemeClr val="bg2">
-                    <a:lumMod val="75000"/>
+                    <a:lumMod val="50000"/>
                   </a:schemeClr>
                 </a:solidFill>
                 <a:effectLst/>
@@ -7867,7 +7867,7 @@
                 </a:ln>
                 <a:solidFill>
                   <a:schemeClr val="bg2">
-                    <a:lumMod val="75000"/>
+                    <a:lumMod val="50000"/>
                   </a:schemeClr>
                 </a:solidFill>
                 <a:effectLst/>
@@ -7918,7 +7918,7 @@
                 </a:ln>
                 <a:solidFill>
                   <a:schemeClr val="bg2">
-                    <a:lumMod val="75000"/>
+                    <a:lumMod val="50000"/>
                   </a:schemeClr>
                 </a:solidFill>
                 <a:effectLst/>
@@ -7969,7 +7969,7 @@
                 </a:ln>
                 <a:solidFill>
                   <a:schemeClr val="bg2">
-                    <a:lumMod val="75000"/>
+                    <a:lumMod val="50000"/>
                   </a:schemeClr>
                 </a:solidFill>
                 <a:effectLst/>
@@ -8020,7 +8020,7 @@
                 </a:ln>
                 <a:solidFill>
                   <a:schemeClr val="bg2">
-                    <a:lumMod val="75000"/>
+                    <a:lumMod val="50000"/>
                   </a:schemeClr>
                 </a:solidFill>
                 <a:effectLst/>
@@ -8071,7 +8071,7 @@
                 </a:ln>
                 <a:solidFill>
                   <a:schemeClr val="bg2">
-                    <a:lumMod val="75000"/>
+                    <a:lumMod val="50000"/>
                   </a:schemeClr>
                 </a:solidFill>
                 <a:effectLst/>
@@ -8122,7 +8122,7 @@
                 </a:ln>
                 <a:solidFill>
                   <a:schemeClr val="bg2">
-                    <a:lumMod val="75000"/>
+                    <a:lumMod val="50000"/>
                   </a:schemeClr>
                 </a:solidFill>
                 <a:effectLst/>
@@ -8173,7 +8173,7 @@
                 </a:ln>
                 <a:solidFill>
                   <a:schemeClr val="bg2">
-                    <a:lumMod val="75000"/>
+                    <a:lumMod val="50000"/>
                   </a:schemeClr>
                 </a:solidFill>
                 <a:effectLst/>
@@ -8224,7 +8224,7 @@
                 </a:ln>
                 <a:solidFill>
                   <a:schemeClr val="bg2">
-                    <a:lumMod val="75000"/>
+                    <a:lumMod val="50000"/>
                   </a:schemeClr>
                 </a:solidFill>
                 <a:effectLst/>
@@ -8275,7 +8275,7 @@
                 </a:ln>
                 <a:solidFill>
                   <a:schemeClr val="bg2">
-                    <a:lumMod val="75000"/>
+                    <a:lumMod val="50000"/>
                   </a:schemeClr>
                 </a:solidFill>
                 <a:effectLst/>
@@ -8326,7 +8326,7 @@
                 </a:ln>
                 <a:solidFill>
                   <a:schemeClr val="bg2">
-                    <a:lumMod val="75000"/>
+                    <a:lumMod val="50000"/>
                   </a:schemeClr>
                 </a:solidFill>
                 <a:effectLst/>
@@ -8377,7 +8377,7 @@
                 </a:ln>
                 <a:solidFill>
                   <a:schemeClr val="bg2">
-                    <a:lumMod val="75000"/>
+                    <a:lumMod val="50000"/>
                   </a:schemeClr>
                 </a:solidFill>
                 <a:effectLst/>
@@ -8393,7 +8393,7 @@
                 </a:ln>
                 <a:solidFill>
                   <a:schemeClr val="bg2">
-                    <a:lumMod val="75000"/>
+                    <a:lumMod val="50000"/>
                   </a:schemeClr>
                 </a:solidFill>
                 <a:effectLst/>
@@ -8407,7 +8407,7 @@
               </a:ln>
               <a:solidFill>
                 <a:schemeClr val="bg2">
-                  <a:lumMod val="75000"/>
+                  <a:lumMod val="50000"/>
                 </a:schemeClr>
               </a:solidFill>
               <a:effectLst/>
@@ -9427,7 +9427,7 @@
         <p:spPr>
           <a:xfrm>
             <a:off x="685800" y="766665"/>
-            <a:ext cx="8077200" cy="857250"/>
+            <a:ext cx="8001000" cy="659568"/>
           </a:xfrm>
         </p:spPr>
         <p:txBody>
@@ -9435,23 +9435,23 @@
           <a:lstStyle/>
           <a:p>
             <a:r>
-              <a:rPr lang="en-US" sz="1400" dirty="0"/>
+              <a:rPr lang="en-US" sz="1600" dirty="0"/>
               <a:t>User-configured destination UDP </a:t>
             </a:r>
             <a:r>
-              <a:rPr lang="en-US" sz="1400" b="1" dirty="0"/>
+              <a:rPr lang="en-US" sz="1600" b="1" dirty="0"/>
               <a:t>port1</a:t>
             </a:r>
             <a:r>
-              <a:rPr lang="en-US" sz="1400" dirty="0"/>
+              <a:rPr lang="en-US" sz="1600" dirty="0"/>
               <a:t> is used for DM probe messages in unauthenticated mode and </a:t>
             </a:r>
             <a:r>
-              <a:rPr lang="en-US" sz="1400" b="1" dirty="0"/>
+              <a:rPr lang="en-US" sz="1600" b="1" dirty="0"/>
               <a:t>port2</a:t>
             </a:r>
             <a:r>
-              <a:rPr lang="en-US" sz="1400" dirty="0"/>
+              <a:rPr lang="en-US" sz="1600" dirty="0"/>
               <a:t> is used for LM probe messages in unauthenticated mode.</a:t>
             </a:r>
           </a:p>
@@ -9459,7 +9459,7 @@
             <a:pPr marL="0" indent="0">
               <a:buNone/>
             </a:pPr>
-            <a:endParaRPr lang="en-US" sz="1400" dirty="0"/>
+            <a:endParaRPr lang="en-US" sz="1600" dirty="0"/>
           </a:p>
         </p:txBody>
       </p:sp>
@@ -10997,7 +10997,7 @@
             </a:pPr>
             <a:r>
               <a:rPr lang="en-US" sz="1800" dirty="0"/>
-              <a:t>Destination addresses in IP header (e.g. 127/8)</a:t>
+              <a:t>Destination addresses in IPv4 header (e.g. 127/8)</a:t>
             </a:r>
           </a:p>
           <a:p>
@@ -11025,7 +11025,7 @@
             </a:pPr>
             <a:r>
               <a:rPr lang="en-US" sz="1800" dirty="0"/>
-              <a:t>Destination addresses in IP header (e.g. FFFF:7F00/104)</a:t>
+              <a:t>Destination addresses in IPv6 header (e.g. FFFF:7F00/104)</a:t>
             </a:r>
           </a:p>
           <a:p>
@@ -14682,7 +14682,7 @@
           </a:p>
           <a:p>
             <a:r>
-              <a:rPr lang="en-US" sz="1400" dirty="0">
+              <a:rPr lang="en-US" sz="1400" b="1" dirty="0">
                 <a:solidFill>
                   <a:schemeClr val="tx2"/>
                 </a:solidFill>
@@ -15718,7 +15718,7 @@
               <a:rPr lang="en-CA" sz="800" dirty="0">
                 <a:latin typeface="Courier" pitchFamily="2" charset="0"/>
               </a:rPr>
-              <a:t>                      Figure: Return Path TLV</a:t>
+              <a:t>                         Figure: Return Path TLV</a:t>
             </a:r>
           </a:p>
         </p:txBody>
@@ -15785,8 +15785,6 @@
               <a:spcBef>
                 <a:spcPts val="600"/>
               </a:spcBef>
-              <a:buFont typeface="+mj-lt"/>
-              <a:buAutoNum type="arabicPeriod"/>
             </a:pPr>
             <a:r>
               <a:rPr lang="en-CA" sz="1400" dirty="0">
@@ -15802,8 +15800,6 @@
               <a:spcBef>
                 <a:spcPts val="600"/>
               </a:spcBef>
-              <a:buFont typeface="+mj-lt"/>
-              <a:buAutoNum type="arabicPeriod"/>
             </a:pPr>
             <a:r>
               <a:rPr lang="en-CA" sz="1400" dirty="0"/>
@@ -15815,8 +15811,6 @@
               <a:spcBef>
                 <a:spcPts val="600"/>
               </a:spcBef>
-              <a:buFont typeface="+mj-lt"/>
-              <a:buAutoNum type="arabicPeriod"/>
             </a:pPr>
             <a:r>
               <a:rPr lang="en-CA" sz="1400" dirty="0"/>
@@ -15852,8 +15846,6 @@
               <a:spcBef>
                 <a:spcPts val="600"/>
               </a:spcBef>
-              <a:buFont typeface="+mj-lt"/>
-              <a:buAutoNum type="arabicPeriod"/>
             </a:pPr>
             <a:r>
               <a:rPr lang="en-CA" sz="1400" dirty="0"/>
@@ -15865,8 +15857,6 @@
               <a:spcBef>
                 <a:spcPts val="600"/>
               </a:spcBef>
-              <a:buFont typeface="+mj-lt"/>
-              <a:buAutoNum type="arabicPeriod"/>
             </a:pPr>
             <a:r>
               <a:rPr lang="en-CA" sz="1400" dirty="0"/>
@@ -16066,7 +16056,7 @@
               <a:rPr lang="en-CA" sz="800" dirty="0">
                 <a:latin typeface="Courier" pitchFamily="2" charset="0"/>
               </a:rPr>
-              <a:t>           Figure: Segment List Sub-TLV in Return Path TLV</a:t>
+              <a:t>              Figure: Segment List Sub-TLV in Return Path TLV</a:t>
             </a:r>
             <a:endParaRPr lang="en-US" sz="800" dirty="0">
               <a:latin typeface="Courier" pitchFamily="2" charset="0"/>

--- a/draft-gandhi-spring-stamp-srpm-00.pptx
+++ b/draft-gandhi-spring-stamp-srpm-00.pptx
@@ -264,7 +264,7 @@
           <a:p>
             <a:fld id="{E8FA3DB5-7722-3F4F-947D-12B203669AD7}" type="datetimeFigureOut">
               <a:rPr lang="en-US" smtClean="0"/>
-              <a:t>3/30/20</a:t>
+              <a:t>3/31/20</a:t>
             </a:fld>
             <a:endParaRPr lang="en-US"/>
           </a:p>
@@ -2747,7 +2747,7 @@
               </a14:hiddenLine>
             </a:ext>
             <a:ext uri="{FAA26D3D-D897-4be2-8F04-BA451C77F1D7}">
-              <ma14:placeholderFlag xmlns="" xmlns:ma14="http://schemas.microsoft.com/office/mac/drawingml/2011/main" val="1"/>
+              <ma14:placeholderFlag xmlns:ma14="http://schemas.microsoft.com/office/mac/drawingml/2011/main" xmlns="" val="1"/>
             </a:ext>
           </a:extLst>
         </p:spPr>
@@ -5453,21 +5453,21 @@
           <a:lstStyle/>
           <a:p>
             <a:r>
-              <a:rPr lang="en-US" sz="2000" i="1" dirty="0"/>
+              <a:rPr lang="en-US" sz="1800" i="1" dirty="0"/>
               <a:t>draft-gandhi-spring-stamp-srpm-00</a:t>
             </a:r>
           </a:p>
           <a:p>
             <a:r>
-              <a:rPr lang="en-US" sz="2000" i="1" dirty="0"/>
+              <a:rPr lang="en-US" sz="1800" i="1" dirty="0"/>
               <a:t>(</a:t>
             </a:r>
             <a:r>
-              <a:rPr lang="en-US" sz="2000" dirty="0"/>
+              <a:rPr lang="en-US" sz="1800" dirty="0"/>
               <a:t>previously </a:t>
             </a:r>
             <a:r>
-              <a:rPr lang="en-US" sz="2000" i="1" dirty="0"/>
+              <a:rPr lang="en-US" sz="1800" i="1" dirty="0"/>
               <a:t>draft-gandhi-spring-twamp-srpm-07)</a:t>
             </a:r>
           </a:p>
@@ -5483,7 +5483,7 @@
         </p:nvSpPr>
         <p:spPr bwMode="auto">
           <a:xfrm>
-            <a:off x="1676400" y="2921793"/>
+            <a:off x="1676400" y="2972592"/>
             <a:ext cx="6248400" cy="1478757"/>
           </a:xfrm>
           <a:prstGeom prst="rect">
@@ -10103,7 +10103,7 @@
         </p:nvSpPr>
         <p:spPr bwMode="auto">
           <a:xfrm>
-            <a:off x="228600" y="1352550"/>
+            <a:off x="207169" y="1461909"/>
             <a:ext cx="3962400" cy="2641926"/>
           </a:xfrm>
           <a:prstGeom prst="rect">
@@ -13770,7 +13770,7 @@
         </p:nvSpPr>
         <p:spPr>
           <a:xfrm>
-            <a:off x="457200" y="831574"/>
+            <a:off x="457200" y="857250"/>
             <a:ext cx="8229600" cy="3645176"/>
           </a:xfrm>
         </p:spPr>
@@ -13889,7 +13889,7 @@
             <a:pPr lvl="1"/>
             <a:r>
               <a:rPr lang="en-US" sz="1100" dirty="0"/>
-              <a:t>Moved STAMP support to </a:t>
+              <a:t>Moved SRPM STAMP support to </a:t>
             </a:r>
             <a:r>
               <a:rPr lang="en-US" sz="1100" i="1" dirty="0"/>
@@ -13916,7 +13916,7 @@
             <a:pPr lvl="1"/>
             <a:r>
               <a:rPr lang="en-US" sz="1100" dirty="0"/>
-              <a:t>Scope TWAMP Light support as informational in </a:t>
+              <a:t>Keep SRPM TWAMP Light support in </a:t>
             </a:r>
             <a:r>
               <a:rPr lang="en-US" sz="1100" i="1" dirty="0"/>
